--- a/study-note/데이터베이스/2022-08-31 내용정리.pptx
+++ b/study-note/데이터베이스/2022-08-31 내용정리.pptx
@@ -5,7 +5,7 @@
     <p:sldMasterId id="2147483648" r:id="rId1"/>
   </p:sldMasterIdLst>
   <p:notesMasterIdLst>
-    <p:notesMasterId r:id="rId44"/>
+    <p:notesMasterId r:id="rId45"/>
   </p:notesMasterIdLst>
   <p:sldIdLst>
     <p:sldId id="256" r:id="rId2"/>
@@ -28,28 +28,29 @@
     <p:sldId id="378" r:id="rId19"/>
     <p:sldId id="379" r:id="rId20"/>
     <p:sldId id="380" r:id="rId21"/>
-    <p:sldId id="381" r:id="rId22"/>
-    <p:sldId id="382" r:id="rId23"/>
-    <p:sldId id="383" r:id="rId24"/>
-    <p:sldId id="384" r:id="rId25"/>
-    <p:sldId id="385" r:id="rId26"/>
-    <p:sldId id="386" r:id="rId27"/>
-    <p:sldId id="387" r:id="rId28"/>
-    <p:sldId id="388" r:id="rId29"/>
-    <p:sldId id="389" r:id="rId30"/>
-    <p:sldId id="390" r:id="rId31"/>
-    <p:sldId id="391" r:id="rId32"/>
-    <p:sldId id="392" r:id="rId33"/>
-    <p:sldId id="393" r:id="rId34"/>
-    <p:sldId id="394" r:id="rId35"/>
-    <p:sldId id="395" r:id="rId36"/>
-    <p:sldId id="396" r:id="rId37"/>
-    <p:sldId id="397" r:id="rId38"/>
-    <p:sldId id="398" r:id="rId39"/>
-    <p:sldId id="399" r:id="rId40"/>
-    <p:sldId id="400" r:id="rId41"/>
-    <p:sldId id="401" r:id="rId42"/>
-    <p:sldId id="402" r:id="rId43"/>
+    <p:sldId id="408" r:id="rId22"/>
+    <p:sldId id="381" r:id="rId23"/>
+    <p:sldId id="382" r:id="rId24"/>
+    <p:sldId id="383" r:id="rId25"/>
+    <p:sldId id="384" r:id="rId26"/>
+    <p:sldId id="385" r:id="rId27"/>
+    <p:sldId id="386" r:id="rId28"/>
+    <p:sldId id="387" r:id="rId29"/>
+    <p:sldId id="388" r:id="rId30"/>
+    <p:sldId id="389" r:id="rId31"/>
+    <p:sldId id="390" r:id="rId32"/>
+    <p:sldId id="391" r:id="rId33"/>
+    <p:sldId id="392" r:id="rId34"/>
+    <p:sldId id="393" r:id="rId35"/>
+    <p:sldId id="394" r:id="rId36"/>
+    <p:sldId id="395" r:id="rId37"/>
+    <p:sldId id="396" r:id="rId38"/>
+    <p:sldId id="397" r:id="rId39"/>
+    <p:sldId id="398" r:id="rId40"/>
+    <p:sldId id="399" r:id="rId41"/>
+    <p:sldId id="400" r:id="rId42"/>
+    <p:sldId id="401" r:id="rId43"/>
+    <p:sldId id="402" r:id="rId44"/>
   </p:sldIdLst>
   <p:sldSz cx="12192000" cy="6858000"/>
   <p:notesSz cx="6858000" cy="9144000"/>
@@ -8201,6 +8202,364 @@
           <a:chExt cx="0" cy="0"/>
         </a:xfrm>
       </p:grpSpPr>
+      <p:sp>
+        <p:nvSpPr>
+          <p:cNvPr id="2" name="한쪽 모서리가 잘린 사각형 1">
+            <a:extLst>
+              <a:ext uri="{FF2B5EF4-FFF2-40B4-BE49-F238E27FC236}">
+                <a16:creationId xmlns:a16="http://schemas.microsoft.com/office/drawing/2014/main" id="{5CB88CCA-6172-0473-D796-499523C12327}"/>
+              </a:ext>
+            </a:extLst>
+          </p:cNvPr>
+          <p:cNvSpPr/>
+          <p:nvPr/>
+        </p:nvSpPr>
+        <p:spPr>
+          <a:xfrm>
+            <a:off x="1871330" y="1881963"/>
+            <a:ext cx="1201479" cy="1690577"/>
+          </a:xfrm>
+          <a:prstGeom prst="snip1Rect">
+            <a:avLst/>
+          </a:prstGeom>
+        </p:spPr>
+        <p:style>
+          <a:lnRef idx="2">
+            <a:schemeClr val="accent1">
+              <a:shade val="50000"/>
+            </a:schemeClr>
+          </a:lnRef>
+          <a:fillRef idx="1">
+            <a:schemeClr val="accent1"/>
+          </a:fillRef>
+          <a:effectRef idx="0">
+            <a:schemeClr val="accent1"/>
+          </a:effectRef>
+          <a:fontRef idx="minor">
+            <a:schemeClr val="lt1"/>
+          </a:fontRef>
+        </p:style>
+        <p:txBody>
+          <a:bodyPr rtlCol="0" anchor="ctr"/>
+          <a:lstStyle/>
+          <a:p>
+            <a:pPr algn="ctr"/>
+            <a:r>
+              <a:rPr kumimoji="1" lang="ko-KR" altLang="en-US" dirty="0"/>
+              <a:t>그림</a:t>
+            </a:r>
+            <a:endParaRPr kumimoji="1" lang="ko-Kore-KR" altLang="en-US" dirty="0"/>
+          </a:p>
+        </p:txBody>
+      </p:sp>
+      <p:sp>
+        <p:nvSpPr>
+          <p:cNvPr id="3" name="직사각형 2">
+            <a:extLst>
+              <a:ext uri="{FF2B5EF4-FFF2-40B4-BE49-F238E27FC236}">
+                <a16:creationId xmlns:a16="http://schemas.microsoft.com/office/drawing/2014/main" id="{522126BB-D170-28CA-DC3A-DA6C6D2F7C75}"/>
+              </a:ext>
+            </a:extLst>
+          </p:cNvPr>
+          <p:cNvSpPr/>
+          <p:nvPr/>
+        </p:nvSpPr>
+        <p:spPr>
+          <a:xfrm>
+            <a:off x="5380074" y="1881963"/>
+            <a:ext cx="1148317" cy="1690577"/>
+          </a:xfrm>
+          <a:prstGeom prst="rect">
+            <a:avLst/>
+          </a:prstGeom>
+        </p:spPr>
+        <p:style>
+          <a:lnRef idx="2">
+            <a:schemeClr val="accent1">
+              <a:shade val="50000"/>
+            </a:schemeClr>
+          </a:lnRef>
+          <a:fillRef idx="1">
+            <a:schemeClr val="accent1"/>
+          </a:fillRef>
+          <a:effectRef idx="0">
+            <a:schemeClr val="accent1"/>
+          </a:effectRef>
+          <a:fontRef idx="minor">
+            <a:schemeClr val="lt1"/>
+          </a:fontRef>
+        </p:style>
+        <p:txBody>
+          <a:bodyPr rtlCol="0" anchor="ctr"/>
+          <a:lstStyle/>
+          <a:p>
+            <a:pPr algn="ctr"/>
+            <a:r>
+              <a:rPr kumimoji="1" lang="ko-Kore-KR" altLang="en-US" dirty="0"/>
+              <a:t>텍스트</a:t>
+            </a:r>
+          </a:p>
+        </p:txBody>
+      </p:sp>
+      <p:sp>
+        <p:nvSpPr>
+          <p:cNvPr id="4" name="한쪽 모서리가 잘린 사각형 3">
+            <a:extLst>
+              <a:ext uri="{FF2B5EF4-FFF2-40B4-BE49-F238E27FC236}">
+                <a16:creationId xmlns:a16="http://schemas.microsoft.com/office/drawing/2014/main" id="{2E99B913-77A5-9345-6F22-B49DA5D16D00}"/>
+              </a:ext>
+            </a:extLst>
+          </p:cNvPr>
+          <p:cNvSpPr/>
+          <p:nvPr/>
+        </p:nvSpPr>
+        <p:spPr>
+          <a:xfrm>
+            <a:off x="9119191" y="1881962"/>
+            <a:ext cx="1201479" cy="1690577"/>
+          </a:xfrm>
+          <a:prstGeom prst="snip1Rect">
+            <a:avLst/>
+          </a:prstGeom>
+        </p:spPr>
+        <p:style>
+          <a:lnRef idx="2">
+            <a:schemeClr val="accent1">
+              <a:shade val="50000"/>
+            </a:schemeClr>
+          </a:lnRef>
+          <a:fillRef idx="1">
+            <a:schemeClr val="accent1"/>
+          </a:fillRef>
+          <a:effectRef idx="0">
+            <a:schemeClr val="accent1"/>
+          </a:effectRef>
+          <a:fontRef idx="minor">
+            <a:schemeClr val="lt1"/>
+          </a:fontRef>
+        </p:style>
+        <p:txBody>
+          <a:bodyPr rtlCol="0" anchor="ctr"/>
+          <a:lstStyle/>
+          <a:p>
+            <a:pPr algn="ctr"/>
+            <a:r>
+              <a:rPr kumimoji="1" lang="ko-KR" altLang="en-US" dirty="0"/>
+              <a:t>그림</a:t>
+            </a:r>
+            <a:endParaRPr kumimoji="1" lang="ko-Kore-KR" altLang="en-US" dirty="0"/>
+          </a:p>
+        </p:txBody>
+      </p:sp>
+      <p:cxnSp>
+        <p:nvCxnSpPr>
+          <p:cNvPr id="6" name="직선 화살표 연결선 5">
+            <a:extLst>
+              <a:ext uri="{FF2B5EF4-FFF2-40B4-BE49-F238E27FC236}">
+                <a16:creationId xmlns:a16="http://schemas.microsoft.com/office/drawing/2014/main" id="{13415190-84D9-C57E-9736-367D190A3BC2}"/>
+              </a:ext>
+            </a:extLst>
+          </p:cNvPr>
+          <p:cNvCxnSpPr>
+            <a:stCxn id="2" idx="0"/>
+            <a:endCxn id="3" idx="1"/>
+          </p:cNvCxnSpPr>
+          <p:nvPr/>
+        </p:nvCxnSpPr>
+        <p:spPr>
+          <a:xfrm>
+            <a:off x="3072809" y="2727252"/>
+            <a:ext cx="2307265" cy="0"/>
+          </a:xfrm>
+          <a:prstGeom prst="straightConnector1">
+            <a:avLst/>
+          </a:prstGeom>
+          <a:ln>
+            <a:tailEnd type="triangle"/>
+          </a:ln>
+        </p:spPr>
+        <p:style>
+          <a:lnRef idx="3">
+            <a:schemeClr val="accent1"/>
+          </a:lnRef>
+          <a:fillRef idx="0">
+            <a:schemeClr val="accent1"/>
+          </a:fillRef>
+          <a:effectRef idx="2">
+            <a:schemeClr val="accent1"/>
+          </a:effectRef>
+          <a:fontRef idx="minor">
+            <a:schemeClr val="tx1"/>
+          </a:fontRef>
+        </p:style>
+      </p:cxnSp>
+      <p:cxnSp>
+        <p:nvCxnSpPr>
+          <p:cNvPr id="7" name="직선 화살표 연결선 6">
+            <a:extLst>
+              <a:ext uri="{FF2B5EF4-FFF2-40B4-BE49-F238E27FC236}">
+                <a16:creationId xmlns:a16="http://schemas.microsoft.com/office/drawing/2014/main" id="{46099852-782D-AEBA-476B-E34B4F00C87D}"/>
+              </a:ext>
+            </a:extLst>
+          </p:cNvPr>
+          <p:cNvCxnSpPr>
+            <a:cxnSpLocks/>
+            <a:stCxn id="3" idx="3"/>
+            <a:endCxn id="4" idx="2"/>
+          </p:cNvCxnSpPr>
+          <p:nvPr/>
+        </p:nvCxnSpPr>
+        <p:spPr>
+          <a:xfrm flipV="1">
+            <a:off x="6528391" y="2727251"/>
+            <a:ext cx="2590800" cy="1"/>
+          </a:xfrm>
+          <a:prstGeom prst="straightConnector1">
+            <a:avLst/>
+          </a:prstGeom>
+          <a:ln>
+            <a:tailEnd type="triangle"/>
+          </a:ln>
+        </p:spPr>
+        <p:style>
+          <a:lnRef idx="3">
+            <a:schemeClr val="accent1"/>
+          </a:lnRef>
+          <a:fillRef idx="0">
+            <a:schemeClr val="accent1"/>
+          </a:fillRef>
+          <a:effectRef idx="2">
+            <a:schemeClr val="accent1"/>
+          </a:effectRef>
+          <a:fontRef idx="minor">
+            <a:schemeClr val="tx1"/>
+          </a:fontRef>
+        </p:style>
+      </p:cxnSp>
+      <p:sp>
+        <p:nvSpPr>
+          <p:cNvPr id="10" name="직사각형 9">
+            <a:extLst>
+              <a:ext uri="{FF2B5EF4-FFF2-40B4-BE49-F238E27FC236}">
+                <a16:creationId xmlns:a16="http://schemas.microsoft.com/office/drawing/2014/main" id="{D7C09FC4-E775-8358-2D2D-894EEB5EDC8D}"/>
+              </a:ext>
+            </a:extLst>
+          </p:cNvPr>
+          <p:cNvSpPr/>
+          <p:nvPr/>
+        </p:nvSpPr>
+        <p:spPr>
+          <a:xfrm>
+            <a:off x="3631018" y="2375049"/>
+            <a:ext cx="1201478" cy="704402"/>
+          </a:xfrm>
+          <a:prstGeom prst="rect">
+            <a:avLst/>
+          </a:prstGeom>
+        </p:spPr>
+        <p:style>
+          <a:lnRef idx="2">
+            <a:schemeClr val="accent1"/>
+          </a:lnRef>
+          <a:fillRef idx="1">
+            <a:schemeClr val="lt1"/>
+          </a:fillRef>
+          <a:effectRef idx="0">
+            <a:schemeClr val="accent1"/>
+          </a:effectRef>
+          <a:fontRef idx="minor">
+            <a:schemeClr val="dk1"/>
+          </a:fontRef>
+        </p:style>
+        <p:txBody>
+          <a:bodyPr rtlCol="0" anchor="ctr"/>
+          <a:lstStyle/>
+          <a:p>
+            <a:pPr algn="ctr"/>
+            <a:r>
+              <a:rPr kumimoji="1" lang="en-US" altLang="ko-KR" sz="1100" dirty="0"/>
+              <a:t>Base64</a:t>
+            </a:r>
+          </a:p>
+          <a:p>
+            <a:pPr algn="ctr"/>
+            <a:r>
+              <a:rPr kumimoji="1" lang="ko-Kore-KR" altLang="en-US" sz="1100" dirty="0"/>
+              <a:t>인코딩</a:t>
+            </a:r>
+            <a:endParaRPr kumimoji="1" lang="en-US" altLang="ko-Kore-KR" sz="1100" dirty="0"/>
+          </a:p>
+          <a:p>
+            <a:pPr algn="ctr"/>
+            <a:r>
+              <a:rPr kumimoji="1" lang="ko-Kore-KR" altLang="en-US" sz="1100" dirty="0"/>
+              <a:t>변환</a:t>
+            </a:r>
+          </a:p>
+        </p:txBody>
+      </p:sp>
+      <p:sp>
+        <p:nvSpPr>
+          <p:cNvPr id="11" name="직사각형 10">
+            <a:extLst>
+              <a:ext uri="{FF2B5EF4-FFF2-40B4-BE49-F238E27FC236}">
+                <a16:creationId xmlns:a16="http://schemas.microsoft.com/office/drawing/2014/main" id="{AB22D7C0-5DA6-2B41-1AAF-8AA6AD6CB861}"/>
+              </a:ext>
+            </a:extLst>
+          </p:cNvPr>
+          <p:cNvSpPr/>
+          <p:nvPr/>
+        </p:nvSpPr>
+        <p:spPr>
+          <a:xfrm>
+            <a:off x="7223052" y="2375049"/>
+            <a:ext cx="1201478" cy="704402"/>
+          </a:xfrm>
+          <a:prstGeom prst="rect">
+            <a:avLst/>
+          </a:prstGeom>
+        </p:spPr>
+        <p:style>
+          <a:lnRef idx="2">
+            <a:schemeClr val="accent1"/>
+          </a:lnRef>
+          <a:fillRef idx="1">
+            <a:schemeClr val="lt1"/>
+          </a:fillRef>
+          <a:effectRef idx="0">
+            <a:schemeClr val="accent1"/>
+          </a:effectRef>
+          <a:fontRef idx="minor">
+            <a:schemeClr val="dk1"/>
+          </a:fontRef>
+        </p:style>
+        <p:txBody>
+          <a:bodyPr rtlCol="0" anchor="ctr"/>
+          <a:lstStyle/>
+          <a:p>
+            <a:pPr algn="ctr"/>
+            <a:r>
+              <a:rPr kumimoji="1" lang="en-US" altLang="ko-KR" sz="1100" dirty="0"/>
+              <a:t>Base64</a:t>
+            </a:r>
+          </a:p>
+          <a:p>
+            <a:pPr algn="ctr"/>
+            <a:r>
+              <a:rPr kumimoji="1" lang="ko-Kore-KR" altLang="en-US" sz="1100" dirty="0"/>
+              <a:t>디코딩</a:t>
+            </a:r>
+            <a:endParaRPr kumimoji="1" lang="en-US" altLang="ko-Kore-KR" sz="1100" dirty="0"/>
+          </a:p>
+          <a:p>
+            <a:pPr algn="ctr"/>
+            <a:r>
+              <a:rPr kumimoji="1" lang="ko-Kore-KR" altLang="en-US" sz="1100" dirty="0"/>
+              <a:t>변환</a:t>
+            </a:r>
+          </a:p>
+        </p:txBody>
+      </p:sp>
     </p:spTree>
     <p:extLst>
       <p:ext uri="{BB962C8B-B14F-4D97-AF65-F5344CB8AC3E}">
@@ -8231,6 +8590,508 @@
           <a:chExt cx="0" cy="0"/>
         </a:xfrm>
       </p:grpSpPr>
+      <p:sp>
+        <p:nvSpPr>
+          <p:cNvPr id="2" name="한쪽 모서리가 잘린 사각형 1">
+            <a:extLst>
+              <a:ext uri="{FF2B5EF4-FFF2-40B4-BE49-F238E27FC236}">
+                <a16:creationId xmlns:a16="http://schemas.microsoft.com/office/drawing/2014/main" id="{751165D7-D143-D293-303A-8815C2DC3F18}"/>
+              </a:ext>
+            </a:extLst>
+          </p:cNvPr>
+          <p:cNvSpPr/>
+          <p:nvPr/>
+        </p:nvSpPr>
+        <p:spPr>
+          <a:xfrm>
+            <a:off x="372138" y="1765004"/>
+            <a:ext cx="1850066" cy="2381693"/>
+          </a:xfrm>
+          <a:prstGeom prst="snip1Rect">
+            <a:avLst/>
+          </a:prstGeom>
+        </p:spPr>
+        <p:style>
+          <a:lnRef idx="2">
+            <a:schemeClr val="accent1">
+              <a:shade val="50000"/>
+            </a:schemeClr>
+          </a:lnRef>
+          <a:fillRef idx="1">
+            <a:schemeClr val="accent1"/>
+          </a:fillRef>
+          <a:effectRef idx="0">
+            <a:schemeClr val="accent1"/>
+          </a:effectRef>
+          <a:fontRef idx="minor">
+            <a:schemeClr val="lt1"/>
+          </a:fontRef>
+        </p:style>
+        <p:txBody>
+          <a:bodyPr rtlCol="0" anchor="ctr"/>
+          <a:lstStyle/>
+          <a:p>
+            <a:pPr algn="ctr"/>
+            <a:r>
+              <a:rPr kumimoji="1" lang="en-US" altLang="ko-Kore-KR" dirty="0"/>
+              <a:t>HTML</a:t>
+            </a:r>
+          </a:p>
+          <a:p>
+            <a:pPr algn="ctr"/>
+            <a:r>
+              <a:rPr kumimoji="1" lang="en-US" altLang="ko-Kore-KR" dirty="0"/>
+              <a:t>+</a:t>
+            </a:r>
+          </a:p>
+          <a:p>
+            <a:pPr algn="ctr"/>
+            <a:r>
+              <a:rPr kumimoji="1" lang="en-US" altLang="ko-Kore-KR" dirty="0"/>
+              <a:t>Base64</a:t>
+            </a:r>
+          </a:p>
+          <a:p>
+            <a:pPr algn="ctr"/>
+            <a:r>
+              <a:rPr kumimoji="1" lang="ko-Kore-KR" altLang="en-US" dirty="0"/>
+              <a:t>인코딩</a:t>
+            </a:r>
+            <a:endParaRPr kumimoji="1" lang="en-US" altLang="ko-Kore-KR" dirty="0"/>
+          </a:p>
+          <a:p>
+            <a:pPr algn="ctr"/>
+            <a:r>
+              <a:rPr kumimoji="1" lang="ko-Kore-KR" altLang="en-US" dirty="0"/>
+              <a:t>그림</a:t>
+            </a:r>
+            <a:r>
+              <a:rPr kumimoji="1" lang="ko-KR" altLang="en-US" dirty="0"/>
+              <a:t> 데이터</a:t>
+            </a:r>
+            <a:endParaRPr kumimoji="1" lang="ko-Kore-KR" altLang="en-US" dirty="0"/>
+          </a:p>
+        </p:txBody>
+      </p:sp>
+      <p:cxnSp>
+        <p:nvCxnSpPr>
+          <p:cNvPr id="3" name="직선 화살표 연결선 2">
+            <a:extLst>
+              <a:ext uri="{FF2B5EF4-FFF2-40B4-BE49-F238E27FC236}">
+                <a16:creationId xmlns:a16="http://schemas.microsoft.com/office/drawing/2014/main" id="{93BDB2F2-2D4C-6A7B-9867-28913088B756}"/>
+              </a:ext>
+            </a:extLst>
+          </p:cNvPr>
+          <p:cNvCxnSpPr>
+            <a:cxnSpLocks/>
+            <a:stCxn id="2" idx="0"/>
+            <a:endCxn id="6" idx="1"/>
+          </p:cNvCxnSpPr>
+          <p:nvPr/>
+        </p:nvCxnSpPr>
+        <p:spPr>
+          <a:xfrm>
+            <a:off x="2222204" y="2955851"/>
+            <a:ext cx="2434857" cy="668"/>
+          </a:xfrm>
+          <a:prstGeom prst="straightConnector1">
+            <a:avLst/>
+          </a:prstGeom>
+          <a:ln>
+            <a:tailEnd type="triangle"/>
+          </a:ln>
+        </p:spPr>
+        <p:style>
+          <a:lnRef idx="3">
+            <a:schemeClr val="accent1"/>
+          </a:lnRef>
+          <a:fillRef idx="0">
+            <a:schemeClr val="accent1"/>
+          </a:fillRef>
+          <a:effectRef idx="2">
+            <a:schemeClr val="accent1"/>
+          </a:effectRef>
+          <a:fontRef idx="minor">
+            <a:schemeClr val="tx1"/>
+          </a:fontRef>
+        </p:style>
+      </p:cxnSp>
+      <p:sp>
+        <p:nvSpPr>
+          <p:cNvPr id="4" name="직사각형 3">
+            <a:extLst>
+              <a:ext uri="{FF2B5EF4-FFF2-40B4-BE49-F238E27FC236}">
+                <a16:creationId xmlns:a16="http://schemas.microsoft.com/office/drawing/2014/main" id="{1F56A529-919B-8D94-7B7F-B92D984E7915}"/>
+              </a:ext>
+            </a:extLst>
+          </p:cNvPr>
+          <p:cNvSpPr/>
+          <p:nvPr/>
+        </p:nvSpPr>
+        <p:spPr>
+          <a:xfrm>
+            <a:off x="2838893" y="2600996"/>
+            <a:ext cx="1201478" cy="704402"/>
+          </a:xfrm>
+          <a:prstGeom prst="rect">
+            <a:avLst/>
+          </a:prstGeom>
+        </p:spPr>
+        <p:style>
+          <a:lnRef idx="2">
+            <a:schemeClr val="accent1"/>
+          </a:lnRef>
+          <a:fillRef idx="1">
+            <a:schemeClr val="lt1"/>
+          </a:fillRef>
+          <a:effectRef idx="0">
+            <a:schemeClr val="accent1"/>
+          </a:effectRef>
+          <a:fontRef idx="minor">
+            <a:schemeClr val="dk1"/>
+          </a:fontRef>
+        </p:style>
+        <p:txBody>
+          <a:bodyPr rtlCol="0" anchor="ctr"/>
+          <a:lstStyle/>
+          <a:p>
+            <a:pPr algn="ctr"/>
+            <a:r>
+              <a:rPr kumimoji="1" lang="en-US" altLang="ko-KR" sz="1100" dirty="0"/>
+              <a:t>Base64</a:t>
+            </a:r>
+          </a:p>
+          <a:p>
+            <a:pPr algn="ctr"/>
+            <a:r>
+              <a:rPr kumimoji="1" lang="ko-Kore-KR" altLang="en-US" sz="1100" dirty="0"/>
+              <a:t>인코딩</a:t>
+            </a:r>
+            <a:endParaRPr kumimoji="1" lang="en-US" altLang="ko-Kore-KR" sz="1100" dirty="0"/>
+          </a:p>
+          <a:p>
+            <a:pPr algn="ctr"/>
+            <a:r>
+              <a:rPr kumimoji="1" lang="ko-Kore-KR" altLang="en-US" sz="1100" dirty="0"/>
+              <a:t>변환</a:t>
+            </a:r>
+          </a:p>
+        </p:txBody>
+      </p:sp>
+      <p:sp>
+        <p:nvSpPr>
+          <p:cNvPr id="6" name="직사각형 5">
+            <a:extLst>
+              <a:ext uri="{FF2B5EF4-FFF2-40B4-BE49-F238E27FC236}">
+                <a16:creationId xmlns:a16="http://schemas.microsoft.com/office/drawing/2014/main" id="{5D9248BC-A5D4-A62E-4E02-F348784AC7FB}"/>
+              </a:ext>
+            </a:extLst>
+          </p:cNvPr>
+          <p:cNvSpPr/>
+          <p:nvPr/>
+        </p:nvSpPr>
+        <p:spPr>
+          <a:xfrm>
+            <a:off x="4657061" y="2554477"/>
+            <a:ext cx="1850065" cy="804084"/>
+          </a:xfrm>
+          <a:prstGeom prst="rect">
+            <a:avLst/>
+          </a:prstGeom>
+        </p:spPr>
+        <p:style>
+          <a:lnRef idx="2">
+            <a:schemeClr val="accent1">
+              <a:shade val="50000"/>
+            </a:schemeClr>
+          </a:lnRef>
+          <a:fillRef idx="1">
+            <a:schemeClr val="accent1"/>
+          </a:fillRef>
+          <a:effectRef idx="0">
+            <a:schemeClr val="accent1"/>
+          </a:effectRef>
+          <a:fontRef idx="minor">
+            <a:schemeClr val="lt1"/>
+          </a:fontRef>
+        </p:style>
+        <p:txBody>
+          <a:bodyPr rtlCol="0" anchor="ctr"/>
+          <a:lstStyle/>
+          <a:p>
+            <a:pPr algn="ctr"/>
+            <a:r>
+              <a:rPr kumimoji="1" lang="en-US" altLang="ko-Kore-KR" dirty="0"/>
+              <a:t>binary data</a:t>
+            </a:r>
+          </a:p>
+          <a:p>
+            <a:pPr algn="ctr"/>
+            <a:r>
+              <a:rPr kumimoji="1" lang="en-US" altLang="ko-Kore-KR" dirty="0"/>
+              <a:t>(</a:t>
+            </a:r>
+            <a:r>
+              <a:rPr kumimoji="1" lang="ko-KR" altLang="en-US" dirty="0"/>
+              <a:t>바이트 배열</a:t>
+            </a:r>
+            <a:r>
+              <a:rPr kumimoji="1" lang="en-US" altLang="ko-KR" dirty="0"/>
+              <a:t>)</a:t>
+            </a:r>
+            <a:endParaRPr kumimoji="1" lang="ko-Kore-KR" altLang="en-US" dirty="0"/>
+          </a:p>
+        </p:txBody>
+      </p:sp>
+      <p:sp>
+        <p:nvSpPr>
+          <p:cNvPr id="9" name="직사각형 8">
+            <a:extLst>
+              <a:ext uri="{FF2B5EF4-FFF2-40B4-BE49-F238E27FC236}">
+                <a16:creationId xmlns:a16="http://schemas.microsoft.com/office/drawing/2014/main" id="{0E970F81-029E-AA68-AD6C-9191E077E9DB}"/>
+              </a:ext>
+            </a:extLst>
+          </p:cNvPr>
+          <p:cNvSpPr/>
+          <p:nvPr/>
+        </p:nvSpPr>
+        <p:spPr>
+          <a:xfrm>
+            <a:off x="7910623" y="2554477"/>
+            <a:ext cx="1318437" cy="804084"/>
+          </a:xfrm>
+          <a:prstGeom prst="rect">
+            <a:avLst/>
+          </a:prstGeom>
+        </p:spPr>
+        <p:style>
+          <a:lnRef idx="2">
+            <a:schemeClr val="accent1">
+              <a:shade val="50000"/>
+            </a:schemeClr>
+          </a:lnRef>
+          <a:fillRef idx="1">
+            <a:schemeClr val="accent1"/>
+          </a:fillRef>
+          <a:effectRef idx="0">
+            <a:schemeClr val="accent1"/>
+          </a:effectRef>
+          <a:fontRef idx="minor">
+            <a:schemeClr val="lt1"/>
+          </a:fontRef>
+        </p:style>
+        <p:txBody>
+          <a:bodyPr rtlCol="0" anchor="ctr"/>
+          <a:lstStyle/>
+          <a:p>
+            <a:pPr algn="ctr"/>
+            <a:r>
+              <a:rPr kumimoji="1" lang="ko-KR" altLang="en-US" dirty="0"/>
+              <a:t>비트맵</a:t>
+            </a:r>
+            <a:endParaRPr kumimoji="1" lang="en-US" altLang="ko-KR" dirty="0"/>
+          </a:p>
+          <a:p>
+            <a:pPr algn="ctr"/>
+            <a:r>
+              <a:rPr kumimoji="1" lang="ko-KR" altLang="en-US" dirty="0"/>
+              <a:t>이미지</a:t>
+            </a:r>
+            <a:endParaRPr kumimoji="1" lang="en-US" altLang="ko-KR" dirty="0"/>
+          </a:p>
+        </p:txBody>
+      </p:sp>
+      <p:cxnSp>
+        <p:nvCxnSpPr>
+          <p:cNvPr id="10" name="직선 화살표 연결선 9">
+            <a:extLst>
+              <a:ext uri="{FF2B5EF4-FFF2-40B4-BE49-F238E27FC236}">
+                <a16:creationId xmlns:a16="http://schemas.microsoft.com/office/drawing/2014/main" id="{7F069342-168E-5C91-FEF4-0EE326E05890}"/>
+              </a:ext>
+            </a:extLst>
+          </p:cNvPr>
+          <p:cNvCxnSpPr>
+            <a:cxnSpLocks/>
+            <a:stCxn id="9" idx="3"/>
+            <a:endCxn id="16" idx="1"/>
+          </p:cNvCxnSpPr>
+          <p:nvPr/>
+        </p:nvCxnSpPr>
+        <p:spPr>
+          <a:xfrm flipV="1">
+            <a:off x="9229060" y="2953197"/>
+            <a:ext cx="744278" cy="3322"/>
+          </a:xfrm>
+          <a:prstGeom prst="straightConnector1">
+            <a:avLst/>
+          </a:prstGeom>
+          <a:ln>
+            <a:tailEnd type="triangle"/>
+          </a:ln>
+        </p:spPr>
+        <p:style>
+          <a:lnRef idx="3">
+            <a:schemeClr val="accent1"/>
+          </a:lnRef>
+          <a:fillRef idx="0">
+            <a:schemeClr val="accent1"/>
+          </a:fillRef>
+          <a:effectRef idx="2">
+            <a:schemeClr val="accent1"/>
+          </a:effectRef>
+          <a:fontRef idx="minor">
+            <a:schemeClr val="tx1"/>
+          </a:fontRef>
+        </p:style>
+      </p:cxnSp>
+      <p:cxnSp>
+        <p:nvCxnSpPr>
+          <p:cNvPr id="11" name="직선 화살표 연결선 10">
+            <a:extLst>
+              <a:ext uri="{FF2B5EF4-FFF2-40B4-BE49-F238E27FC236}">
+                <a16:creationId xmlns:a16="http://schemas.microsoft.com/office/drawing/2014/main" id="{B40DA09B-A5E2-6E1C-7435-57167199EB1D}"/>
+              </a:ext>
+            </a:extLst>
+          </p:cNvPr>
+          <p:cNvCxnSpPr>
+            <a:cxnSpLocks/>
+            <a:stCxn id="6" idx="3"/>
+            <a:endCxn id="9" idx="1"/>
+          </p:cNvCxnSpPr>
+          <p:nvPr/>
+        </p:nvCxnSpPr>
+        <p:spPr>
+          <a:xfrm>
+            <a:off x="6507126" y="2956519"/>
+            <a:ext cx="1403497" cy="0"/>
+          </a:xfrm>
+          <a:prstGeom prst="straightConnector1">
+            <a:avLst/>
+          </a:prstGeom>
+          <a:ln>
+            <a:tailEnd type="triangle"/>
+          </a:ln>
+        </p:spPr>
+        <p:style>
+          <a:lnRef idx="3">
+            <a:schemeClr val="accent1"/>
+          </a:lnRef>
+          <a:fillRef idx="0">
+            <a:schemeClr val="accent1"/>
+          </a:fillRef>
+          <a:effectRef idx="2">
+            <a:schemeClr val="accent1"/>
+          </a:effectRef>
+          <a:fontRef idx="minor">
+            <a:schemeClr val="tx1"/>
+          </a:fontRef>
+        </p:style>
+      </p:cxnSp>
+      <p:sp>
+        <p:nvSpPr>
+          <p:cNvPr id="16" name="직사각형 15">
+            <a:extLst>
+              <a:ext uri="{FF2B5EF4-FFF2-40B4-BE49-F238E27FC236}">
+                <a16:creationId xmlns:a16="http://schemas.microsoft.com/office/drawing/2014/main" id="{D474A923-E563-200A-3EE2-08A80358E0B8}"/>
+              </a:ext>
+            </a:extLst>
+          </p:cNvPr>
+          <p:cNvSpPr/>
+          <p:nvPr/>
+        </p:nvSpPr>
+        <p:spPr>
+          <a:xfrm>
+            <a:off x="9973338" y="2551155"/>
+            <a:ext cx="797443" cy="804084"/>
+          </a:xfrm>
+          <a:prstGeom prst="rect">
+            <a:avLst/>
+          </a:prstGeom>
+        </p:spPr>
+        <p:style>
+          <a:lnRef idx="2">
+            <a:schemeClr val="accent1">
+              <a:shade val="50000"/>
+            </a:schemeClr>
+          </a:lnRef>
+          <a:fillRef idx="1">
+            <a:schemeClr val="accent1"/>
+          </a:fillRef>
+          <a:effectRef idx="0">
+            <a:schemeClr val="accent1"/>
+          </a:effectRef>
+          <a:fontRef idx="minor">
+            <a:schemeClr val="lt1"/>
+          </a:fontRef>
+        </p:style>
+        <p:txBody>
+          <a:bodyPr rtlCol="0" anchor="ctr"/>
+          <a:lstStyle/>
+          <a:p>
+            <a:pPr algn="ctr"/>
+            <a:r>
+              <a:rPr kumimoji="1" lang="ko-KR" altLang="en-US" dirty="0"/>
+              <a:t>출력</a:t>
+            </a:r>
+            <a:endParaRPr kumimoji="1" lang="en-US" altLang="ko-KR" dirty="0"/>
+          </a:p>
+        </p:txBody>
+      </p:sp>
+      <p:sp>
+        <p:nvSpPr>
+          <p:cNvPr id="19" name="직사각형 18">
+            <a:extLst>
+              <a:ext uri="{FF2B5EF4-FFF2-40B4-BE49-F238E27FC236}">
+                <a16:creationId xmlns:a16="http://schemas.microsoft.com/office/drawing/2014/main" id="{FD4B6338-F9BC-209C-2DDA-D8F3752D5C40}"/>
+              </a:ext>
+            </a:extLst>
+          </p:cNvPr>
+          <p:cNvSpPr/>
+          <p:nvPr/>
+        </p:nvSpPr>
+        <p:spPr>
+          <a:xfrm>
+            <a:off x="6815470" y="2551155"/>
+            <a:ext cx="786808" cy="704402"/>
+          </a:xfrm>
+          <a:prstGeom prst="rect">
+            <a:avLst/>
+          </a:prstGeom>
+        </p:spPr>
+        <p:style>
+          <a:lnRef idx="2">
+            <a:schemeClr val="accent1"/>
+          </a:lnRef>
+          <a:fillRef idx="1">
+            <a:schemeClr val="lt1"/>
+          </a:fillRef>
+          <a:effectRef idx="0">
+            <a:schemeClr val="accent1"/>
+          </a:effectRef>
+          <a:fontRef idx="minor">
+            <a:schemeClr val="dk1"/>
+          </a:fontRef>
+        </p:style>
+        <p:txBody>
+          <a:bodyPr rtlCol="0" anchor="ctr"/>
+          <a:lstStyle/>
+          <a:p>
+            <a:pPr algn="ctr"/>
+            <a:r>
+              <a:rPr kumimoji="1" lang="en-US" altLang="ko-KR" sz="1100" dirty="0"/>
+              <a:t>JPEG</a:t>
+            </a:r>
+          </a:p>
+          <a:p>
+            <a:pPr algn="ctr"/>
+            <a:r>
+              <a:rPr kumimoji="1" lang="ko-KR" altLang="en-US" sz="1100" dirty="0"/>
+              <a:t>디코딩</a:t>
+            </a:r>
+            <a:endParaRPr kumimoji="1" lang="en-US" altLang="ko-KR" sz="1100" dirty="0"/>
+          </a:p>
+        </p:txBody>
+      </p:sp>
     </p:spTree>
     <p:extLst>
       <p:ext uri="{BB962C8B-B14F-4D97-AF65-F5344CB8AC3E}">
@@ -8261,6 +9122,620 @@
           <a:chExt cx="0" cy="0"/>
         </a:xfrm>
       </p:grpSpPr>
+      <p:graphicFrame>
+        <p:nvGraphicFramePr>
+          <p:cNvPr id="2" name="표 2">
+            <a:extLst>
+              <a:ext uri="{FF2B5EF4-FFF2-40B4-BE49-F238E27FC236}">
+                <a16:creationId xmlns:a16="http://schemas.microsoft.com/office/drawing/2014/main" id="{392D1EF0-9F34-154B-A249-2F4FAD0EEAB9}"/>
+              </a:ext>
+            </a:extLst>
+          </p:cNvPr>
+          <p:cNvGraphicFramePr>
+            <a:graphicFrameLocks noGrp="1"/>
+          </p:cNvGraphicFramePr>
+          <p:nvPr>
+            <p:extLst>
+              <p:ext uri="{D42A27DB-BD31-4B8C-83A1-F6EECF244321}">
+                <p14:modId xmlns:p14="http://schemas.microsoft.com/office/powerpoint/2010/main" val="3675047287"/>
+              </p:ext>
+            </p:extLst>
+          </p:nvPr>
+        </p:nvGraphicFramePr>
+        <p:xfrm>
+          <a:off x="798625" y="1208764"/>
+          <a:ext cx="1859515" cy="2946440"/>
+        </p:xfrm>
+        <a:graphic>
+          <a:graphicData uri="http://schemas.openxmlformats.org/drawingml/2006/table">
+            <a:tbl>
+              <a:tblPr firstRow="1" bandRow="1">
+                <a:tableStyleId>{5C22544A-7EE6-4342-B048-85BDC9FD1C3A}</a:tableStyleId>
+              </a:tblPr>
+              <a:tblGrid>
+                <a:gridCol w="1859515">
+                  <a:extLst>
+                    <a:ext uri="{9D8B030D-6E8A-4147-A177-3AD203B41FA5}">
+                      <a16:colId xmlns:a16="http://schemas.microsoft.com/office/drawing/2014/main" val="1965095789"/>
+                    </a:ext>
+                  </a:extLst>
+                </a:gridCol>
+              </a:tblGrid>
+              <a:tr h="386120">
+                <a:tc>
+                  <a:txBody>
+                    <a:bodyPr/>
+                    <a:lstStyle/>
+                    <a:p>
+                      <a:pPr algn="ctr"/>
+                      <a:r>
+                        <a:rPr lang="en-US" altLang="ko-Kore-KR" dirty="0"/>
+                        <a:t>board</a:t>
+                      </a:r>
+                      <a:endParaRPr lang="ko-Kore-KR" altLang="en-US" dirty="0"/>
+                    </a:p>
+                  </a:txBody>
+                  <a:tcPr/>
+                </a:tc>
+                <a:extLst>
+                  <a:ext uri="{0D108BD9-81ED-4DB2-BD59-A6C34878D82A}">
+                    <a16:rowId xmlns:a16="http://schemas.microsoft.com/office/drawing/2014/main" val="3559688625"/>
+                  </a:ext>
+                </a:extLst>
+              </a:tr>
+              <a:tr h="2229195">
+                <a:tc>
+                  <a:txBody>
+                    <a:bodyPr/>
+                    <a:lstStyle/>
+                    <a:p>
+                      <a:pPr marL="285750" indent="-285750" algn="l">
+                        <a:buFont typeface="Arial" panose="020B0604020202020204" pitchFamily="34" charset="0"/>
+                        <a:buChar char="•"/>
+                      </a:pPr>
+                      <a:r>
+                        <a:rPr lang="en-US" altLang="ko-Kore-KR" dirty="0"/>
+                        <a:t>no</a:t>
+                      </a:r>
+                    </a:p>
+                    <a:p>
+                      <a:pPr marL="285750" indent="-285750" algn="l">
+                        <a:buFont typeface="Arial" panose="020B0604020202020204" pitchFamily="34" charset="0"/>
+                        <a:buChar char="•"/>
+                      </a:pPr>
+                      <a:r>
+                        <a:rPr lang="en-US" altLang="ko-Kore-KR" dirty="0"/>
+                        <a:t>title</a:t>
+                      </a:r>
+                    </a:p>
+                    <a:p>
+                      <a:pPr marL="285750" indent="-285750" algn="l">
+                        <a:buFont typeface="Arial" panose="020B0604020202020204" pitchFamily="34" charset="0"/>
+                        <a:buChar char="•"/>
+                      </a:pPr>
+                      <a:r>
+                        <a:rPr lang="en-US" altLang="ko-Kore-KR" dirty="0"/>
+                        <a:t>content</a:t>
+                      </a:r>
+                    </a:p>
+                    <a:p>
+                      <a:pPr marL="285750" indent="-285750" algn="l">
+                        <a:buFont typeface="Arial" panose="020B0604020202020204" pitchFamily="34" charset="0"/>
+                        <a:buChar char="•"/>
+                      </a:pPr>
+                      <a:r>
+                        <a:rPr lang="en-US" altLang="ko-Kore-KR" dirty="0" err="1"/>
+                        <a:t>regdate</a:t>
+                      </a:r>
+                      <a:endParaRPr lang="en-US" altLang="ko-Kore-KR" dirty="0"/>
+                    </a:p>
+                    <a:p>
+                      <a:pPr marL="285750" indent="-285750" algn="l">
+                        <a:buFont typeface="Arial" panose="020B0604020202020204" pitchFamily="34" charset="0"/>
+                        <a:buChar char="•"/>
+                      </a:pPr>
+                      <a:r>
+                        <a:rPr lang="en-US" altLang="ko-Kore-KR" dirty="0"/>
+                        <a:t>file1path</a:t>
+                      </a:r>
+                    </a:p>
+                    <a:p>
+                      <a:pPr marL="285750" indent="-285750" algn="l">
+                        <a:buFont typeface="Arial" panose="020B0604020202020204" pitchFamily="34" charset="0"/>
+                        <a:buChar char="•"/>
+                      </a:pPr>
+                      <a:r>
+                        <a:rPr lang="en-US" altLang="ko-Kore-KR" dirty="0"/>
+                        <a:t>file2path</a:t>
+                      </a:r>
+                    </a:p>
+                    <a:p>
+                      <a:pPr marL="285750" indent="-285750" algn="l">
+                        <a:buFont typeface="Arial" panose="020B0604020202020204" pitchFamily="34" charset="0"/>
+                        <a:buChar char="•"/>
+                      </a:pPr>
+                      <a:r>
+                        <a:rPr lang="en-US" altLang="ko-Kore-KR" dirty="0"/>
+                        <a:t>file3path</a:t>
+                      </a:r>
+                    </a:p>
+                    <a:p>
+                      <a:pPr marL="285750" indent="-285750" algn="l">
+                        <a:buFont typeface="Arial" panose="020B0604020202020204" pitchFamily="34" charset="0"/>
+                        <a:buChar char="•"/>
+                      </a:pPr>
+                      <a:r>
+                        <a:rPr lang="en-US" altLang="ko-Kore-KR" dirty="0"/>
+                        <a:t>file4path</a:t>
+                      </a:r>
+                    </a:p>
+                    <a:p>
+                      <a:pPr marL="285750" indent="-285750" algn="l">
+                        <a:buFont typeface="Arial" panose="020B0604020202020204" pitchFamily="34" charset="0"/>
+                        <a:buChar char="•"/>
+                      </a:pPr>
+                      <a:r>
+                        <a:rPr lang="en-US" altLang="ko-Kore-KR" dirty="0"/>
+                        <a:t>file5path</a:t>
+                      </a:r>
+                    </a:p>
+                  </a:txBody>
+                  <a:tcPr/>
+                </a:tc>
+                <a:extLst>
+                  <a:ext uri="{0D108BD9-81ED-4DB2-BD59-A6C34878D82A}">
+                    <a16:rowId xmlns:a16="http://schemas.microsoft.com/office/drawing/2014/main" val="3230167247"/>
+                  </a:ext>
+                </a:extLst>
+              </a:tr>
+            </a:tbl>
+          </a:graphicData>
+        </a:graphic>
+      </p:graphicFrame>
+      <p:graphicFrame>
+        <p:nvGraphicFramePr>
+          <p:cNvPr id="3" name="표 2">
+            <a:extLst>
+              <a:ext uri="{FF2B5EF4-FFF2-40B4-BE49-F238E27FC236}">
+                <a16:creationId xmlns:a16="http://schemas.microsoft.com/office/drawing/2014/main" id="{2A8014B7-C362-74A9-D8FB-8A9AF1121DD0}"/>
+              </a:ext>
+            </a:extLst>
+          </p:cNvPr>
+          <p:cNvGraphicFramePr>
+            <a:graphicFrameLocks noGrp="1"/>
+          </p:cNvGraphicFramePr>
+          <p:nvPr>
+            <p:extLst>
+              <p:ext uri="{D42A27DB-BD31-4B8C-83A1-F6EECF244321}">
+                <p14:modId xmlns:p14="http://schemas.microsoft.com/office/powerpoint/2010/main" val="3149051483"/>
+              </p:ext>
+            </p:extLst>
+          </p:nvPr>
+        </p:nvGraphicFramePr>
+        <p:xfrm>
+          <a:off x="4959499" y="1208764"/>
+          <a:ext cx="1859515" cy="2946440"/>
+        </p:xfrm>
+        <a:graphic>
+          <a:graphicData uri="http://schemas.openxmlformats.org/drawingml/2006/table">
+            <a:tbl>
+              <a:tblPr firstRow="1" bandRow="1">
+                <a:tableStyleId>{5C22544A-7EE6-4342-B048-85BDC9FD1C3A}</a:tableStyleId>
+              </a:tblPr>
+              <a:tblGrid>
+                <a:gridCol w="1859515">
+                  <a:extLst>
+                    <a:ext uri="{9D8B030D-6E8A-4147-A177-3AD203B41FA5}">
+                      <a16:colId xmlns:a16="http://schemas.microsoft.com/office/drawing/2014/main" val="1965095789"/>
+                    </a:ext>
+                  </a:extLst>
+                </a:gridCol>
+              </a:tblGrid>
+              <a:tr h="435007">
+                <a:tc>
+                  <a:txBody>
+                    <a:bodyPr/>
+                    <a:lstStyle/>
+                    <a:p>
+                      <a:pPr algn="ctr"/>
+                      <a:r>
+                        <a:rPr lang="en-US" altLang="ko-Kore-KR" dirty="0"/>
+                        <a:t>board</a:t>
+                      </a:r>
+                      <a:endParaRPr lang="ko-Kore-KR" altLang="en-US" dirty="0"/>
+                    </a:p>
+                  </a:txBody>
+                  <a:tcPr/>
+                </a:tc>
+                <a:extLst>
+                  <a:ext uri="{0D108BD9-81ED-4DB2-BD59-A6C34878D82A}">
+                    <a16:rowId xmlns:a16="http://schemas.microsoft.com/office/drawing/2014/main" val="3559688625"/>
+                  </a:ext>
+                </a:extLst>
+              </a:tr>
+              <a:tr h="2511433">
+                <a:tc>
+                  <a:txBody>
+                    <a:bodyPr/>
+                    <a:lstStyle/>
+                    <a:p>
+                      <a:pPr marL="285750" indent="-285750" algn="l">
+                        <a:buFont typeface="Arial" panose="020B0604020202020204" pitchFamily="34" charset="0"/>
+                        <a:buChar char="•"/>
+                      </a:pPr>
+                      <a:r>
+                        <a:rPr lang="ko-KR" altLang="en-US" dirty="0"/>
+                        <a:t>게시글</a:t>
+                      </a:r>
+                      <a:endParaRPr lang="en-US" altLang="ko-KR" dirty="0"/>
+                    </a:p>
+                    <a:p>
+                      <a:pPr marL="285750" indent="-285750" algn="l">
+                        <a:buFont typeface="Arial" panose="020B0604020202020204" pitchFamily="34" charset="0"/>
+                        <a:buChar char="•"/>
+                      </a:pPr>
+                      <a:r>
+                        <a:rPr lang="ko-KR" altLang="en-US" dirty="0"/>
+                        <a:t>기본</a:t>
+                      </a:r>
+                      <a:endParaRPr lang="en-US" altLang="ko-KR" dirty="0"/>
+                    </a:p>
+                    <a:p>
+                      <a:pPr marL="285750" indent="-285750" algn="l">
+                        <a:buFont typeface="Arial" panose="020B0604020202020204" pitchFamily="34" charset="0"/>
+                        <a:buChar char="•"/>
+                      </a:pPr>
+                      <a:r>
+                        <a:rPr lang="ko-KR" altLang="en-US" dirty="0"/>
+                        <a:t>정보</a:t>
+                      </a:r>
+                      <a:endParaRPr lang="en-US" altLang="ko-KR" dirty="0"/>
+                    </a:p>
+                    <a:p>
+                      <a:pPr marL="285750" indent="-285750" algn="l">
+                        <a:buFont typeface="Arial" panose="020B0604020202020204" pitchFamily="34" charset="0"/>
+                        <a:buChar char="•"/>
+                      </a:pPr>
+                      <a:endParaRPr lang="en-US" altLang="ko-Kore-KR" dirty="0"/>
+                    </a:p>
+                    <a:p>
+                      <a:pPr marL="285750" indent="-285750" algn="l">
+                        <a:buFont typeface="Arial" panose="020B0604020202020204" pitchFamily="34" charset="0"/>
+                        <a:buChar char="•"/>
+                      </a:pPr>
+                      <a:r>
+                        <a:rPr lang="ko-KR" altLang="en-US" dirty="0"/>
+                        <a:t>첨부파일경로</a:t>
+                      </a:r>
+                      <a:endParaRPr lang="en-US" altLang="ko-Kore-KR" dirty="0"/>
+                    </a:p>
+                  </a:txBody>
+                  <a:tcPr/>
+                </a:tc>
+                <a:extLst>
+                  <a:ext uri="{0D108BD9-81ED-4DB2-BD59-A6C34878D82A}">
+                    <a16:rowId xmlns:a16="http://schemas.microsoft.com/office/drawing/2014/main" val="3230167247"/>
+                  </a:ext>
+                </a:extLst>
+              </a:tr>
+            </a:tbl>
+          </a:graphicData>
+        </a:graphic>
+      </p:graphicFrame>
+      <p:graphicFrame>
+        <p:nvGraphicFramePr>
+          <p:cNvPr id="4" name="표 3">
+            <a:extLst>
+              <a:ext uri="{FF2B5EF4-FFF2-40B4-BE49-F238E27FC236}">
+                <a16:creationId xmlns:a16="http://schemas.microsoft.com/office/drawing/2014/main" id="{21088D22-F456-C993-7CDB-071E34FCC3FD}"/>
+              </a:ext>
+            </a:extLst>
+          </p:cNvPr>
+          <p:cNvGraphicFramePr>
+            <a:graphicFrameLocks noGrp="1"/>
+          </p:cNvGraphicFramePr>
+          <p:nvPr>
+            <p:extLst>
+              <p:ext uri="{D42A27DB-BD31-4B8C-83A1-F6EECF244321}">
+                <p14:modId xmlns:p14="http://schemas.microsoft.com/office/powerpoint/2010/main" val="128166972"/>
+              </p:ext>
+            </p:extLst>
+          </p:nvPr>
+        </p:nvGraphicFramePr>
+        <p:xfrm>
+          <a:off x="8656083" y="1208765"/>
+          <a:ext cx="1859515" cy="1584647"/>
+        </p:xfrm>
+        <a:graphic>
+          <a:graphicData uri="http://schemas.openxmlformats.org/drawingml/2006/table">
+            <a:tbl>
+              <a:tblPr firstRow="1" bandRow="1">
+                <a:tableStyleId>{5C22544A-7EE6-4342-B048-85BDC9FD1C3A}</a:tableStyleId>
+              </a:tblPr>
+              <a:tblGrid>
+                <a:gridCol w="1859515">
+                  <a:extLst>
+                    <a:ext uri="{9D8B030D-6E8A-4147-A177-3AD203B41FA5}">
+                      <a16:colId xmlns:a16="http://schemas.microsoft.com/office/drawing/2014/main" val="1965095789"/>
+                    </a:ext>
+                  </a:extLst>
+                </a:gridCol>
+              </a:tblGrid>
+              <a:tr h="347446">
+                <a:tc>
+                  <a:txBody>
+                    <a:bodyPr/>
+                    <a:lstStyle/>
+                    <a:p>
+                      <a:pPr algn="ctr"/>
+                      <a:r>
+                        <a:rPr lang="en-US" altLang="ko-Kore-KR" dirty="0"/>
+                        <a:t>board</a:t>
+                      </a:r>
+                      <a:endParaRPr lang="ko-Kore-KR" altLang="en-US" dirty="0"/>
+                    </a:p>
+                  </a:txBody>
+                  <a:tcPr/>
+                </a:tc>
+                <a:extLst>
+                  <a:ext uri="{0D108BD9-81ED-4DB2-BD59-A6C34878D82A}">
+                    <a16:rowId xmlns:a16="http://schemas.microsoft.com/office/drawing/2014/main" val="3559688625"/>
+                  </a:ext>
+                </a:extLst>
+              </a:tr>
+              <a:tr h="1218887">
+                <a:tc>
+                  <a:txBody>
+                    <a:bodyPr/>
+                    <a:lstStyle/>
+                    <a:p>
+                      <a:pPr marL="285750" indent="-285750" algn="l">
+                        <a:buFont typeface="Arial" panose="020B0604020202020204" pitchFamily="34" charset="0"/>
+                        <a:buChar char="•"/>
+                      </a:pPr>
+                      <a:r>
+                        <a:rPr lang="en-US" altLang="ko-Kore-KR" dirty="0"/>
+                        <a:t>no</a:t>
+                      </a:r>
+                    </a:p>
+                    <a:p>
+                      <a:pPr marL="285750" indent="-285750" algn="l">
+                        <a:buFont typeface="Arial" panose="020B0604020202020204" pitchFamily="34" charset="0"/>
+                        <a:buChar char="•"/>
+                      </a:pPr>
+                      <a:r>
+                        <a:rPr lang="en-US" altLang="ko-Kore-KR" dirty="0"/>
+                        <a:t>title</a:t>
+                      </a:r>
+                    </a:p>
+                    <a:p>
+                      <a:pPr marL="285750" indent="-285750" algn="l">
+                        <a:buFont typeface="Arial" panose="020B0604020202020204" pitchFamily="34" charset="0"/>
+                        <a:buChar char="•"/>
+                      </a:pPr>
+                      <a:r>
+                        <a:rPr lang="en-US" altLang="ko-Kore-KR" dirty="0"/>
+                        <a:t>content</a:t>
+                      </a:r>
+                    </a:p>
+                    <a:p>
+                      <a:pPr marL="285750" indent="-285750" algn="l">
+                        <a:buFont typeface="Arial" panose="020B0604020202020204" pitchFamily="34" charset="0"/>
+                        <a:buChar char="•"/>
+                      </a:pPr>
+                      <a:r>
+                        <a:rPr lang="en-US" altLang="ko-Kore-KR" dirty="0" err="1"/>
+                        <a:t>regdate</a:t>
+                      </a:r>
+                      <a:endParaRPr lang="en-US" altLang="ko-Kore-KR" dirty="0"/>
+                    </a:p>
+                  </a:txBody>
+                  <a:tcPr/>
+                </a:tc>
+                <a:extLst>
+                  <a:ext uri="{0D108BD9-81ED-4DB2-BD59-A6C34878D82A}">
+                    <a16:rowId xmlns:a16="http://schemas.microsoft.com/office/drawing/2014/main" val="3230167247"/>
+                  </a:ext>
+                </a:extLst>
+              </a:tr>
+            </a:tbl>
+          </a:graphicData>
+        </a:graphic>
+      </p:graphicFrame>
+      <p:graphicFrame>
+        <p:nvGraphicFramePr>
+          <p:cNvPr id="5" name="표 4">
+            <a:extLst>
+              <a:ext uri="{FF2B5EF4-FFF2-40B4-BE49-F238E27FC236}">
+                <a16:creationId xmlns:a16="http://schemas.microsoft.com/office/drawing/2014/main" id="{7174627E-73E3-1E06-A35A-3F6D90C2EF40}"/>
+              </a:ext>
+            </a:extLst>
+          </p:cNvPr>
+          <p:cNvGraphicFramePr>
+            <a:graphicFrameLocks noGrp="1"/>
+          </p:cNvGraphicFramePr>
+          <p:nvPr>
+            <p:extLst>
+              <p:ext uri="{D42A27DB-BD31-4B8C-83A1-F6EECF244321}">
+                <p14:modId xmlns:p14="http://schemas.microsoft.com/office/powerpoint/2010/main" val="98951512"/>
+              </p:ext>
+            </p:extLst>
+          </p:nvPr>
+        </p:nvGraphicFramePr>
+        <p:xfrm>
+          <a:off x="8656082" y="2857658"/>
+          <a:ext cx="1859515" cy="1379232"/>
+        </p:xfrm>
+        <a:graphic>
+          <a:graphicData uri="http://schemas.openxmlformats.org/drawingml/2006/table">
+            <a:tbl>
+              <a:tblPr firstRow="1" bandRow="1">
+                <a:tableStyleId>{5C22544A-7EE6-4342-B048-85BDC9FD1C3A}</a:tableStyleId>
+              </a:tblPr>
+              <a:tblGrid>
+                <a:gridCol w="1859515">
+                  <a:extLst>
+                    <a:ext uri="{9D8B030D-6E8A-4147-A177-3AD203B41FA5}">
+                      <a16:colId xmlns:a16="http://schemas.microsoft.com/office/drawing/2014/main" val="1965095789"/>
+                    </a:ext>
+                  </a:extLst>
+                </a:gridCol>
+              </a:tblGrid>
+              <a:tr h="299649">
+                <a:tc>
+                  <a:txBody>
+                    <a:bodyPr/>
+                    <a:lstStyle/>
+                    <a:p>
+                      <a:pPr algn="ctr"/>
+                      <a:r>
+                        <a:rPr lang="en-US" altLang="ko-Kore-KR" dirty="0"/>
+                        <a:t>board</a:t>
+                      </a:r>
+                      <a:endParaRPr lang="ko-Kore-KR" altLang="en-US" dirty="0"/>
+                    </a:p>
+                  </a:txBody>
+                  <a:tcPr/>
+                </a:tc>
+                <a:extLst>
+                  <a:ext uri="{0D108BD9-81ED-4DB2-BD59-A6C34878D82A}">
+                    <a16:rowId xmlns:a16="http://schemas.microsoft.com/office/drawing/2014/main" val="3559688625"/>
+                  </a:ext>
+                </a:extLst>
+              </a:tr>
+              <a:tr h="1013472">
+                <a:tc>
+                  <a:txBody>
+                    <a:bodyPr/>
+                    <a:lstStyle/>
+                    <a:p>
+                      <a:pPr marL="285750" indent="-285750" algn="l">
+                        <a:buFont typeface="Arial" panose="020B0604020202020204" pitchFamily="34" charset="0"/>
+                        <a:buChar char="•"/>
+                      </a:pPr>
+                      <a:r>
+                        <a:rPr lang="en-US" altLang="ko-KR" dirty="0"/>
+                        <a:t>no</a:t>
+                      </a:r>
+                    </a:p>
+                    <a:p>
+                      <a:pPr marL="285750" indent="-285750" algn="l">
+                        <a:buFont typeface="Arial" panose="020B0604020202020204" pitchFamily="34" charset="0"/>
+                        <a:buChar char="•"/>
+                      </a:pPr>
+                      <a:r>
+                        <a:rPr lang="en-US" altLang="ko-Kore-KR" dirty="0" err="1"/>
+                        <a:t>filepath</a:t>
+                      </a:r>
+                      <a:endParaRPr lang="en-US" altLang="ko-Kore-KR" dirty="0"/>
+                    </a:p>
+                    <a:p>
+                      <a:pPr marL="285750" indent="-285750" algn="l">
+                        <a:buFont typeface="Arial" panose="020B0604020202020204" pitchFamily="34" charset="0"/>
+                        <a:buChar char="•"/>
+                      </a:pPr>
+                      <a:r>
+                        <a:rPr lang="en-US" altLang="ko-Kore-KR" dirty="0" err="1"/>
+                        <a:t>board_no</a:t>
+                      </a:r>
+                      <a:endParaRPr lang="en-US" altLang="ko-Kore-KR" dirty="0"/>
+                    </a:p>
+                  </a:txBody>
+                  <a:tcPr/>
+                </a:tc>
+                <a:extLst>
+                  <a:ext uri="{0D108BD9-81ED-4DB2-BD59-A6C34878D82A}">
+                    <a16:rowId xmlns:a16="http://schemas.microsoft.com/office/drawing/2014/main" val="3230167247"/>
+                  </a:ext>
+                </a:extLst>
+              </a:tr>
+            </a:tbl>
+          </a:graphicData>
+        </a:graphic>
+      </p:graphicFrame>
+      <p:cxnSp>
+        <p:nvCxnSpPr>
+          <p:cNvPr id="7" name="직선 화살표 연결선 6">
+            <a:extLst>
+              <a:ext uri="{FF2B5EF4-FFF2-40B4-BE49-F238E27FC236}">
+                <a16:creationId xmlns:a16="http://schemas.microsoft.com/office/drawing/2014/main" id="{5F02D1D2-8F3E-C182-E9BA-A583D89360E5}"/>
+              </a:ext>
+            </a:extLst>
+          </p:cNvPr>
+          <p:cNvCxnSpPr>
+            <a:endCxn id="4" idx="1"/>
+          </p:cNvCxnSpPr>
+          <p:nvPr/>
+        </p:nvCxnSpPr>
+        <p:spPr>
+          <a:xfrm flipV="1">
+            <a:off x="6096000" y="2001088"/>
+            <a:ext cx="2560083" cy="40363"/>
+          </a:xfrm>
+          <a:prstGeom prst="straightConnector1">
+            <a:avLst/>
+          </a:prstGeom>
+          <a:ln>
+            <a:tailEnd type="triangle"/>
+          </a:ln>
+        </p:spPr>
+        <p:style>
+          <a:lnRef idx="3">
+            <a:schemeClr val="accent1"/>
+          </a:lnRef>
+          <a:fillRef idx="0">
+            <a:schemeClr val="accent1"/>
+          </a:fillRef>
+          <a:effectRef idx="2">
+            <a:schemeClr val="accent1"/>
+          </a:effectRef>
+          <a:fontRef idx="minor">
+            <a:schemeClr val="tx1"/>
+          </a:fontRef>
+        </p:style>
+      </p:cxnSp>
+      <p:cxnSp>
+        <p:nvCxnSpPr>
+          <p:cNvPr id="8" name="직선 화살표 연결선 7">
+            <a:extLst>
+              <a:ext uri="{FF2B5EF4-FFF2-40B4-BE49-F238E27FC236}">
+                <a16:creationId xmlns:a16="http://schemas.microsoft.com/office/drawing/2014/main" id="{8F613BF9-EDEB-0A07-5D19-C7C74FDEE0BB}"/>
+              </a:ext>
+            </a:extLst>
+          </p:cNvPr>
+          <p:cNvCxnSpPr>
+            <a:cxnSpLocks/>
+            <a:endCxn id="5" idx="1"/>
+          </p:cNvCxnSpPr>
+          <p:nvPr/>
+        </p:nvCxnSpPr>
+        <p:spPr>
+          <a:xfrm>
+            <a:off x="6730409" y="3031413"/>
+            <a:ext cx="1925673" cy="515861"/>
+          </a:xfrm>
+          <a:prstGeom prst="straightConnector1">
+            <a:avLst/>
+          </a:prstGeom>
+          <a:ln>
+            <a:tailEnd type="triangle"/>
+          </a:ln>
+        </p:spPr>
+        <p:style>
+          <a:lnRef idx="3">
+            <a:schemeClr val="accent1"/>
+          </a:lnRef>
+          <a:fillRef idx="0">
+            <a:schemeClr val="accent1"/>
+          </a:fillRef>
+          <a:effectRef idx="2">
+            <a:schemeClr val="accent1"/>
+          </a:effectRef>
+          <a:fontRef idx="minor">
+            <a:schemeClr val="tx1"/>
+          </a:fontRef>
+        </p:style>
+      </p:cxnSp>
     </p:spTree>
     <p:extLst>
       <p:ext uri="{BB962C8B-B14F-4D97-AF65-F5344CB8AC3E}">
@@ -8291,6 +9766,1122 @@
           <a:chExt cx="0" cy="0"/>
         </a:xfrm>
       </p:grpSpPr>
+      <p:graphicFrame>
+        <p:nvGraphicFramePr>
+          <p:cNvPr id="2" name="표 2">
+            <a:extLst>
+              <a:ext uri="{FF2B5EF4-FFF2-40B4-BE49-F238E27FC236}">
+                <a16:creationId xmlns:a16="http://schemas.microsoft.com/office/drawing/2014/main" id="{0711967F-8F35-12F4-0A4D-763B09C9C762}"/>
+              </a:ext>
+            </a:extLst>
+          </p:cNvPr>
+          <p:cNvGraphicFramePr>
+            <a:graphicFrameLocks noGrp="1"/>
+          </p:cNvGraphicFramePr>
+          <p:nvPr>
+            <p:extLst>
+              <p:ext uri="{D42A27DB-BD31-4B8C-83A1-F6EECF244321}">
+                <p14:modId xmlns:p14="http://schemas.microsoft.com/office/powerpoint/2010/main" val="2990208336"/>
+              </p:ext>
+            </p:extLst>
+          </p:nvPr>
+        </p:nvGraphicFramePr>
+        <p:xfrm>
+          <a:off x="1000641" y="2123164"/>
+          <a:ext cx="4230576" cy="1854200"/>
+        </p:xfrm>
+        <a:graphic>
+          <a:graphicData uri="http://schemas.openxmlformats.org/drawingml/2006/table">
+            <a:tbl>
+              <a:tblPr firstRow="1" bandRow="1">
+                <a:tableStyleId>{5C22544A-7EE6-4342-B048-85BDC9FD1C3A}</a:tableStyleId>
+              </a:tblPr>
+              <a:tblGrid>
+                <a:gridCol w="1057644">
+                  <a:extLst>
+                    <a:ext uri="{9D8B030D-6E8A-4147-A177-3AD203B41FA5}">
+                      <a16:colId xmlns:a16="http://schemas.microsoft.com/office/drawing/2014/main" val="4238118233"/>
+                    </a:ext>
+                  </a:extLst>
+                </a:gridCol>
+                <a:gridCol w="1057644">
+                  <a:extLst>
+                    <a:ext uri="{9D8B030D-6E8A-4147-A177-3AD203B41FA5}">
+                      <a16:colId xmlns:a16="http://schemas.microsoft.com/office/drawing/2014/main" val="1052204271"/>
+                    </a:ext>
+                  </a:extLst>
+                </a:gridCol>
+                <a:gridCol w="1057644">
+                  <a:extLst>
+                    <a:ext uri="{9D8B030D-6E8A-4147-A177-3AD203B41FA5}">
+                      <a16:colId xmlns:a16="http://schemas.microsoft.com/office/drawing/2014/main" val="1165363728"/>
+                    </a:ext>
+                  </a:extLst>
+                </a:gridCol>
+                <a:gridCol w="1057644">
+                  <a:extLst>
+                    <a:ext uri="{9D8B030D-6E8A-4147-A177-3AD203B41FA5}">
+                      <a16:colId xmlns:a16="http://schemas.microsoft.com/office/drawing/2014/main" val="2940037976"/>
+                    </a:ext>
+                  </a:extLst>
+                </a:gridCol>
+              </a:tblGrid>
+              <a:tr h="370840">
+                <a:tc>
+                  <a:txBody>
+                    <a:bodyPr/>
+                    <a:lstStyle/>
+                    <a:p>
+                      <a:pPr algn="ctr"/>
+                      <a:r>
+                        <a:rPr lang="en-US" altLang="ko-Kore-KR" dirty="0"/>
+                        <a:t>no</a:t>
+                      </a:r>
+                      <a:endParaRPr lang="ko-Kore-KR" altLang="en-US" dirty="0"/>
+                    </a:p>
+                  </a:txBody>
+                  <a:tcPr/>
+                </a:tc>
+                <a:tc>
+                  <a:txBody>
+                    <a:bodyPr/>
+                    <a:lstStyle/>
+                    <a:p>
+                      <a:pPr algn="ctr"/>
+                      <a:r>
+                        <a:rPr lang="en-US" altLang="ko-Kore-KR" dirty="0"/>
+                        <a:t>title</a:t>
+                      </a:r>
+                      <a:endParaRPr lang="ko-Kore-KR" altLang="en-US" dirty="0"/>
+                    </a:p>
+                  </a:txBody>
+                  <a:tcPr/>
+                </a:tc>
+                <a:tc>
+                  <a:txBody>
+                    <a:bodyPr/>
+                    <a:lstStyle/>
+                    <a:p>
+                      <a:pPr algn="ctr"/>
+                      <a:r>
+                        <a:rPr lang="en-US" altLang="ko-Kore-KR" dirty="0"/>
+                        <a:t>content</a:t>
+                      </a:r>
+                      <a:endParaRPr lang="ko-Kore-KR" altLang="en-US" dirty="0"/>
+                    </a:p>
+                  </a:txBody>
+                  <a:tcPr/>
+                </a:tc>
+                <a:tc>
+                  <a:txBody>
+                    <a:bodyPr/>
+                    <a:lstStyle/>
+                    <a:p>
+                      <a:pPr algn="ctr"/>
+                      <a:r>
+                        <a:rPr lang="en-US" altLang="ko-Kore-KR" dirty="0" err="1"/>
+                        <a:t>regdate</a:t>
+                      </a:r>
+                      <a:endParaRPr lang="ko-Kore-KR" altLang="en-US" dirty="0"/>
+                    </a:p>
+                  </a:txBody>
+                  <a:tcPr/>
+                </a:tc>
+                <a:extLst>
+                  <a:ext uri="{0D108BD9-81ED-4DB2-BD59-A6C34878D82A}">
+                    <a16:rowId xmlns:a16="http://schemas.microsoft.com/office/drawing/2014/main" val="3373954406"/>
+                  </a:ext>
+                </a:extLst>
+              </a:tr>
+              <a:tr h="370840">
+                <a:tc>
+                  <a:txBody>
+                    <a:bodyPr/>
+                    <a:lstStyle/>
+                    <a:p>
+                      <a:pPr algn="ctr"/>
+                      <a:r>
+                        <a:rPr lang="en-US" altLang="ko-Kore-KR" dirty="0"/>
+                        <a:t>1</a:t>
+                      </a:r>
+                      <a:endParaRPr lang="ko-Kore-KR" altLang="en-US" dirty="0"/>
+                    </a:p>
+                  </a:txBody>
+                  <a:tcPr/>
+                </a:tc>
+                <a:tc>
+                  <a:txBody>
+                    <a:bodyPr/>
+                    <a:lstStyle/>
+                    <a:p>
+                      <a:pPr algn="ctr"/>
+                      <a:r>
+                        <a:rPr lang="en-US" altLang="ko-Kore-KR" dirty="0" err="1"/>
+                        <a:t>aaa</a:t>
+                      </a:r>
+                      <a:endParaRPr lang="ko-Kore-KR" altLang="en-US" dirty="0"/>
+                    </a:p>
+                  </a:txBody>
+                  <a:tcPr/>
+                </a:tc>
+                <a:tc>
+                  <a:txBody>
+                    <a:bodyPr/>
+                    <a:lstStyle/>
+                    <a:p>
+                      <a:pPr algn="ctr"/>
+                      <a:r>
+                        <a:rPr lang="en-US" altLang="ko-Kore-KR" dirty="0"/>
+                        <a:t>---</a:t>
+                      </a:r>
+                      <a:endParaRPr lang="ko-Kore-KR" altLang="en-US" dirty="0"/>
+                    </a:p>
+                  </a:txBody>
+                  <a:tcPr/>
+                </a:tc>
+                <a:tc>
+                  <a:txBody>
+                    <a:bodyPr/>
+                    <a:lstStyle/>
+                    <a:p>
+                      <a:pPr algn="ctr"/>
+                      <a:r>
+                        <a:rPr lang="en-US" altLang="ko-Kore-KR" dirty="0"/>
+                        <a:t>---</a:t>
+                      </a:r>
+                      <a:endParaRPr lang="ko-Kore-KR" altLang="en-US" dirty="0"/>
+                    </a:p>
+                  </a:txBody>
+                  <a:tcPr/>
+                </a:tc>
+                <a:extLst>
+                  <a:ext uri="{0D108BD9-81ED-4DB2-BD59-A6C34878D82A}">
+                    <a16:rowId xmlns:a16="http://schemas.microsoft.com/office/drawing/2014/main" val="3962576066"/>
+                  </a:ext>
+                </a:extLst>
+              </a:tr>
+              <a:tr h="370840">
+                <a:tc>
+                  <a:txBody>
+                    <a:bodyPr/>
+                    <a:lstStyle/>
+                    <a:p>
+                      <a:pPr algn="ctr"/>
+                      <a:r>
+                        <a:rPr lang="en-US" altLang="ko-Kore-KR" dirty="0"/>
+                        <a:t>2</a:t>
+                      </a:r>
+                      <a:endParaRPr lang="ko-Kore-KR" altLang="en-US" dirty="0"/>
+                    </a:p>
+                  </a:txBody>
+                  <a:tcPr/>
+                </a:tc>
+                <a:tc>
+                  <a:txBody>
+                    <a:bodyPr/>
+                    <a:lstStyle/>
+                    <a:p>
+                      <a:pPr algn="ctr"/>
+                      <a:r>
+                        <a:rPr lang="en-US" altLang="ko-Kore-KR" dirty="0" err="1"/>
+                        <a:t>bbb</a:t>
+                      </a:r>
+                      <a:endParaRPr lang="ko-Kore-KR" altLang="en-US" dirty="0"/>
+                    </a:p>
+                  </a:txBody>
+                  <a:tcPr/>
+                </a:tc>
+                <a:tc>
+                  <a:txBody>
+                    <a:bodyPr/>
+                    <a:lstStyle/>
+                    <a:p>
+                      <a:pPr marL="0" marR="0" lvl="0" indent="0" algn="ctr" defTabSz="914400" rtl="0" eaLnBrk="1" fontAlgn="auto" latinLnBrk="1" hangingPunct="1">
+                        <a:lnSpc>
+                          <a:spcPct val="100000"/>
+                        </a:lnSpc>
+                        <a:spcBef>
+                          <a:spcPts val="0"/>
+                        </a:spcBef>
+                        <a:spcAft>
+                          <a:spcPts val="0"/>
+                        </a:spcAft>
+                        <a:buClrTx/>
+                        <a:buSzTx/>
+                        <a:buFontTx/>
+                        <a:buNone/>
+                        <a:tabLst/>
+                        <a:defRPr/>
+                      </a:pPr>
+                      <a:r>
+                        <a:rPr lang="en-US" altLang="ko-Kore-KR" dirty="0"/>
+                        <a:t>---</a:t>
+                      </a:r>
+                      <a:endParaRPr lang="ko-Kore-KR" altLang="en-US" dirty="0"/>
+                    </a:p>
+                  </a:txBody>
+                  <a:tcPr/>
+                </a:tc>
+                <a:tc>
+                  <a:txBody>
+                    <a:bodyPr/>
+                    <a:lstStyle/>
+                    <a:p>
+                      <a:pPr algn="ctr"/>
+                      <a:r>
+                        <a:rPr lang="en-US" altLang="ko-Kore-KR" dirty="0"/>
+                        <a:t>---</a:t>
+                      </a:r>
+                      <a:endParaRPr lang="ko-Kore-KR" altLang="en-US" dirty="0"/>
+                    </a:p>
+                  </a:txBody>
+                  <a:tcPr/>
+                </a:tc>
+                <a:extLst>
+                  <a:ext uri="{0D108BD9-81ED-4DB2-BD59-A6C34878D82A}">
+                    <a16:rowId xmlns:a16="http://schemas.microsoft.com/office/drawing/2014/main" val="3575427591"/>
+                  </a:ext>
+                </a:extLst>
+              </a:tr>
+              <a:tr h="370840">
+                <a:tc>
+                  <a:txBody>
+                    <a:bodyPr/>
+                    <a:lstStyle/>
+                    <a:p>
+                      <a:pPr algn="ctr"/>
+                      <a:r>
+                        <a:rPr lang="en-US" altLang="ko-Kore-KR" dirty="0"/>
+                        <a:t>3</a:t>
+                      </a:r>
+                      <a:endParaRPr lang="ko-Kore-KR" altLang="en-US" dirty="0"/>
+                    </a:p>
+                  </a:txBody>
+                  <a:tcPr/>
+                </a:tc>
+                <a:tc>
+                  <a:txBody>
+                    <a:bodyPr/>
+                    <a:lstStyle/>
+                    <a:p>
+                      <a:pPr algn="ctr"/>
+                      <a:r>
+                        <a:rPr lang="en-US" altLang="ko-Kore-KR" dirty="0"/>
+                        <a:t>ccc</a:t>
+                      </a:r>
+                      <a:endParaRPr lang="ko-Kore-KR" altLang="en-US" dirty="0"/>
+                    </a:p>
+                  </a:txBody>
+                  <a:tcPr/>
+                </a:tc>
+                <a:tc>
+                  <a:txBody>
+                    <a:bodyPr/>
+                    <a:lstStyle/>
+                    <a:p>
+                      <a:pPr algn="ctr"/>
+                      <a:r>
+                        <a:rPr lang="en-US" altLang="ko-Kore-KR" dirty="0"/>
+                        <a:t>---</a:t>
+                      </a:r>
+                      <a:endParaRPr lang="ko-Kore-KR" altLang="en-US" dirty="0"/>
+                    </a:p>
+                  </a:txBody>
+                  <a:tcPr/>
+                </a:tc>
+                <a:tc>
+                  <a:txBody>
+                    <a:bodyPr/>
+                    <a:lstStyle/>
+                    <a:p>
+                      <a:pPr algn="ctr"/>
+                      <a:r>
+                        <a:rPr lang="en-US" altLang="ko-Kore-KR" dirty="0"/>
+                        <a:t>---</a:t>
+                      </a:r>
+                      <a:endParaRPr lang="ko-Kore-KR" altLang="en-US" dirty="0"/>
+                    </a:p>
+                  </a:txBody>
+                  <a:tcPr/>
+                </a:tc>
+                <a:extLst>
+                  <a:ext uri="{0D108BD9-81ED-4DB2-BD59-A6C34878D82A}">
+                    <a16:rowId xmlns:a16="http://schemas.microsoft.com/office/drawing/2014/main" val="2333122482"/>
+                  </a:ext>
+                </a:extLst>
+              </a:tr>
+              <a:tr h="370840">
+                <a:tc>
+                  <a:txBody>
+                    <a:bodyPr/>
+                    <a:lstStyle/>
+                    <a:p>
+                      <a:pPr algn="ctr"/>
+                      <a:endParaRPr lang="ko-Kore-KR" altLang="en-US"/>
+                    </a:p>
+                  </a:txBody>
+                  <a:tcPr/>
+                </a:tc>
+                <a:tc>
+                  <a:txBody>
+                    <a:bodyPr/>
+                    <a:lstStyle/>
+                    <a:p>
+                      <a:pPr algn="ctr"/>
+                      <a:endParaRPr lang="ko-Kore-KR" altLang="en-US"/>
+                    </a:p>
+                  </a:txBody>
+                  <a:tcPr/>
+                </a:tc>
+                <a:tc>
+                  <a:txBody>
+                    <a:bodyPr/>
+                    <a:lstStyle/>
+                    <a:p>
+                      <a:pPr algn="ctr"/>
+                      <a:endParaRPr lang="ko-Kore-KR" altLang="en-US"/>
+                    </a:p>
+                  </a:txBody>
+                  <a:tcPr/>
+                </a:tc>
+                <a:tc>
+                  <a:txBody>
+                    <a:bodyPr/>
+                    <a:lstStyle/>
+                    <a:p>
+                      <a:pPr algn="ctr"/>
+                      <a:endParaRPr lang="ko-Kore-KR" altLang="en-US" dirty="0"/>
+                    </a:p>
+                  </a:txBody>
+                  <a:tcPr/>
+                </a:tc>
+                <a:extLst>
+                  <a:ext uri="{0D108BD9-81ED-4DB2-BD59-A6C34878D82A}">
+                    <a16:rowId xmlns:a16="http://schemas.microsoft.com/office/drawing/2014/main" val="2118052340"/>
+                  </a:ext>
+                </a:extLst>
+              </a:tr>
+            </a:tbl>
+          </a:graphicData>
+        </a:graphic>
+      </p:graphicFrame>
+      <p:graphicFrame>
+        <p:nvGraphicFramePr>
+          <p:cNvPr id="3" name="표 3">
+            <a:extLst>
+              <a:ext uri="{FF2B5EF4-FFF2-40B4-BE49-F238E27FC236}">
+                <a16:creationId xmlns:a16="http://schemas.microsoft.com/office/drawing/2014/main" id="{94BDA37F-425F-C383-79E2-1A6561183609}"/>
+              </a:ext>
+            </a:extLst>
+          </p:cNvPr>
+          <p:cNvGraphicFramePr>
+            <a:graphicFrameLocks noGrp="1"/>
+          </p:cNvGraphicFramePr>
+          <p:nvPr>
+            <p:extLst>
+              <p:ext uri="{D42A27DB-BD31-4B8C-83A1-F6EECF244321}">
+                <p14:modId xmlns:p14="http://schemas.microsoft.com/office/powerpoint/2010/main" val="2297698071"/>
+              </p:ext>
+            </p:extLst>
+          </p:nvPr>
+        </p:nvGraphicFramePr>
+        <p:xfrm>
+          <a:off x="6273210" y="1381484"/>
+          <a:ext cx="5152065" cy="2595880"/>
+        </p:xfrm>
+        <a:graphic>
+          <a:graphicData uri="http://schemas.openxmlformats.org/drawingml/2006/table">
+            <a:tbl>
+              <a:tblPr firstRow="1" bandRow="1">
+                <a:tableStyleId>{7DF18680-E054-41AD-8BC1-D1AEF772440D}</a:tableStyleId>
+              </a:tblPr>
+              <a:tblGrid>
+                <a:gridCol w="1717355">
+                  <a:extLst>
+                    <a:ext uri="{9D8B030D-6E8A-4147-A177-3AD203B41FA5}">
+                      <a16:colId xmlns:a16="http://schemas.microsoft.com/office/drawing/2014/main" val="816680081"/>
+                    </a:ext>
+                  </a:extLst>
+                </a:gridCol>
+                <a:gridCol w="1717355">
+                  <a:extLst>
+                    <a:ext uri="{9D8B030D-6E8A-4147-A177-3AD203B41FA5}">
+                      <a16:colId xmlns:a16="http://schemas.microsoft.com/office/drawing/2014/main" val="2798531848"/>
+                    </a:ext>
+                  </a:extLst>
+                </a:gridCol>
+                <a:gridCol w="1717355">
+                  <a:extLst>
+                    <a:ext uri="{9D8B030D-6E8A-4147-A177-3AD203B41FA5}">
+                      <a16:colId xmlns:a16="http://schemas.microsoft.com/office/drawing/2014/main" val="3503881568"/>
+                    </a:ext>
+                  </a:extLst>
+                </a:gridCol>
+              </a:tblGrid>
+              <a:tr h="370840">
+                <a:tc>
+                  <a:txBody>
+                    <a:bodyPr/>
+                    <a:lstStyle/>
+                    <a:p>
+                      <a:pPr algn="ctr"/>
+                      <a:r>
+                        <a:rPr lang="en-US" altLang="ko-Kore-KR" dirty="0"/>
+                        <a:t>no</a:t>
+                      </a:r>
+                      <a:endParaRPr lang="ko-Kore-KR" altLang="en-US" dirty="0"/>
+                    </a:p>
+                  </a:txBody>
+                  <a:tcPr/>
+                </a:tc>
+                <a:tc>
+                  <a:txBody>
+                    <a:bodyPr/>
+                    <a:lstStyle/>
+                    <a:p>
+                      <a:pPr algn="ctr"/>
+                      <a:r>
+                        <a:rPr lang="en-US" altLang="ko-Kore-KR" dirty="0" err="1"/>
+                        <a:t>filepath</a:t>
+                      </a:r>
+                      <a:endParaRPr lang="ko-Kore-KR" altLang="en-US" dirty="0"/>
+                    </a:p>
+                  </a:txBody>
+                  <a:tcPr/>
+                </a:tc>
+                <a:tc>
+                  <a:txBody>
+                    <a:bodyPr/>
+                    <a:lstStyle/>
+                    <a:p>
+                      <a:pPr algn="ctr"/>
+                      <a:r>
+                        <a:rPr lang="en-US" altLang="ko-Kore-KR" dirty="0" err="1"/>
+                        <a:t>board_no</a:t>
+                      </a:r>
+                      <a:endParaRPr lang="ko-Kore-KR" altLang="en-US" dirty="0"/>
+                    </a:p>
+                  </a:txBody>
+                  <a:tcPr/>
+                </a:tc>
+                <a:extLst>
+                  <a:ext uri="{0D108BD9-81ED-4DB2-BD59-A6C34878D82A}">
+                    <a16:rowId xmlns:a16="http://schemas.microsoft.com/office/drawing/2014/main" val="3644580878"/>
+                  </a:ext>
+                </a:extLst>
+              </a:tr>
+              <a:tr h="370840">
+                <a:tc>
+                  <a:txBody>
+                    <a:bodyPr/>
+                    <a:lstStyle/>
+                    <a:p>
+                      <a:pPr algn="ctr"/>
+                      <a:r>
+                        <a:rPr lang="en-US" altLang="ko-Kore-KR" dirty="0"/>
+                        <a:t>100</a:t>
+                      </a:r>
+                      <a:endParaRPr lang="ko-Kore-KR" altLang="en-US" dirty="0"/>
+                    </a:p>
+                  </a:txBody>
+                  <a:tcPr/>
+                </a:tc>
+                <a:tc>
+                  <a:txBody>
+                    <a:bodyPr/>
+                    <a:lstStyle/>
+                    <a:p>
+                      <a:pPr algn="ctr"/>
+                      <a:r>
+                        <a:rPr lang="en-US" altLang="ko-Kore-KR" dirty="0" err="1"/>
+                        <a:t>a.gif</a:t>
+                      </a:r>
+                      <a:endParaRPr lang="ko-Kore-KR" altLang="en-US" dirty="0"/>
+                    </a:p>
+                  </a:txBody>
+                  <a:tcPr/>
+                </a:tc>
+                <a:tc>
+                  <a:txBody>
+                    <a:bodyPr/>
+                    <a:lstStyle/>
+                    <a:p>
+                      <a:pPr algn="ctr"/>
+                      <a:r>
+                        <a:rPr lang="en-US" altLang="ko-Kore-KR" dirty="0"/>
+                        <a:t>1</a:t>
+                      </a:r>
+                      <a:endParaRPr lang="ko-Kore-KR" altLang="en-US" dirty="0"/>
+                    </a:p>
+                  </a:txBody>
+                  <a:tcPr/>
+                </a:tc>
+                <a:extLst>
+                  <a:ext uri="{0D108BD9-81ED-4DB2-BD59-A6C34878D82A}">
+                    <a16:rowId xmlns:a16="http://schemas.microsoft.com/office/drawing/2014/main" val="544121972"/>
+                  </a:ext>
+                </a:extLst>
+              </a:tr>
+              <a:tr h="370840">
+                <a:tc>
+                  <a:txBody>
+                    <a:bodyPr/>
+                    <a:lstStyle/>
+                    <a:p>
+                      <a:pPr algn="ctr"/>
+                      <a:r>
+                        <a:rPr lang="en-US" altLang="ko-Kore-KR" dirty="0"/>
+                        <a:t>101</a:t>
+                      </a:r>
+                      <a:endParaRPr lang="ko-Kore-KR" altLang="en-US" dirty="0"/>
+                    </a:p>
+                  </a:txBody>
+                  <a:tcPr/>
+                </a:tc>
+                <a:tc>
+                  <a:txBody>
+                    <a:bodyPr/>
+                    <a:lstStyle/>
+                    <a:p>
+                      <a:pPr algn="ctr"/>
+                      <a:r>
+                        <a:rPr lang="en-US" altLang="ko-Kore-KR" dirty="0" err="1"/>
+                        <a:t>b.gif</a:t>
+                      </a:r>
+                      <a:endParaRPr lang="ko-Kore-KR" altLang="en-US" dirty="0"/>
+                    </a:p>
+                  </a:txBody>
+                  <a:tcPr/>
+                </a:tc>
+                <a:tc>
+                  <a:txBody>
+                    <a:bodyPr/>
+                    <a:lstStyle/>
+                    <a:p>
+                      <a:pPr algn="ctr"/>
+                      <a:r>
+                        <a:rPr lang="en-US" altLang="ko-Kore-KR" dirty="0"/>
+                        <a:t>1</a:t>
+                      </a:r>
+                      <a:endParaRPr lang="ko-Kore-KR" altLang="en-US" dirty="0"/>
+                    </a:p>
+                  </a:txBody>
+                  <a:tcPr/>
+                </a:tc>
+                <a:extLst>
+                  <a:ext uri="{0D108BD9-81ED-4DB2-BD59-A6C34878D82A}">
+                    <a16:rowId xmlns:a16="http://schemas.microsoft.com/office/drawing/2014/main" val="504689637"/>
+                  </a:ext>
+                </a:extLst>
+              </a:tr>
+              <a:tr h="370840">
+                <a:tc>
+                  <a:txBody>
+                    <a:bodyPr/>
+                    <a:lstStyle/>
+                    <a:p>
+                      <a:pPr algn="ctr"/>
+                      <a:r>
+                        <a:rPr lang="en-US" altLang="ko-Kore-KR" dirty="0"/>
+                        <a:t>102</a:t>
+                      </a:r>
+                      <a:endParaRPr lang="ko-Kore-KR" altLang="en-US" dirty="0"/>
+                    </a:p>
+                  </a:txBody>
+                  <a:tcPr/>
+                </a:tc>
+                <a:tc>
+                  <a:txBody>
+                    <a:bodyPr/>
+                    <a:lstStyle/>
+                    <a:p>
+                      <a:pPr algn="ctr"/>
+                      <a:r>
+                        <a:rPr lang="en-US" altLang="ko-Kore-KR" dirty="0" err="1"/>
+                        <a:t>c.gif</a:t>
+                      </a:r>
+                      <a:endParaRPr lang="ko-Kore-KR" altLang="en-US" dirty="0"/>
+                    </a:p>
+                  </a:txBody>
+                  <a:tcPr/>
+                </a:tc>
+                <a:tc>
+                  <a:txBody>
+                    <a:bodyPr/>
+                    <a:lstStyle/>
+                    <a:p>
+                      <a:pPr algn="ctr"/>
+                      <a:r>
+                        <a:rPr lang="en-US" altLang="ko-Kore-KR" dirty="0"/>
+                        <a:t>1</a:t>
+                      </a:r>
+                      <a:endParaRPr lang="ko-Kore-KR" altLang="en-US" dirty="0"/>
+                    </a:p>
+                  </a:txBody>
+                  <a:tcPr/>
+                </a:tc>
+                <a:extLst>
+                  <a:ext uri="{0D108BD9-81ED-4DB2-BD59-A6C34878D82A}">
+                    <a16:rowId xmlns:a16="http://schemas.microsoft.com/office/drawing/2014/main" val="3474992301"/>
+                  </a:ext>
+                </a:extLst>
+              </a:tr>
+              <a:tr h="370840">
+                <a:tc>
+                  <a:txBody>
+                    <a:bodyPr/>
+                    <a:lstStyle/>
+                    <a:p>
+                      <a:pPr algn="ctr"/>
+                      <a:r>
+                        <a:rPr lang="en-US" altLang="ko-Kore-KR" dirty="0"/>
+                        <a:t>103</a:t>
+                      </a:r>
+                      <a:endParaRPr lang="ko-Kore-KR" altLang="en-US" dirty="0"/>
+                    </a:p>
+                  </a:txBody>
+                  <a:tcPr/>
+                </a:tc>
+                <a:tc>
+                  <a:txBody>
+                    <a:bodyPr/>
+                    <a:lstStyle/>
+                    <a:p>
+                      <a:pPr algn="ctr"/>
+                      <a:r>
+                        <a:rPr lang="en-US" altLang="ko-Kore-KR" dirty="0" err="1"/>
+                        <a:t>x.gif</a:t>
+                      </a:r>
+                      <a:endParaRPr lang="ko-Kore-KR" altLang="en-US" dirty="0"/>
+                    </a:p>
+                  </a:txBody>
+                  <a:tcPr/>
+                </a:tc>
+                <a:tc>
+                  <a:txBody>
+                    <a:bodyPr/>
+                    <a:lstStyle/>
+                    <a:p>
+                      <a:pPr algn="ctr"/>
+                      <a:r>
+                        <a:rPr lang="en-US" altLang="ko-Kore-KR" dirty="0"/>
+                        <a:t>2</a:t>
+                      </a:r>
+                      <a:endParaRPr lang="ko-Kore-KR" altLang="en-US" dirty="0"/>
+                    </a:p>
+                  </a:txBody>
+                  <a:tcPr/>
+                </a:tc>
+                <a:extLst>
+                  <a:ext uri="{0D108BD9-81ED-4DB2-BD59-A6C34878D82A}">
+                    <a16:rowId xmlns:a16="http://schemas.microsoft.com/office/drawing/2014/main" val="3645246751"/>
+                  </a:ext>
+                </a:extLst>
+              </a:tr>
+              <a:tr h="370840">
+                <a:tc>
+                  <a:txBody>
+                    <a:bodyPr/>
+                    <a:lstStyle/>
+                    <a:p>
+                      <a:pPr algn="ctr"/>
+                      <a:r>
+                        <a:rPr lang="en-US" altLang="ko-Kore-KR" dirty="0"/>
+                        <a:t>104</a:t>
+                      </a:r>
+                      <a:endParaRPr lang="ko-Kore-KR" altLang="en-US" dirty="0"/>
+                    </a:p>
+                  </a:txBody>
+                  <a:tcPr/>
+                </a:tc>
+                <a:tc>
+                  <a:txBody>
+                    <a:bodyPr/>
+                    <a:lstStyle/>
+                    <a:p>
+                      <a:pPr algn="ctr"/>
+                      <a:r>
+                        <a:rPr lang="en-US" altLang="ko-Kore-KR" dirty="0" err="1"/>
+                        <a:t>y.gif</a:t>
+                      </a:r>
+                      <a:endParaRPr lang="ko-Kore-KR" altLang="en-US" dirty="0"/>
+                    </a:p>
+                  </a:txBody>
+                  <a:tcPr/>
+                </a:tc>
+                <a:tc>
+                  <a:txBody>
+                    <a:bodyPr/>
+                    <a:lstStyle/>
+                    <a:p>
+                      <a:pPr algn="ctr"/>
+                      <a:r>
+                        <a:rPr lang="en-US" altLang="ko-Kore-KR" dirty="0"/>
+                        <a:t>2</a:t>
+                      </a:r>
+                      <a:endParaRPr lang="ko-Kore-KR" altLang="en-US" dirty="0"/>
+                    </a:p>
+                  </a:txBody>
+                  <a:tcPr/>
+                </a:tc>
+                <a:extLst>
+                  <a:ext uri="{0D108BD9-81ED-4DB2-BD59-A6C34878D82A}">
+                    <a16:rowId xmlns:a16="http://schemas.microsoft.com/office/drawing/2014/main" val="810256519"/>
+                  </a:ext>
+                </a:extLst>
+              </a:tr>
+              <a:tr h="370840">
+                <a:tc>
+                  <a:txBody>
+                    <a:bodyPr/>
+                    <a:lstStyle/>
+                    <a:p>
+                      <a:pPr algn="ctr"/>
+                      <a:endParaRPr lang="ko-Kore-KR" altLang="en-US" dirty="0"/>
+                    </a:p>
+                  </a:txBody>
+                  <a:tcPr/>
+                </a:tc>
+                <a:tc>
+                  <a:txBody>
+                    <a:bodyPr/>
+                    <a:lstStyle/>
+                    <a:p>
+                      <a:pPr algn="ctr"/>
+                      <a:endParaRPr lang="ko-Kore-KR" altLang="en-US"/>
+                    </a:p>
+                  </a:txBody>
+                  <a:tcPr/>
+                </a:tc>
+                <a:tc>
+                  <a:txBody>
+                    <a:bodyPr/>
+                    <a:lstStyle/>
+                    <a:p>
+                      <a:pPr algn="ctr"/>
+                      <a:endParaRPr lang="ko-Kore-KR" altLang="en-US" dirty="0"/>
+                    </a:p>
+                  </a:txBody>
+                  <a:tcPr/>
+                </a:tc>
+                <a:extLst>
+                  <a:ext uri="{0D108BD9-81ED-4DB2-BD59-A6C34878D82A}">
+                    <a16:rowId xmlns:a16="http://schemas.microsoft.com/office/drawing/2014/main" val="3989056211"/>
+                  </a:ext>
+                </a:extLst>
+              </a:tr>
+            </a:tbl>
+          </a:graphicData>
+        </a:graphic>
+      </p:graphicFrame>
+      <p:cxnSp>
+        <p:nvCxnSpPr>
+          <p:cNvPr id="5" name="직선 화살표 연결선 4">
+            <a:extLst>
+              <a:ext uri="{FF2B5EF4-FFF2-40B4-BE49-F238E27FC236}">
+                <a16:creationId xmlns:a16="http://schemas.microsoft.com/office/drawing/2014/main" id="{D3C3DBA8-1257-B776-CC65-86103777F9AC}"/>
+              </a:ext>
+            </a:extLst>
+          </p:cNvPr>
+          <p:cNvCxnSpPr>
+            <a:cxnSpLocks/>
+          </p:cNvCxnSpPr>
+          <p:nvPr/>
+        </p:nvCxnSpPr>
+        <p:spPr>
+          <a:xfrm flipV="1">
+            <a:off x="5231217" y="1935126"/>
+            <a:ext cx="1041993" cy="744279"/>
+          </a:xfrm>
+          <a:prstGeom prst="straightConnector1">
+            <a:avLst/>
+          </a:prstGeom>
+          <a:ln>
+            <a:tailEnd type="triangle"/>
+          </a:ln>
+        </p:spPr>
+        <p:style>
+          <a:lnRef idx="3">
+            <a:schemeClr val="accent3"/>
+          </a:lnRef>
+          <a:fillRef idx="0">
+            <a:schemeClr val="accent3"/>
+          </a:fillRef>
+          <a:effectRef idx="2">
+            <a:schemeClr val="accent3"/>
+          </a:effectRef>
+          <a:fontRef idx="minor">
+            <a:schemeClr val="tx1"/>
+          </a:fontRef>
+        </p:style>
+      </p:cxnSp>
+      <p:cxnSp>
+        <p:nvCxnSpPr>
+          <p:cNvPr id="7" name="직선 화살표 연결선 6">
+            <a:extLst>
+              <a:ext uri="{FF2B5EF4-FFF2-40B4-BE49-F238E27FC236}">
+                <a16:creationId xmlns:a16="http://schemas.microsoft.com/office/drawing/2014/main" id="{EFA0AF04-B635-4DE8-4DCC-2502C3E52748}"/>
+              </a:ext>
+            </a:extLst>
+          </p:cNvPr>
+          <p:cNvCxnSpPr>
+            <a:cxnSpLocks/>
+          </p:cNvCxnSpPr>
+          <p:nvPr/>
+        </p:nvCxnSpPr>
+        <p:spPr>
+          <a:xfrm flipV="1">
+            <a:off x="5231217" y="2239926"/>
+            <a:ext cx="1041993" cy="439479"/>
+          </a:xfrm>
+          <a:prstGeom prst="straightConnector1">
+            <a:avLst/>
+          </a:prstGeom>
+          <a:ln>
+            <a:tailEnd type="triangle"/>
+          </a:ln>
+        </p:spPr>
+        <p:style>
+          <a:lnRef idx="3">
+            <a:schemeClr val="accent3"/>
+          </a:lnRef>
+          <a:fillRef idx="0">
+            <a:schemeClr val="accent3"/>
+          </a:fillRef>
+          <a:effectRef idx="2">
+            <a:schemeClr val="accent3"/>
+          </a:effectRef>
+          <a:fontRef idx="minor">
+            <a:schemeClr val="tx1"/>
+          </a:fontRef>
+        </p:style>
+      </p:cxnSp>
+      <p:cxnSp>
+        <p:nvCxnSpPr>
+          <p:cNvPr id="8" name="직선 화살표 연결선 7">
+            <a:extLst>
+              <a:ext uri="{FF2B5EF4-FFF2-40B4-BE49-F238E27FC236}">
+                <a16:creationId xmlns:a16="http://schemas.microsoft.com/office/drawing/2014/main" id="{213EB81B-2F3B-A661-EDFF-E995873E02AE}"/>
+              </a:ext>
+            </a:extLst>
+          </p:cNvPr>
+          <p:cNvCxnSpPr>
+            <a:cxnSpLocks/>
+            <a:endCxn id="3" idx="1"/>
+          </p:cNvCxnSpPr>
+          <p:nvPr/>
+        </p:nvCxnSpPr>
+        <p:spPr>
+          <a:xfrm>
+            <a:off x="5231217" y="2679405"/>
+            <a:ext cx="1041993" cy="19"/>
+          </a:xfrm>
+          <a:prstGeom prst="straightConnector1">
+            <a:avLst/>
+          </a:prstGeom>
+          <a:ln>
+            <a:tailEnd type="triangle"/>
+          </a:ln>
+        </p:spPr>
+        <p:style>
+          <a:lnRef idx="3">
+            <a:schemeClr val="accent3"/>
+          </a:lnRef>
+          <a:fillRef idx="0">
+            <a:schemeClr val="accent3"/>
+          </a:fillRef>
+          <a:effectRef idx="2">
+            <a:schemeClr val="accent3"/>
+          </a:effectRef>
+          <a:fontRef idx="minor">
+            <a:schemeClr val="tx1"/>
+          </a:fontRef>
+        </p:style>
+      </p:cxnSp>
+      <p:cxnSp>
+        <p:nvCxnSpPr>
+          <p:cNvPr id="14" name="직선 화살표 연결선 13">
+            <a:extLst>
+              <a:ext uri="{FF2B5EF4-FFF2-40B4-BE49-F238E27FC236}">
+                <a16:creationId xmlns:a16="http://schemas.microsoft.com/office/drawing/2014/main" id="{FCE482F0-759B-E213-ED75-EA025D7D153A}"/>
+              </a:ext>
+            </a:extLst>
+          </p:cNvPr>
+          <p:cNvCxnSpPr>
+            <a:cxnSpLocks/>
+            <a:stCxn id="2" idx="3"/>
+          </p:cNvCxnSpPr>
+          <p:nvPr/>
+        </p:nvCxnSpPr>
+        <p:spPr>
+          <a:xfrm>
+            <a:off x="5231217" y="3050264"/>
+            <a:ext cx="1041993" cy="0"/>
+          </a:xfrm>
+          <a:prstGeom prst="straightConnector1">
+            <a:avLst/>
+          </a:prstGeom>
+          <a:ln>
+            <a:tailEnd type="triangle"/>
+          </a:ln>
+        </p:spPr>
+        <p:style>
+          <a:lnRef idx="3">
+            <a:schemeClr val="accent3"/>
+          </a:lnRef>
+          <a:fillRef idx="0">
+            <a:schemeClr val="accent3"/>
+          </a:fillRef>
+          <a:effectRef idx="2">
+            <a:schemeClr val="accent3"/>
+          </a:effectRef>
+          <a:fontRef idx="minor">
+            <a:schemeClr val="tx1"/>
+          </a:fontRef>
+        </p:style>
+      </p:cxnSp>
+      <p:cxnSp>
+        <p:nvCxnSpPr>
+          <p:cNvPr id="15" name="직선 화살표 연결선 14">
+            <a:extLst>
+              <a:ext uri="{FF2B5EF4-FFF2-40B4-BE49-F238E27FC236}">
+                <a16:creationId xmlns:a16="http://schemas.microsoft.com/office/drawing/2014/main" id="{9B6D5E7C-6E3C-C11B-DE4B-22980EDCC92F}"/>
+              </a:ext>
+            </a:extLst>
+          </p:cNvPr>
+          <p:cNvCxnSpPr>
+            <a:cxnSpLocks/>
+            <a:stCxn id="2" idx="3"/>
+          </p:cNvCxnSpPr>
+          <p:nvPr/>
+        </p:nvCxnSpPr>
+        <p:spPr>
+          <a:xfrm>
+            <a:off x="5231217" y="3050264"/>
+            <a:ext cx="1041993" cy="373439"/>
+          </a:xfrm>
+          <a:prstGeom prst="straightConnector1">
+            <a:avLst/>
+          </a:prstGeom>
+          <a:ln>
+            <a:tailEnd type="triangle"/>
+          </a:ln>
+        </p:spPr>
+        <p:style>
+          <a:lnRef idx="3">
+            <a:schemeClr val="accent3"/>
+          </a:lnRef>
+          <a:fillRef idx="0">
+            <a:schemeClr val="accent3"/>
+          </a:fillRef>
+          <a:effectRef idx="2">
+            <a:schemeClr val="accent3"/>
+          </a:effectRef>
+          <a:fontRef idx="minor">
+            <a:schemeClr val="tx1"/>
+          </a:fontRef>
+        </p:style>
+      </p:cxnSp>
+      <p:cxnSp>
+        <p:nvCxnSpPr>
+          <p:cNvPr id="20" name="직선 화살표 연결선 19">
+            <a:extLst>
+              <a:ext uri="{FF2B5EF4-FFF2-40B4-BE49-F238E27FC236}">
+                <a16:creationId xmlns:a16="http://schemas.microsoft.com/office/drawing/2014/main" id="{8EC986F7-C77B-30D8-94B2-065839F17621}"/>
+              </a:ext>
+            </a:extLst>
+          </p:cNvPr>
+          <p:cNvCxnSpPr>
+            <a:cxnSpLocks/>
+          </p:cNvCxnSpPr>
+          <p:nvPr/>
+        </p:nvCxnSpPr>
+        <p:spPr>
+          <a:xfrm>
+            <a:off x="5231217" y="3425021"/>
+            <a:ext cx="864783" cy="740381"/>
+          </a:xfrm>
+          <a:prstGeom prst="straightConnector1">
+            <a:avLst/>
+          </a:prstGeom>
+          <a:ln>
+            <a:tailEnd type="triangle"/>
+          </a:ln>
+        </p:spPr>
+        <p:style>
+          <a:lnRef idx="3">
+            <a:schemeClr val="accent3"/>
+          </a:lnRef>
+          <a:fillRef idx="0">
+            <a:schemeClr val="accent3"/>
+          </a:fillRef>
+          <a:effectRef idx="2">
+            <a:schemeClr val="accent3"/>
+          </a:effectRef>
+          <a:fontRef idx="minor">
+            <a:schemeClr val="tx1"/>
+          </a:fontRef>
+        </p:style>
+      </p:cxnSp>
+      <p:sp>
+        <p:nvSpPr>
+          <p:cNvPr id="22" name="곱하기 21">
+            <a:extLst>
+              <a:ext uri="{FF2B5EF4-FFF2-40B4-BE49-F238E27FC236}">
+                <a16:creationId xmlns:a16="http://schemas.microsoft.com/office/drawing/2014/main" id="{8CA26208-5DD1-9FFF-98F7-E9D4E8460685}"/>
+              </a:ext>
+            </a:extLst>
+          </p:cNvPr>
+          <p:cNvSpPr/>
+          <p:nvPr/>
+        </p:nvSpPr>
+        <p:spPr>
+          <a:xfrm>
+            <a:off x="6096000" y="4034302"/>
+            <a:ext cx="494416" cy="439785"/>
+          </a:xfrm>
+          <a:prstGeom prst="mathMultiply">
+            <a:avLst/>
+          </a:prstGeom>
+          <a:solidFill>
+            <a:schemeClr val="bg1">
+              <a:lumMod val="50000"/>
+              <a:alpha val="51634"/>
+            </a:schemeClr>
+          </a:solidFill>
+          <a:ln>
+            <a:solidFill>
+              <a:schemeClr val="bg1">
+                <a:lumMod val="50000"/>
+              </a:schemeClr>
+            </a:solidFill>
+          </a:ln>
+        </p:spPr>
+        <p:style>
+          <a:lnRef idx="2">
+            <a:schemeClr val="accent1">
+              <a:shade val="50000"/>
+            </a:schemeClr>
+          </a:lnRef>
+          <a:fillRef idx="1">
+            <a:schemeClr val="accent1"/>
+          </a:fillRef>
+          <a:effectRef idx="0">
+            <a:schemeClr val="accent1"/>
+          </a:effectRef>
+          <a:fontRef idx="minor">
+            <a:schemeClr val="lt1"/>
+          </a:fontRef>
+        </p:style>
+        <p:txBody>
+          <a:bodyPr rtlCol="0" anchor="ctr"/>
+          <a:lstStyle/>
+          <a:p>
+            <a:pPr algn="ctr"/>
+            <a:endParaRPr kumimoji="1" lang="ko-Kore-KR" altLang="en-US" dirty="0"/>
+          </a:p>
+        </p:txBody>
+      </p:sp>
     </p:spTree>
     <p:extLst>
       <p:ext uri="{BB962C8B-B14F-4D97-AF65-F5344CB8AC3E}">
@@ -8321,6 +10912,638 @@
           <a:chExt cx="0" cy="0"/>
         </a:xfrm>
       </p:grpSpPr>
+      <p:sp>
+        <p:nvSpPr>
+          <p:cNvPr id="2" name="타원 1">
+            <a:extLst>
+              <a:ext uri="{FF2B5EF4-FFF2-40B4-BE49-F238E27FC236}">
+                <a16:creationId xmlns:a16="http://schemas.microsoft.com/office/drawing/2014/main" id="{9A075772-C46D-0711-FF81-29FA49EB37AC}"/>
+              </a:ext>
+            </a:extLst>
+          </p:cNvPr>
+          <p:cNvSpPr/>
+          <p:nvPr/>
+        </p:nvSpPr>
+        <p:spPr>
+          <a:xfrm>
+            <a:off x="2254102" y="1722474"/>
+            <a:ext cx="2190307" cy="2190307"/>
+          </a:xfrm>
+          <a:prstGeom prst="ellipse">
+            <a:avLst/>
+          </a:prstGeom>
+        </p:spPr>
+        <p:style>
+          <a:lnRef idx="2">
+            <a:schemeClr val="accent1"/>
+          </a:lnRef>
+          <a:fillRef idx="1">
+            <a:schemeClr val="lt1"/>
+          </a:fillRef>
+          <a:effectRef idx="0">
+            <a:schemeClr val="accent1"/>
+          </a:effectRef>
+          <a:fontRef idx="minor">
+            <a:schemeClr val="dk1"/>
+          </a:fontRef>
+        </p:style>
+        <p:txBody>
+          <a:bodyPr rtlCol="0" anchor="ctr"/>
+          <a:lstStyle/>
+          <a:p>
+            <a:pPr algn="ctr"/>
+            <a:endParaRPr kumimoji="1" lang="ko-Kore-KR" altLang="en-US"/>
+          </a:p>
+        </p:txBody>
+      </p:sp>
+      <p:sp>
+        <p:nvSpPr>
+          <p:cNvPr id="3" name="타원 2">
+            <a:extLst>
+              <a:ext uri="{FF2B5EF4-FFF2-40B4-BE49-F238E27FC236}">
+                <a16:creationId xmlns:a16="http://schemas.microsoft.com/office/drawing/2014/main" id="{0425997C-041C-654C-06D1-1D48F7A44130}"/>
+              </a:ext>
+            </a:extLst>
+          </p:cNvPr>
+          <p:cNvSpPr/>
+          <p:nvPr/>
+        </p:nvSpPr>
+        <p:spPr>
+          <a:xfrm>
+            <a:off x="2424221" y="1906771"/>
+            <a:ext cx="1857153" cy="1857153"/>
+          </a:xfrm>
+          <a:prstGeom prst="ellipse">
+            <a:avLst/>
+          </a:prstGeom>
+        </p:spPr>
+        <p:style>
+          <a:lnRef idx="2">
+            <a:schemeClr val="accent1"/>
+          </a:lnRef>
+          <a:fillRef idx="1">
+            <a:schemeClr val="lt1"/>
+          </a:fillRef>
+          <a:effectRef idx="0">
+            <a:schemeClr val="accent1"/>
+          </a:effectRef>
+          <a:fontRef idx="minor">
+            <a:schemeClr val="dk1"/>
+          </a:fontRef>
+        </p:style>
+        <p:txBody>
+          <a:bodyPr rtlCol="0" anchor="ctr"/>
+          <a:lstStyle/>
+          <a:p>
+            <a:pPr algn="ctr"/>
+            <a:endParaRPr kumimoji="1" lang="ko-Kore-KR" altLang="en-US"/>
+          </a:p>
+        </p:txBody>
+      </p:sp>
+      <p:sp>
+        <p:nvSpPr>
+          <p:cNvPr id="4" name="타원 3">
+            <a:extLst>
+              <a:ext uri="{FF2B5EF4-FFF2-40B4-BE49-F238E27FC236}">
+                <a16:creationId xmlns:a16="http://schemas.microsoft.com/office/drawing/2014/main" id="{D9DCEC6D-C59E-7CF2-A458-6B57564301BC}"/>
+              </a:ext>
+            </a:extLst>
+          </p:cNvPr>
+          <p:cNvSpPr/>
+          <p:nvPr/>
+        </p:nvSpPr>
+        <p:spPr>
+          <a:xfrm>
+            <a:off x="2594344" y="2073349"/>
+            <a:ext cx="1509822" cy="1509822"/>
+          </a:xfrm>
+          <a:prstGeom prst="ellipse">
+            <a:avLst/>
+          </a:prstGeom>
+        </p:spPr>
+        <p:style>
+          <a:lnRef idx="2">
+            <a:schemeClr val="accent1"/>
+          </a:lnRef>
+          <a:fillRef idx="1">
+            <a:schemeClr val="lt1"/>
+          </a:fillRef>
+          <a:effectRef idx="0">
+            <a:schemeClr val="accent1"/>
+          </a:effectRef>
+          <a:fontRef idx="minor">
+            <a:schemeClr val="dk1"/>
+          </a:fontRef>
+        </p:style>
+        <p:txBody>
+          <a:bodyPr rtlCol="0" anchor="ctr"/>
+          <a:lstStyle/>
+          <a:p>
+            <a:pPr algn="ctr"/>
+            <a:endParaRPr kumimoji="1" lang="ko-Kore-KR" altLang="en-US"/>
+          </a:p>
+        </p:txBody>
+      </p:sp>
+      <p:sp>
+        <p:nvSpPr>
+          <p:cNvPr id="5" name="타원 4">
+            <a:extLst>
+              <a:ext uri="{FF2B5EF4-FFF2-40B4-BE49-F238E27FC236}">
+                <a16:creationId xmlns:a16="http://schemas.microsoft.com/office/drawing/2014/main" id="{9D19DFA1-0372-6BDA-7378-B34017BEA776}"/>
+              </a:ext>
+            </a:extLst>
+          </p:cNvPr>
+          <p:cNvSpPr/>
+          <p:nvPr/>
+        </p:nvSpPr>
+        <p:spPr>
+          <a:xfrm>
+            <a:off x="2753832" y="2241699"/>
+            <a:ext cx="1187301" cy="1187301"/>
+          </a:xfrm>
+          <a:prstGeom prst="ellipse">
+            <a:avLst/>
+          </a:prstGeom>
+        </p:spPr>
+        <p:style>
+          <a:lnRef idx="2">
+            <a:schemeClr val="accent1"/>
+          </a:lnRef>
+          <a:fillRef idx="1">
+            <a:schemeClr val="lt1"/>
+          </a:fillRef>
+          <a:effectRef idx="0">
+            <a:schemeClr val="accent1"/>
+          </a:effectRef>
+          <a:fontRef idx="minor">
+            <a:schemeClr val="dk1"/>
+          </a:fontRef>
+        </p:style>
+        <p:txBody>
+          <a:bodyPr rtlCol="0" anchor="ctr"/>
+          <a:lstStyle/>
+          <a:p>
+            <a:pPr algn="ctr"/>
+            <a:endParaRPr kumimoji="1" lang="ko-Kore-KR" altLang="en-US"/>
+          </a:p>
+        </p:txBody>
+      </p:sp>
+      <p:cxnSp>
+        <p:nvCxnSpPr>
+          <p:cNvPr id="7" name="직선 연결선[R] 6">
+            <a:extLst>
+              <a:ext uri="{FF2B5EF4-FFF2-40B4-BE49-F238E27FC236}">
+                <a16:creationId xmlns:a16="http://schemas.microsoft.com/office/drawing/2014/main" id="{8E0142AA-01E0-9015-E5A8-C608BAAA2902}"/>
+              </a:ext>
+            </a:extLst>
+          </p:cNvPr>
+          <p:cNvCxnSpPr>
+            <a:stCxn id="2" idx="0"/>
+            <a:endCxn id="2" idx="4"/>
+          </p:cNvCxnSpPr>
+          <p:nvPr/>
+        </p:nvCxnSpPr>
+        <p:spPr>
+          <a:xfrm>
+            <a:off x="3349256" y="1722474"/>
+            <a:ext cx="0" cy="2190307"/>
+          </a:xfrm>
+          <a:prstGeom prst="line">
+            <a:avLst/>
+          </a:prstGeom>
+        </p:spPr>
+        <p:style>
+          <a:lnRef idx="3">
+            <a:schemeClr val="accent1"/>
+          </a:lnRef>
+          <a:fillRef idx="0">
+            <a:schemeClr val="accent1"/>
+          </a:fillRef>
+          <a:effectRef idx="2">
+            <a:schemeClr val="accent1"/>
+          </a:effectRef>
+          <a:fontRef idx="minor">
+            <a:schemeClr val="tx1"/>
+          </a:fontRef>
+        </p:style>
+      </p:cxnSp>
+      <p:cxnSp>
+        <p:nvCxnSpPr>
+          <p:cNvPr id="8" name="직선 연결선[R] 7">
+            <a:extLst>
+              <a:ext uri="{FF2B5EF4-FFF2-40B4-BE49-F238E27FC236}">
+                <a16:creationId xmlns:a16="http://schemas.microsoft.com/office/drawing/2014/main" id="{21EDE9C2-DDC8-8D28-7F05-C0D60B100918}"/>
+              </a:ext>
+            </a:extLst>
+          </p:cNvPr>
+          <p:cNvCxnSpPr>
+            <a:cxnSpLocks/>
+            <a:stCxn id="2" idx="1"/>
+            <a:endCxn id="2" idx="5"/>
+          </p:cNvCxnSpPr>
+          <p:nvPr/>
+        </p:nvCxnSpPr>
+        <p:spPr>
+          <a:xfrm>
+            <a:off x="2574865" y="2043237"/>
+            <a:ext cx="1548781" cy="1548781"/>
+          </a:xfrm>
+          <a:prstGeom prst="line">
+            <a:avLst/>
+          </a:prstGeom>
+        </p:spPr>
+        <p:style>
+          <a:lnRef idx="3">
+            <a:schemeClr val="accent1"/>
+          </a:lnRef>
+          <a:fillRef idx="0">
+            <a:schemeClr val="accent1"/>
+          </a:fillRef>
+          <a:effectRef idx="2">
+            <a:schemeClr val="accent1"/>
+          </a:effectRef>
+          <a:fontRef idx="minor">
+            <a:schemeClr val="tx1"/>
+          </a:fontRef>
+        </p:style>
+      </p:cxnSp>
+      <p:cxnSp>
+        <p:nvCxnSpPr>
+          <p:cNvPr id="11" name="직선 연결선[R] 10">
+            <a:extLst>
+              <a:ext uri="{FF2B5EF4-FFF2-40B4-BE49-F238E27FC236}">
+                <a16:creationId xmlns:a16="http://schemas.microsoft.com/office/drawing/2014/main" id="{B715B3D0-D13D-7B38-0713-C39BD2605AAD}"/>
+              </a:ext>
+            </a:extLst>
+          </p:cNvPr>
+          <p:cNvCxnSpPr>
+            <a:cxnSpLocks/>
+            <a:stCxn id="2" idx="2"/>
+            <a:endCxn id="2" idx="6"/>
+          </p:cNvCxnSpPr>
+          <p:nvPr/>
+        </p:nvCxnSpPr>
+        <p:spPr>
+          <a:xfrm>
+            <a:off x="2254102" y="2817628"/>
+            <a:ext cx="2190307" cy="0"/>
+          </a:xfrm>
+          <a:prstGeom prst="line">
+            <a:avLst/>
+          </a:prstGeom>
+        </p:spPr>
+        <p:style>
+          <a:lnRef idx="3">
+            <a:schemeClr val="accent1"/>
+          </a:lnRef>
+          <a:fillRef idx="0">
+            <a:schemeClr val="accent1"/>
+          </a:fillRef>
+          <a:effectRef idx="2">
+            <a:schemeClr val="accent1"/>
+          </a:effectRef>
+          <a:fontRef idx="minor">
+            <a:schemeClr val="tx1"/>
+          </a:fontRef>
+        </p:style>
+      </p:cxnSp>
+      <p:cxnSp>
+        <p:nvCxnSpPr>
+          <p:cNvPr id="14" name="직선 연결선[R] 13">
+            <a:extLst>
+              <a:ext uri="{FF2B5EF4-FFF2-40B4-BE49-F238E27FC236}">
+                <a16:creationId xmlns:a16="http://schemas.microsoft.com/office/drawing/2014/main" id="{3AC47827-3ADE-CC49-AF1A-124B6E08A984}"/>
+              </a:ext>
+            </a:extLst>
+          </p:cNvPr>
+          <p:cNvCxnSpPr>
+            <a:cxnSpLocks/>
+            <a:stCxn id="2" idx="3"/>
+            <a:endCxn id="2" idx="7"/>
+          </p:cNvCxnSpPr>
+          <p:nvPr/>
+        </p:nvCxnSpPr>
+        <p:spPr>
+          <a:xfrm flipV="1">
+            <a:off x="2574865" y="2043237"/>
+            <a:ext cx="1548781" cy="1548781"/>
+          </a:xfrm>
+          <a:prstGeom prst="line">
+            <a:avLst/>
+          </a:prstGeom>
+        </p:spPr>
+        <p:style>
+          <a:lnRef idx="3">
+            <a:schemeClr val="accent1"/>
+          </a:lnRef>
+          <a:fillRef idx="0">
+            <a:schemeClr val="accent1"/>
+          </a:fillRef>
+          <a:effectRef idx="2">
+            <a:schemeClr val="accent1"/>
+          </a:effectRef>
+          <a:fontRef idx="minor">
+            <a:schemeClr val="tx1"/>
+          </a:fontRef>
+        </p:style>
+      </p:cxnSp>
+      <p:sp>
+        <p:nvSpPr>
+          <p:cNvPr id="17" name="직사각형 16">
+            <a:extLst>
+              <a:ext uri="{FF2B5EF4-FFF2-40B4-BE49-F238E27FC236}">
+                <a16:creationId xmlns:a16="http://schemas.microsoft.com/office/drawing/2014/main" id="{7888F3D7-3B75-D3CE-4AAA-7D78CA63B05A}"/>
+              </a:ext>
+            </a:extLst>
+          </p:cNvPr>
+          <p:cNvSpPr/>
+          <p:nvPr/>
+        </p:nvSpPr>
+        <p:spPr>
+          <a:xfrm>
+            <a:off x="2746743" y="797901"/>
+            <a:ext cx="1201478" cy="704402"/>
+          </a:xfrm>
+          <a:prstGeom prst="rect">
+            <a:avLst/>
+          </a:prstGeom>
+        </p:spPr>
+        <p:style>
+          <a:lnRef idx="2">
+            <a:schemeClr val="accent1"/>
+          </a:lnRef>
+          <a:fillRef idx="1">
+            <a:schemeClr val="lt1"/>
+          </a:fillRef>
+          <a:effectRef idx="0">
+            <a:schemeClr val="accent1"/>
+          </a:effectRef>
+          <a:fontRef idx="minor">
+            <a:schemeClr val="dk1"/>
+          </a:fontRef>
+        </p:style>
+        <p:txBody>
+          <a:bodyPr rtlCol="0" anchor="ctr"/>
+          <a:lstStyle/>
+          <a:p>
+            <a:pPr algn="ctr"/>
+            <a:r>
+              <a:rPr kumimoji="1" lang="en-US" altLang="ko-Kore-KR" dirty="0"/>
+              <a:t>HDD</a:t>
+            </a:r>
+            <a:endParaRPr kumimoji="1" lang="ko-Kore-KR" altLang="en-US" dirty="0"/>
+          </a:p>
+        </p:txBody>
+      </p:sp>
+      <p:cxnSp>
+        <p:nvCxnSpPr>
+          <p:cNvPr id="18" name="직선 화살표 연결선 17">
+            <a:extLst>
+              <a:ext uri="{FF2B5EF4-FFF2-40B4-BE49-F238E27FC236}">
+                <a16:creationId xmlns:a16="http://schemas.microsoft.com/office/drawing/2014/main" id="{8A2DF735-C803-8C87-8FCB-B30BFD2D9043}"/>
+              </a:ext>
+            </a:extLst>
+          </p:cNvPr>
+          <p:cNvCxnSpPr>
+            <a:cxnSpLocks/>
+            <a:stCxn id="21" idx="1"/>
+          </p:cNvCxnSpPr>
+          <p:nvPr/>
+        </p:nvCxnSpPr>
+        <p:spPr>
+          <a:xfrm flipH="1">
+            <a:off x="3859619" y="1520456"/>
+            <a:ext cx="598964" cy="386315"/>
+          </a:xfrm>
+          <a:prstGeom prst="straightConnector1">
+            <a:avLst/>
+          </a:prstGeom>
+          <a:ln>
+            <a:tailEnd type="triangle"/>
+          </a:ln>
+        </p:spPr>
+        <p:style>
+          <a:lnRef idx="3">
+            <a:schemeClr val="accent1"/>
+          </a:lnRef>
+          <a:fillRef idx="0">
+            <a:schemeClr val="accent1"/>
+          </a:fillRef>
+          <a:effectRef idx="2">
+            <a:schemeClr val="accent1"/>
+          </a:effectRef>
+          <a:fontRef idx="minor">
+            <a:schemeClr val="tx1"/>
+          </a:fontRef>
+        </p:style>
+      </p:cxnSp>
+      <p:sp>
+        <p:nvSpPr>
+          <p:cNvPr id="21" name="직사각형 20">
+            <a:extLst>
+              <a:ext uri="{FF2B5EF4-FFF2-40B4-BE49-F238E27FC236}">
+                <a16:creationId xmlns:a16="http://schemas.microsoft.com/office/drawing/2014/main" id="{52D0EA15-1D61-AD31-A42D-EA0E71B36DE6}"/>
+              </a:ext>
+            </a:extLst>
+          </p:cNvPr>
+          <p:cNvSpPr/>
+          <p:nvPr/>
+        </p:nvSpPr>
+        <p:spPr>
+          <a:xfrm>
+            <a:off x="4458583" y="1318437"/>
+            <a:ext cx="1584251" cy="404037"/>
+          </a:xfrm>
+          <a:prstGeom prst="rect">
+            <a:avLst/>
+          </a:prstGeom>
+        </p:spPr>
+        <p:style>
+          <a:lnRef idx="2">
+            <a:schemeClr val="accent1"/>
+          </a:lnRef>
+          <a:fillRef idx="1">
+            <a:schemeClr val="lt1"/>
+          </a:fillRef>
+          <a:effectRef idx="0">
+            <a:schemeClr val="accent1"/>
+          </a:effectRef>
+          <a:fontRef idx="minor">
+            <a:schemeClr val="dk1"/>
+          </a:fontRef>
+        </p:style>
+        <p:txBody>
+          <a:bodyPr rtlCol="0" anchor="ctr"/>
+          <a:lstStyle/>
+          <a:p>
+            <a:pPr algn="ctr"/>
+            <a:r>
+              <a:rPr kumimoji="1" lang="en-US" altLang="ko-Kore-KR" sz="1400" dirty="0"/>
+              <a:t>track = </a:t>
+            </a:r>
+            <a:r>
+              <a:rPr kumimoji="1" lang="ko-Kore-KR" altLang="en-US" sz="1400" dirty="0"/>
+              <a:t>자석</a:t>
+            </a:r>
+            <a:r>
+              <a:rPr kumimoji="1" lang="ko-KR" altLang="en-US" sz="1400" dirty="0"/>
+              <a:t> 띠</a:t>
+            </a:r>
+            <a:endParaRPr kumimoji="1" lang="ko-Kore-KR" altLang="en-US" sz="1400" dirty="0"/>
+          </a:p>
+        </p:txBody>
+      </p:sp>
+      <p:sp>
+        <p:nvSpPr>
+          <p:cNvPr id="23" name="직사각형 22">
+            <a:extLst>
+              <a:ext uri="{FF2B5EF4-FFF2-40B4-BE49-F238E27FC236}">
+                <a16:creationId xmlns:a16="http://schemas.microsoft.com/office/drawing/2014/main" id="{252EAAF1-8C0F-CBB8-6E53-C72A7F81F593}"/>
+              </a:ext>
+            </a:extLst>
+          </p:cNvPr>
+          <p:cNvSpPr/>
+          <p:nvPr/>
+        </p:nvSpPr>
+        <p:spPr>
+          <a:xfrm rot="1704169">
+            <a:off x="4225586" y="2894071"/>
+            <a:ext cx="219657" cy="749870"/>
+          </a:xfrm>
+          <a:prstGeom prst="rect">
+            <a:avLst/>
+          </a:prstGeom>
+          <a:noFill/>
+          <a:ln w="41275">
+            <a:solidFill>
+              <a:srgbClr val="FF00A8"/>
+            </a:solidFill>
+          </a:ln>
+        </p:spPr>
+        <p:style>
+          <a:lnRef idx="2">
+            <a:schemeClr val="accent1">
+              <a:shade val="50000"/>
+            </a:schemeClr>
+          </a:lnRef>
+          <a:fillRef idx="1">
+            <a:schemeClr val="accent1"/>
+          </a:fillRef>
+          <a:effectRef idx="0">
+            <a:schemeClr val="accent1"/>
+          </a:effectRef>
+          <a:fontRef idx="minor">
+            <a:schemeClr val="lt1"/>
+          </a:fontRef>
+        </p:style>
+        <p:txBody>
+          <a:bodyPr rtlCol="0" anchor="ctr"/>
+          <a:lstStyle/>
+          <a:p>
+            <a:pPr algn="ctr"/>
+            <a:endParaRPr kumimoji="1" lang="ko-Kore-KR" altLang="en-US"/>
+          </a:p>
+        </p:txBody>
+      </p:sp>
+      <p:cxnSp>
+        <p:nvCxnSpPr>
+          <p:cNvPr id="24" name="직선 화살표 연결선 23">
+            <a:extLst>
+              <a:ext uri="{FF2B5EF4-FFF2-40B4-BE49-F238E27FC236}">
+                <a16:creationId xmlns:a16="http://schemas.microsoft.com/office/drawing/2014/main" id="{27C084EB-B2C1-55BD-BD5E-28C2F8D1CD12}"/>
+              </a:ext>
+            </a:extLst>
+          </p:cNvPr>
+          <p:cNvCxnSpPr>
+            <a:cxnSpLocks/>
+            <a:stCxn id="25" idx="1"/>
+            <a:endCxn id="23" idx="3"/>
+          </p:cNvCxnSpPr>
+          <p:nvPr/>
+        </p:nvCxnSpPr>
+        <p:spPr>
+          <a:xfrm flipH="1">
+            <a:off x="4432022" y="3047998"/>
+            <a:ext cx="937422" cy="273250"/>
+          </a:xfrm>
+          <a:prstGeom prst="straightConnector1">
+            <a:avLst/>
+          </a:prstGeom>
+          <a:ln>
+            <a:solidFill>
+              <a:srgbClr val="FF00A8"/>
+            </a:solidFill>
+            <a:tailEnd type="triangle"/>
+          </a:ln>
+        </p:spPr>
+        <p:style>
+          <a:lnRef idx="3">
+            <a:schemeClr val="accent1"/>
+          </a:lnRef>
+          <a:fillRef idx="0">
+            <a:schemeClr val="accent1"/>
+          </a:fillRef>
+          <a:effectRef idx="2">
+            <a:schemeClr val="accent1"/>
+          </a:effectRef>
+          <a:fontRef idx="minor">
+            <a:schemeClr val="tx1"/>
+          </a:fontRef>
+        </p:style>
+      </p:cxnSp>
+      <p:sp>
+        <p:nvSpPr>
+          <p:cNvPr id="25" name="직사각형 24">
+            <a:extLst>
+              <a:ext uri="{FF2B5EF4-FFF2-40B4-BE49-F238E27FC236}">
+                <a16:creationId xmlns:a16="http://schemas.microsoft.com/office/drawing/2014/main" id="{8400B1F0-6DCF-429E-E5C1-D22BB34C9E56}"/>
+              </a:ext>
+            </a:extLst>
+          </p:cNvPr>
+          <p:cNvSpPr/>
+          <p:nvPr/>
+        </p:nvSpPr>
+        <p:spPr>
+          <a:xfrm>
+            <a:off x="5369444" y="2845979"/>
+            <a:ext cx="1584251" cy="404037"/>
+          </a:xfrm>
+          <a:prstGeom prst="rect">
+            <a:avLst/>
+          </a:prstGeom>
+          <a:ln>
+            <a:solidFill>
+              <a:srgbClr val="FF00A8"/>
+            </a:solidFill>
+          </a:ln>
+        </p:spPr>
+        <p:style>
+          <a:lnRef idx="2">
+            <a:schemeClr val="accent1"/>
+          </a:lnRef>
+          <a:fillRef idx="1">
+            <a:schemeClr val="lt1"/>
+          </a:fillRef>
+          <a:effectRef idx="0">
+            <a:schemeClr val="accent1"/>
+          </a:effectRef>
+          <a:fontRef idx="minor">
+            <a:schemeClr val="dk1"/>
+          </a:fontRef>
+        </p:style>
+        <p:txBody>
+          <a:bodyPr rtlCol="0" anchor="ctr"/>
+          <a:lstStyle/>
+          <a:p>
+            <a:pPr algn="ctr"/>
+            <a:r>
+              <a:rPr kumimoji="1" lang="en-US" altLang="ko-Kore-KR" sz="1400" dirty="0"/>
+              <a:t>Sector(512byte)</a:t>
+            </a:r>
+            <a:endParaRPr kumimoji="1" lang="ko-Kore-KR" altLang="en-US" sz="1400" dirty="0"/>
+          </a:p>
+        </p:txBody>
+      </p:sp>
     </p:spTree>
     <p:extLst>
       <p:ext uri="{BB962C8B-B14F-4D97-AF65-F5344CB8AC3E}">
@@ -8351,6 +11574,505 @@
           <a:chExt cx="0" cy="0"/>
         </a:xfrm>
       </p:grpSpPr>
+      <p:sp>
+        <p:nvSpPr>
+          <p:cNvPr id="2" name="타원 1">
+            <a:extLst>
+              <a:ext uri="{FF2B5EF4-FFF2-40B4-BE49-F238E27FC236}">
+                <a16:creationId xmlns:a16="http://schemas.microsoft.com/office/drawing/2014/main" id="{26564141-D47B-2FC8-C381-17300D18D0AD}"/>
+              </a:ext>
+            </a:extLst>
+          </p:cNvPr>
+          <p:cNvSpPr/>
+          <p:nvPr/>
+        </p:nvSpPr>
+        <p:spPr>
+          <a:xfrm>
+            <a:off x="2594344" y="2456121"/>
+            <a:ext cx="1765005" cy="1765005"/>
+          </a:xfrm>
+          <a:prstGeom prst="ellipse">
+            <a:avLst/>
+          </a:prstGeom>
+        </p:spPr>
+        <p:style>
+          <a:lnRef idx="2">
+            <a:schemeClr val="accent1">
+              <a:shade val="50000"/>
+            </a:schemeClr>
+          </a:lnRef>
+          <a:fillRef idx="1">
+            <a:schemeClr val="accent1"/>
+          </a:fillRef>
+          <a:effectRef idx="0">
+            <a:schemeClr val="accent1"/>
+          </a:effectRef>
+          <a:fontRef idx="minor">
+            <a:schemeClr val="lt1"/>
+          </a:fontRef>
+        </p:style>
+        <p:txBody>
+          <a:bodyPr rtlCol="0" anchor="ctr"/>
+          <a:lstStyle/>
+          <a:p>
+            <a:pPr algn="ctr"/>
+            <a:r>
+              <a:rPr kumimoji="1" lang="en-US" altLang="ko-Kore-KR" dirty="0"/>
+              <a:t>File</a:t>
+            </a:r>
+          </a:p>
+          <a:p>
+            <a:pPr algn="ctr"/>
+            <a:r>
+              <a:rPr kumimoji="1" lang="en-US" altLang="ko-Kore-KR" dirty="0"/>
+              <a:t>System</a:t>
+            </a:r>
+            <a:endParaRPr kumimoji="1" lang="ko-Kore-KR" altLang="en-US" dirty="0"/>
+          </a:p>
+        </p:txBody>
+      </p:sp>
+      <p:sp>
+        <p:nvSpPr>
+          <p:cNvPr id="3" name="직사각형 2">
+            <a:extLst>
+              <a:ext uri="{FF2B5EF4-FFF2-40B4-BE49-F238E27FC236}">
+                <a16:creationId xmlns:a16="http://schemas.microsoft.com/office/drawing/2014/main" id="{670A67CC-5F15-DD21-9C2B-0D9D8EBC1AB9}"/>
+              </a:ext>
+            </a:extLst>
+          </p:cNvPr>
+          <p:cNvSpPr/>
+          <p:nvPr/>
+        </p:nvSpPr>
+        <p:spPr>
+          <a:xfrm>
+            <a:off x="5922335" y="1424763"/>
+            <a:ext cx="2137144" cy="839972"/>
+          </a:xfrm>
+          <a:prstGeom prst="rect">
+            <a:avLst/>
+          </a:prstGeom>
+        </p:spPr>
+        <p:style>
+          <a:lnRef idx="2">
+            <a:schemeClr val="accent1">
+              <a:shade val="50000"/>
+            </a:schemeClr>
+          </a:lnRef>
+          <a:fillRef idx="1">
+            <a:schemeClr val="accent1"/>
+          </a:fillRef>
+          <a:effectRef idx="0">
+            <a:schemeClr val="accent1"/>
+          </a:effectRef>
+          <a:fontRef idx="minor">
+            <a:schemeClr val="lt1"/>
+          </a:fontRef>
+        </p:style>
+        <p:txBody>
+          <a:bodyPr rtlCol="0" anchor="ctr"/>
+          <a:lstStyle/>
+          <a:p>
+            <a:pPr algn="ctr"/>
+            <a:r>
+              <a:rPr kumimoji="1" lang="ko-Kore-KR" altLang="en-US" dirty="0"/>
+              <a:t>파일</a:t>
+            </a:r>
+            <a:r>
+              <a:rPr kumimoji="1" lang="ko-KR" altLang="en-US" dirty="0"/>
+              <a:t> 탐색기</a:t>
+            </a:r>
+            <a:endParaRPr kumimoji="1" lang="ko-Kore-KR" altLang="en-US" dirty="0"/>
+          </a:p>
+        </p:txBody>
+      </p:sp>
+      <p:cxnSp>
+        <p:nvCxnSpPr>
+          <p:cNvPr id="5" name="구부러진 연결선[U] 4">
+            <a:extLst>
+              <a:ext uri="{FF2B5EF4-FFF2-40B4-BE49-F238E27FC236}">
+                <a16:creationId xmlns:a16="http://schemas.microsoft.com/office/drawing/2014/main" id="{7A0DDF51-3F4E-E067-8103-E71E3E6E31AA}"/>
+              </a:ext>
+            </a:extLst>
+          </p:cNvPr>
+          <p:cNvCxnSpPr>
+            <a:stCxn id="2" idx="0"/>
+            <a:endCxn id="3" idx="1"/>
+          </p:cNvCxnSpPr>
+          <p:nvPr/>
+        </p:nvCxnSpPr>
+        <p:spPr>
+          <a:xfrm rot="5400000" flipH="1" flipV="1">
+            <a:off x="4393905" y="927691"/>
+            <a:ext cx="611372" cy="2445488"/>
+          </a:xfrm>
+          <a:prstGeom prst="curvedConnector2">
+            <a:avLst/>
+          </a:prstGeom>
+          <a:ln>
+            <a:headEnd type="triangle"/>
+            <a:tailEnd type="triangle"/>
+          </a:ln>
+        </p:spPr>
+        <p:style>
+          <a:lnRef idx="3">
+            <a:schemeClr val="accent1"/>
+          </a:lnRef>
+          <a:fillRef idx="0">
+            <a:schemeClr val="accent1"/>
+          </a:fillRef>
+          <a:effectRef idx="2">
+            <a:schemeClr val="accent1"/>
+          </a:effectRef>
+          <a:fontRef idx="minor">
+            <a:schemeClr val="tx1"/>
+          </a:fontRef>
+        </p:style>
+      </p:cxnSp>
+      <p:sp>
+        <p:nvSpPr>
+          <p:cNvPr id="6" name="직사각형 5">
+            <a:extLst>
+              <a:ext uri="{FF2B5EF4-FFF2-40B4-BE49-F238E27FC236}">
+                <a16:creationId xmlns:a16="http://schemas.microsoft.com/office/drawing/2014/main" id="{DFFB330C-ADA3-5DE0-5041-FBDAD68D5D93}"/>
+              </a:ext>
+            </a:extLst>
+          </p:cNvPr>
+          <p:cNvSpPr/>
+          <p:nvPr/>
+        </p:nvSpPr>
+        <p:spPr>
+          <a:xfrm>
+            <a:off x="5922335" y="2918637"/>
+            <a:ext cx="2137144" cy="839972"/>
+          </a:xfrm>
+          <a:prstGeom prst="rect">
+            <a:avLst/>
+          </a:prstGeom>
+        </p:spPr>
+        <p:style>
+          <a:lnRef idx="2">
+            <a:schemeClr val="accent1">
+              <a:shade val="50000"/>
+            </a:schemeClr>
+          </a:lnRef>
+          <a:fillRef idx="1">
+            <a:schemeClr val="accent1"/>
+          </a:fillRef>
+          <a:effectRef idx="0">
+            <a:schemeClr val="accent1"/>
+          </a:effectRef>
+          <a:fontRef idx="minor">
+            <a:schemeClr val="lt1"/>
+          </a:fontRef>
+        </p:style>
+        <p:txBody>
+          <a:bodyPr rtlCol="0" anchor="ctr"/>
+          <a:lstStyle/>
+          <a:p>
+            <a:pPr algn="ctr"/>
+            <a:r>
+              <a:rPr kumimoji="1" lang="ko-KR" altLang="en-US" dirty="0"/>
+              <a:t>터미널</a:t>
+            </a:r>
+            <a:endParaRPr kumimoji="1" lang="ko-Kore-KR" altLang="en-US" dirty="0"/>
+          </a:p>
+        </p:txBody>
+      </p:sp>
+      <p:cxnSp>
+        <p:nvCxnSpPr>
+          <p:cNvPr id="7" name="구부러진 연결선[U] 6">
+            <a:extLst>
+              <a:ext uri="{FF2B5EF4-FFF2-40B4-BE49-F238E27FC236}">
+                <a16:creationId xmlns:a16="http://schemas.microsoft.com/office/drawing/2014/main" id="{841A6BF0-6E89-29C1-53BE-5B4AB0F418B0}"/>
+              </a:ext>
+            </a:extLst>
+          </p:cNvPr>
+          <p:cNvCxnSpPr>
+            <a:cxnSpLocks/>
+            <a:stCxn id="2" idx="6"/>
+            <a:endCxn id="6" idx="1"/>
+          </p:cNvCxnSpPr>
+          <p:nvPr/>
+        </p:nvCxnSpPr>
+        <p:spPr>
+          <a:xfrm flipV="1">
+            <a:off x="4359349" y="3338623"/>
+            <a:ext cx="1562986" cy="1"/>
+          </a:xfrm>
+          <a:prstGeom prst="curvedConnector3">
+            <a:avLst>
+              <a:gd name="adj1" fmla="val 50000"/>
+            </a:avLst>
+          </a:prstGeom>
+          <a:ln>
+            <a:headEnd type="triangle"/>
+            <a:tailEnd type="triangle"/>
+          </a:ln>
+        </p:spPr>
+        <p:style>
+          <a:lnRef idx="3">
+            <a:schemeClr val="accent1"/>
+          </a:lnRef>
+          <a:fillRef idx="0">
+            <a:schemeClr val="accent1"/>
+          </a:fillRef>
+          <a:effectRef idx="2">
+            <a:schemeClr val="accent1"/>
+          </a:effectRef>
+          <a:fontRef idx="minor">
+            <a:schemeClr val="tx1"/>
+          </a:fontRef>
+        </p:style>
+      </p:cxnSp>
+      <p:sp>
+        <p:nvSpPr>
+          <p:cNvPr id="11" name="직사각형 10">
+            <a:extLst>
+              <a:ext uri="{FF2B5EF4-FFF2-40B4-BE49-F238E27FC236}">
+                <a16:creationId xmlns:a16="http://schemas.microsoft.com/office/drawing/2014/main" id="{26AFE583-82CE-0F40-51D9-E8BA3519ABDA}"/>
+              </a:ext>
+            </a:extLst>
+          </p:cNvPr>
+          <p:cNvSpPr/>
+          <p:nvPr/>
+        </p:nvSpPr>
+        <p:spPr>
+          <a:xfrm>
+            <a:off x="6746358" y="5225901"/>
+            <a:ext cx="2137144" cy="839972"/>
+          </a:xfrm>
+          <a:prstGeom prst="rect">
+            <a:avLst/>
+          </a:prstGeom>
+        </p:spPr>
+        <p:style>
+          <a:lnRef idx="2">
+            <a:schemeClr val="accent1">
+              <a:shade val="50000"/>
+            </a:schemeClr>
+          </a:lnRef>
+          <a:fillRef idx="1">
+            <a:schemeClr val="accent1"/>
+          </a:fillRef>
+          <a:effectRef idx="0">
+            <a:schemeClr val="accent1"/>
+          </a:effectRef>
+          <a:fontRef idx="minor">
+            <a:schemeClr val="lt1"/>
+          </a:fontRef>
+        </p:style>
+        <p:txBody>
+          <a:bodyPr rtlCol="0" anchor="ctr"/>
+          <a:lstStyle/>
+          <a:p>
+            <a:pPr algn="ctr"/>
+            <a:r>
+              <a:rPr kumimoji="1" lang="en-US" altLang="ko-KR" dirty="0"/>
+              <a:t>App</a:t>
+            </a:r>
+            <a:endParaRPr kumimoji="1" lang="ko-Kore-KR" altLang="en-US" dirty="0"/>
+          </a:p>
+        </p:txBody>
+      </p:sp>
+      <p:sp>
+        <p:nvSpPr>
+          <p:cNvPr id="12" name="직사각형 11">
+            <a:extLst>
+              <a:ext uri="{FF2B5EF4-FFF2-40B4-BE49-F238E27FC236}">
+                <a16:creationId xmlns:a16="http://schemas.microsoft.com/office/drawing/2014/main" id="{8E6F05DE-432F-3640-8C8B-6A339D79F8A3}"/>
+              </a:ext>
+            </a:extLst>
+          </p:cNvPr>
+          <p:cNvSpPr/>
+          <p:nvPr/>
+        </p:nvSpPr>
+        <p:spPr>
+          <a:xfrm>
+            <a:off x="4166191" y="4412511"/>
+            <a:ext cx="1066800" cy="839972"/>
+          </a:xfrm>
+          <a:prstGeom prst="rect">
+            <a:avLst/>
+          </a:prstGeom>
+        </p:spPr>
+        <p:style>
+          <a:lnRef idx="2">
+            <a:schemeClr val="accent1">
+              <a:shade val="50000"/>
+            </a:schemeClr>
+          </a:lnRef>
+          <a:fillRef idx="1">
+            <a:schemeClr val="accent1"/>
+          </a:fillRef>
+          <a:effectRef idx="0">
+            <a:schemeClr val="accent1"/>
+          </a:effectRef>
+          <a:fontRef idx="minor">
+            <a:schemeClr val="lt1"/>
+          </a:fontRef>
+        </p:style>
+        <p:txBody>
+          <a:bodyPr rtlCol="0" anchor="ctr"/>
+          <a:lstStyle/>
+          <a:p>
+            <a:pPr algn="ctr"/>
+            <a:r>
+              <a:rPr kumimoji="1" lang="en-US" altLang="ko-KR" dirty="0"/>
+              <a:t>File</a:t>
+            </a:r>
+          </a:p>
+          <a:p>
+            <a:pPr algn="ctr"/>
+            <a:r>
+              <a:rPr kumimoji="1" lang="en-US" altLang="ko-Kore-KR" dirty="0"/>
+              <a:t>I/O</a:t>
+            </a:r>
+          </a:p>
+          <a:p>
+            <a:pPr algn="ctr"/>
+            <a:r>
+              <a:rPr kumimoji="1" lang="en-US" altLang="ko-Kore-KR" dirty="0"/>
+              <a:t>API</a:t>
+            </a:r>
+            <a:endParaRPr kumimoji="1" lang="ko-Kore-KR" altLang="en-US" dirty="0"/>
+          </a:p>
+        </p:txBody>
+      </p:sp>
+      <p:cxnSp>
+        <p:nvCxnSpPr>
+          <p:cNvPr id="14" name="구부러진 연결선[U] 13">
+            <a:extLst>
+              <a:ext uri="{FF2B5EF4-FFF2-40B4-BE49-F238E27FC236}">
+                <a16:creationId xmlns:a16="http://schemas.microsoft.com/office/drawing/2014/main" id="{221660C2-F546-BFB9-CC45-5592BDAEBDCC}"/>
+              </a:ext>
+            </a:extLst>
+          </p:cNvPr>
+          <p:cNvCxnSpPr>
+            <a:cxnSpLocks/>
+            <a:stCxn id="11" idx="1"/>
+            <a:endCxn id="12" idx="3"/>
+          </p:cNvCxnSpPr>
+          <p:nvPr/>
+        </p:nvCxnSpPr>
+        <p:spPr>
+          <a:xfrm rot="10800000">
+            <a:off x="5232992" y="4832497"/>
+            <a:ext cx="1513367" cy="813390"/>
+          </a:xfrm>
+          <a:prstGeom prst="curvedConnector3">
+            <a:avLst/>
+          </a:prstGeom>
+          <a:ln>
+            <a:tailEnd type="triangle"/>
+          </a:ln>
+        </p:spPr>
+        <p:style>
+          <a:lnRef idx="3">
+            <a:schemeClr val="accent1"/>
+          </a:lnRef>
+          <a:fillRef idx="0">
+            <a:schemeClr val="accent1"/>
+          </a:fillRef>
+          <a:effectRef idx="2">
+            <a:schemeClr val="accent1"/>
+          </a:effectRef>
+          <a:fontRef idx="minor">
+            <a:schemeClr val="tx1"/>
+          </a:fontRef>
+        </p:style>
+      </p:cxnSp>
+      <p:cxnSp>
+        <p:nvCxnSpPr>
+          <p:cNvPr id="16" name="구부러진 연결선[U] 15">
+            <a:extLst>
+              <a:ext uri="{FF2B5EF4-FFF2-40B4-BE49-F238E27FC236}">
+                <a16:creationId xmlns:a16="http://schemas.microsoft.com/office/drawing/2014/main" id="{2BEE6989-1425-7425-C8FC-2366A7706928}"/>
+              </a:ext>
+            </a:extLst>
+          </p:cNvPr>
+          <p:cNvCxnSpPr>
+            <a:cxnSpLocks/>
+            <a:stCxn id="2" idx="4"/>
+            <a:endCxn id="12" idx="1"/>
+          </p:cNvCxnSpPr>
+          <p:nvPr/>
+        </p:nvCxnSpPr>
+        <p:spPr>
+          <a:xfrm rot="16200000" flipH="1">
+            <a:off x="3515834" y="4182139"/>
+            <a:ext cx="611371" cy="689344"/>
+          </a:xfrm>
+          <a:prstGeom prst="curvedConnector2">
+            <a:avLst/>
+          </a:prstGeom>
+          <a:ln>
+            <a:headEnd type="triangle"/>
+            <a:tailEnd type="triangle"/>
+          </a:ln>
+        </p:spPr>
+        <p:style>
+          <a:lnRef idx="3">
+            <a:schemeClr val="accent1"/>
+          </a:lnRef>
+          <a:fillRef idx="0">
+            <a:schemeClr val="accent1"/>
+          </a:fillRef>
+          <a:effectRef idx="2">
+            <a:schemeClr val="accent1"/>
+          </a:effectRef>
+          <a:fontRef idx="minor">
+            <a:schemeClr val="tx1"/>
+          </a:fontRef>
+        </p:style>
+      </p:cxnSp>
+      <p:sp>
+        <p:nvSpPr>
+          <p:cNvPr id="20" name="직사각형 19">
+            <a:extLst>
+              <a:ext uri="{FF2B5EF4-FFF2-40B4-BE49-F238E27FC236}">
+                <a16:creationId xmlns:a16="http://schemas.microsoft.com/office/drawing/2014/main" id="{BFACB7CF-7B21-E0C3-750F-185526D8257E}"/>
+              </a:ext>
+            </a:extLst>
+          </p:cNvPr>
+          <p:cNvSpPr/>
+          <p:nvPr/>
+        </p:nvSpPr>
+        <p:spPr>
+          <a:xfrm>
+            <a:off x="5654745" y="5029200"/>
+            <a:ext cx="645045" cy="404037"/>
+          </a:xfrm>
+          <a:prstGeom prst="rect">
+            <a:avLst/>
+          </a:prstGeom>
+        </p:spPr>
+        <p:style>
+          <a:lnRef idx="2">
+            <a:schemeClr val="accent1"/>
+          </a:lnRef>
+          <a:fillRef idx="1">
+            <a:schemeClr val="lt1"/>
+          </a:fillRef>
+          <a:effectRef idx="0">
+            <a:schemeClr val="accent1"/>
+          </a:effectRef>
+          <a:fontRef idx="minor">
+            <a:schemeClr val="dk1"/>
+          </a:fontRef>
+        </p:style>
+        <p:txBody>
+          <a:bodyPr rtlCol="0" anchor="ctr"/>
+          <a:lstStyle/>
+          <a:p>
+            <a:pPr algn="ctr"/>
+            <a:r>
+              <a:rPr kumimoji="1" lang="en-US" altLang="ko-Kore-KR" sz="1400" dirty="0"/>
+              <a:t>call</a:t>
+            </a:r>
+            <a:endParaRPr kumimoji="1" lang="ko-Kore-KR" altLang="en-US" sz="1400" dirty="0"/>
+          </a:p>
+        </p:txBody>
+      </p:sp>
     </p:spTree>
     <p:extLst>
       <p:ext uri="{BB962C8B-B14F-4D97-AF65-F5344CB8AC3E}">
@@ -9792,6 +13514,1137 @@
           <a:chExt cx="0" cy="0"/>
         </a:xfrm>
       </p:grpSpPr>
+      <p:graphicFrame>
+        <p:nvGraphicFramePr>
+          <p:cNvPr id="2" name="표 2">
+            <a:extLst>
+              <a:ext uri="{FF2B5EF4-FFF2-40B4-BE49-F238E27FC236}">
+                <a16:creationId xmlns:a16="http://schemas.microsoft.com/office/drawing/2014/main" id="{C33E8EAB-21FF-5784-F89F-D43D5B21F5FA}"/>
+              </a:ext>
+            </a:extLst>
+          </p:cNvPr>
+          <p:cNvGraphicFramePr>
+            <a:graphicFrameLocks noGrp="1"/>
+          </p:cNvGraphicFramePr>
+          <p:nvPr>
+            <p:extLst>
+              <p:ext uri="{D42A27DB-BD31-4B8C-83A1-F6EECF244321}">
+                <p14:modId xmlns:p14="http://schemas.microsoft.com/office/powerpoint/2010/main" val="71257645"/>
+              </p:ext>
+            </p:extLst>
+          </p:nvPr>
+        </p:nvGraphicFramePr>
+        <p:xfrm>
+          <a:off x="798625" y="1208764"/>
+          <a:ext cx="1859515" cy="2615315"/>
+        </p:xfrm>
+        <a:graphic>
+          <a:graphicData uri="http://schemas.openxmlformats.org/drawingml/2006/table">
+            <a:tbl>
+              <a:tblPr firstRow="1" bandRow="1">
+                <a:tableStyleId>{5C22544A-7EE6-4342-B048-85BDC9FD1C3A}</a:tableStyleId>
+              </a:tblPr>
+              <a:tblGrid>
+                <a:gridCol w="1859515">
+                  <a:extLst>
+                    <a:ext uri="{9D8B030D-6E8A-4147-A177-3AD203B41FA5}">
+                      <a16:colId xmlns:a16="http://schemas.microsoft.com/office/drawing/2014/main" val="1965095789"/>
+                    </a:ext>
+                  </a:extLst>
+                </a:gridCol>
+              </a:tblGrid>
+              <a:tr h="386120">
+                <a:tc>
+                  <a:txBody>
+                    <a:bodyPr/>
+                    <a:lstStyle/>
+                    <a:p>
+                      <a:pPr algn="ctr"/>
+                      <a:r>
+                        <a:rPr lang="en-US" altLang="ko-Kore-KR" dirty="0"/>
+                        <a:t>board</a:t>
+                      </a:r>
+                      <a:endParaRPr lang="ko-Kore-KR" altLang="en-US" dirty="0"/>
+                    </a:p>
+                  </a:txBody>
+                  <a:tcPr/>
+                </a:tc>
+                <a:extLst>
+                  <a:ext uri="{0D108BD9-81ED-4DB2-BD59-A6C34878D82A}">
+                    <a16:rowId xmlns:a16="http://schemas.microsoft.com/office/drawing/2014/main" val="3559688625"/>
+                  </a:ext>
+                </a:extLst>
+              </a:tr>
+              <a:tr h="2229195">
+                <a:tc>
+                  <a:txBody>
+                    <a:bodyPr/>
+                    <a:lstStyle/>
+                    <a:p>
+                      <a:pPr marL="285750" indent="-285750" algn="l">
+                        <a:buFont typeface="Arial" panose="020B0604020202020204" pitchFamily="34" charset="0"/>
+                        <a:buChar char="•"/>
+                      </a:pPr>
+                      <a:r>
+                        <a:rPr lang="en-US" altLang="ko-Kore-KR" dirty="0"/>
+                        <a:t>no</a:t>
+                      </a:r>
+                    </a:p>
+                    <a:p>
+                      <a:pPr marL="285750" indent="-285750" algn="l">
+                        <a:buFont typeface="Arial" panose="020B0604020202020204" pitchFamily="34" charset="0"/>
+                        <a:buChar char="•"/>
+                      </a:pPr>
+                      <a:r>
+                        <a:rPr lang="en-US" altLang="ko-Kore-KR" dirty="0"/>
+                        <a:t>title</a:t>
+                      </a:r>
+                    </a:p>
+                    <a:p>
+                      <a:pPr marL="285750" indent="-285750" algn="l">
+                        <a:buFont typeface="Arial" panose="020B0604020202020204" pitchFamily="34" charset="0"/>
+                        <a:buChar char="•"/>
+                      </a:pPr>
+                      <a:r>
+                        <a:rPr lang="en-US" altLang="ko-Kore-KR" dirty="0"/>
+                        <a:t>content</a:t>
+                      </a:r>
+                    </a:p>
+                    <a:p>
+                      <a:pPr marL="285750" indent="-285750" algn="l">
+                        <a:buFont typeface="Arial" panose="020B0604020202020204" pitchFamily="34" charset="0"/>
+                        <a:buChar char="•"/>
+                      </a:pPr>
+                      <a:r>
+                        <a:rPr lang="en-US" altLang="ko-Kore-KR" dirty="0" err="1"/>
+                        <a:t>regdate</a:t>
+                      </a:r>
+                      <a:endParaRPr lang="en-US" altLang="ko-Kore-KR" dirty="0"/>
+                    </a:p>
+                  </a:txBody>
+                  <a:tcPr/>
+                </a:tc>
+                <a:extLst>
+                  <a:ext uri="{0D108BD9-81ED-4DB2-BD59-A6C34878D82A}">
+                    <a16:rowId xmlns:a16="http://schemas.microsoft.com/office/drawing/2014/main" val="3230167247"/>
+                  </a:ext>
+                </a:extLst>
+              </a:tr>
+            </a:tbl>
+          </a:graphicData>
+        </a:graphic>
+      </p:graphicFrame>
+      <p:graphicFrame>
+        <p:nvGraphicFramePr>
+          <p:cNvPr id="3" name="표 2">
+            <a:extLst>
+              <a:ext uri="{FF2B5EF4-FFF2-40B4-BE49-F238E27FC236}">
+                <a16:creationId xmlns:a16="http://schemas.microsoft.com/office/drawing/2014/main" id="{9A8E8728-3116-63CC-9C80-F1A3DED836CC}"/>
+              </a:ext>
+            </a:extLst>
+          </p:cNvPr>
+          <p:cNvGraphicFramePr>
+            <a:graphicFrameLocks noGrp="1"/>
+          </p:cNvGraphicFramePr>
+          <p:nvPr>
+            <p:extLst>
+              <p:ext uri="{D42A27DB-BD31-4B8C-83A1-F6EECF244321}">
+                <p14:modId xmlns:p14="http://schemas.microsoft.com/office/powerpoint/2010/main" val="3285444920"/>
+              </p:ext>
+            </p:extLst>
+          </p:nvPr>
+        </p:nvGraphicFramePr>
+        <p:xfrm>
+          <a:off x="4959499" y="1208764"/>
+          <a:ext cx="1859515" cy="2615315"/>
+        </p:xfrm>
+        <a:graphic>
+          <a:graphicData uri="http://schemas.openxmlformats.org/drawingml/2006/table">
+            <a:tbl>
+              <a:tblPr firstRow="1" bandRow="1">
+                <a:tableStyleId>{5C22544A-7EE6-4342-B048-85BDC9FD1C3A}</a:tableStyleId>
+              </a:tblPr>
+              <a:tblGrid>
+                <a:gridCol w="1859515">
+                  <a:extLst>
+                    <a:ext uri="{9D8B030D-6E8A-4147-A177-3AD203B41FA5}">
+                      <a16:colId xmlns:a16="http://schemas.microsoft.com/office/drawing/2014/main" val="1965095789"/>
+                    </a:ext>
+                  </a:extLst>
+                </a:gridCol>
+              </a:tblGrid>
+              <a:tr h="386120">
+                <a:tc>
+                  <a:txBody>
+                    <a:bodyPr/>
+                    <a:lstStyle/>
+                    <a:p>
+                      <a:pPr algn="ctr"/>
+                      <a:r>
+                        <a:rPr lang="en-US" altLang="ko-KR" dirty="0" err="1"/>
+                        <a:t>b</a:t>
+                      </a:r>
+                      <a:r>
+                        <a:rPr lang="en-US" altLang="ko-Kore-KR" dirty="0" err="1"/>
+                        <a:t>oard</a:t>
+                      </a:r>
+                      <a:r>
+                        <a:rPr lang="en-US" altLang="ko-KR" dirty="0" err="1"/>
+                        <a:t>_file</a:t>
+                      </a:r>
+                      <a:endParaRPr lang="ko-Kore-KR" altLang="en-US" dirty="0"/>
+                    </a:p>
+                  </a:txBody>
+                  <a:tcPr/>
+                </a:tc>
+                <a:extLst>
+                  <a:ext uri="{0D108BD9-81ED-4DB2-BD59-A6C34878D82A}">
+                    <a16:rowId xmlns:a16="http://schemas.microsoft.com/office/drawing/2014/main" val="3559688625"/>
+                  </a:ext>
+                </a:extLst>
+              </a:tr>
+              <a:tr h="2229195">
+                <a:tc>
+                  <a:txBody>
+                    <a:bodyPr/>
+                    <a:lstStyle/>
+                    <a:p>
+                      <a:pPr marL="285750" indent="-285750" algn="l">
+                        <a:buFont typeface="Arial" panose="020B0604020202020204" pitchFamily="34" charset="0"/>
+                        <a:buChar char="•"/>
+                      </a:pPr>
+                      <a:r>
+                        <a:rPr lang="en-US" altLang="ko-Kore-KR" dirty="0" err="1"/>
+                        <a:t>fno</a:t>
+                      </a:r>
+                      <a:endParaRPr lang="en-US" altLang="ko-Kore-KR" dirty="0"/>
+                    </a:p>
+                    <a:p>
+                      <a:pPr marL="285750" indent="-285750" algn="l">
+                        <a:buFont typeface="Arial" panose="020B0604020202020204" pitchFamily="34" charset="0"/>
+                        <a:buChar char="•"/>
+                      </a:pPr>
+                      <a:r>
+                        <a:rPr lang="en-US" altLang="ko-Kore-KR" dirty="0" err="1"/>
+                        <a:t>filepath</a:t>
+                      </a:r>
+                      <a:endParaRPr lang="en-US" altLang="ko-Kore-KR" dirty="0"/>
+                    </a:p>
+                    <a:p>
+                      <a:pPr marL="285750" indent="-285750" algn="l">
+                        <a:buFont typeface="Arial" panose="020B0604020202020204" pitchFamily="34" charset="0"/>
+                        <a:buChar char="•"/>
+                      </a:pPr>
+                      <a:r>
+                        <a:rPr lang="en-US" altLang="ko-Kore-KR" dirty="0" err="1"/>
+                        <a:t>bno</a:t>
+                      </a:r>
+                      <a:endParaRPr lang="en-US" altLang="ko-Kore-KR" dirty="0"/>
+                    </a:p>
+                  </a:txBody>
+                  <a:tcPr/>
+                </a:tc>
+                <a:extLst>
+                  <a:ext uri="{0D108BD9-81ED-4DB2-BD59-A6C34878D82A}">
+                    <a16:rowId xmlns:a16="http://schemas.microsoft.com/office/drawing/2014/main" val="3230167247"/>
+                  </a:ext>
+                </a:extLst>
+              </a:tr>
+            </a:tbl>
+          </a:graphicData>
+        </a:graphic>
+      </p:graphicFrame>
+      <p:cxnSp>
+        <p:nvCxnSpPr>
+          <p:cNvPr id="7" name="직선 화살표 연결선 6">
+            <a:extLst>
+              <a:ext uri="{FF2B5EF4-FFF2-40B4-BE49-F238E27FC236}">
+                <a16:creationId xmlns:a16="http://schemas.microsoft.com/office/drawing/2014/main" id="{98836ED0-1FE9-0BF9-C22E-896384905BDC}"/>
+              </a:ext>
+            </a:extLst>
+          </p:cNvPr>
+          <p:cNvCxnSpPr>
+            <a:cxnSpLocks/>
+          </p:cNvCxnSpPr>
+          <p:nvPr/>
+        </p:nvCxnSpPr>
+        <p:spPr>
+          <a:xfrm flipH="1" flipV="1">
+            <a:off x="1541721" y="1807535"/>
+            <a:ext cx="3417778" cy="574158"/>
+          </a:xfrm>
+          <a:prstGeom prst="straightConnector1">
+            <a:avLst/>
+          </a:prstGeom>
+          <a:ln>
+            <a:tailEnd type="triangle"/>
+          </a:ln>
+        </p:spPr>
+        <p:style>
+          <a:lnRef idx="3">
+            <a:schemeClr val="accent4"/>
+          </a:lnRef>
+          <a:fillRef idx="0">
+            <a:schemeClr val="accent4"/>
+          </a:fillRef>
+          <a:effectRef idx="2">
+            <a:schemeClr val="accent4"/>
+          </a:effectRef>
+          <a:fontRef idx="minor">
+            <a:schemeClr val="tx1"/>
+          </a:fontRef>
+        </p:style>
+      </p:cxnSp>
+      <p:sp>
+        <p:nvSpPr>
+          <p:cNvPr id="10" name="직사각형 9">
+            <a:extLst>
+              <a:ext uri="{FF2B5EF4-FFF2-40B4-BE49-F238E27FC236}">
+                <a16:creationId xmlns:a16="http://schemas.microsoft.com/office/drawing/2014/main" id="{383615E4-2C0A-50E2-5F2A-7EEF30855567}"/>
+              </a:ext>
+            </a:extLst>
+          </p:cNvPr>
+          <p:cNvSpPr/>
+          <p:nvPr/>
+        </p:nvSpPr>
+        <p:spPr>
+          <a:xfrm>
+            <a:off x="798625" y="3953185"/>
+            <a:ext cx="1859515" cy="404037"/>
+          </a:xfrm>
+          <a:prstGeom prst="rect">
+            <a:avLst/>
+          </a:prstGeom>
+        </p:spPr>
+        <p:style>
+          <a:lnRef idx="2">
+            <a:schemeClr val="accent1"/>
+          </a:lnRef>
+          <a:fillRef idx="1">
+            <a:schemeClr val="lt1"/>
+          </a:fillRef>
+          <a:effectRef idx="0">
+            <a:schemeClr val="accent1"/>
+          </a:effectRef>
+          <a:fontRef idx="minor">
+            <a:schemeClr val="dk1"/>
+          </a:fontRef>
+        </p:style>
+        <p:txBody>
+          <a:bodyPr rtlCol="0" anchor="ctr"/>
+          <a:lstStyle/>
+          <a:p>
+            <a:pPr algn="ctr"/>
+            <a:r>
+              <a:rPr kumimoji="1" lang="ko-KR" altLang="en-US" sz="1400" dirty="0"/>
+              <a:t>부모 테이블</a:t>
+            </a:r>
+            <a:endParaRPr kumimoji="1" lang="ko-Kore-KR" altLang="en-US" sz="1400" dirty="0"/>
+          </a:p>
+        </p:txBody>
+      </p:sp>
+      <p:sp>
+        <p:nvSpPr>
+          <p:cNvPr id="11" name="직사각형 10">
+            <a:extLst>
+              <a:ext uri="{FF2B5EF4-FFF2-40B4-BE49-F238E27FC236}">
+                <a16:creationId xmlns:a16="http://schemas.microsoft.com/office/drawing/2014/main" id="{BD092920-5F9B-AC06-7E71-9C397AD20F96}"/>
+              </a:ext>
+            </a:extLst>
+          </p:cNvPr>
+          <p:cNvSpPr/>
+          <p:nvPr/>
+        </p:nvSpPr>
+        <p:spPr>
+          <a:xfrm>
+            <a:off x="4959498" y="3949850"/>
+            <a:ext cx="1859515" cy="404037"/>
+          </a:xfrm>
+          <a:prstGeom prst="rect">
+            <a:avLst/>
+          </a:prstGeom>
+        </p:spPr>
+        <p:style>
+          <a:lnRef idx="2">
+            <a:schemeClr val="accent1"/>
+          </a:lnRef>
+          <a:fillRef idx="1">
+            <a:schemeClr val="lt1"/>
+          </a:fillRef>
+          <a:effectRef idx="0">
+            <a:schemeClr val="accent1"/>
+          </a:effectRef>
+          <a:fontRef idx="minor">
+            <a:schemeClr val="dk1"/>
+          </a:fontRef>
+        </p:style>
+        <p:txBody>
+          <a:bodyPr rtlCol="0" anchor="ctr"/>
+          <a:lstStyle/>
+          <a:p>
+            <a:pPr algn="ctr"/>
+            <a:r>
+              <a:rPr kumimoji="1" lang="ko-KR" altLang="en-US" sz="1400" dirty="0"/>
+              <a:t>자식 테이블</a:t>
+            </a:r>
+            <a:endParaRPr kumimoji="1" lang="ko-Kore-KR" altLang="en-US" sz="1400" dirty="0"/>
+          </a:p>
+        </p:txBody>
+      </p:sp>
+      <p:sp>
+        <p:nvSpPr>
+          <p:cNvPr id="12" name="직사각형 11">
+            <a:extLst>
+              <a:ext uri="{FF2B5EF4-FFF2-40B4-BE49-F238E27FC236}">
+                <a16:creationId xmlns:a16="http://schemas.microsoft.com/office/drawing/2014/main" id="{9C2B0651-D437-09AE-18CA-A31803311930}"/>
+              </a:ext>
+            </a:extLst>
+          </p:cNvPr>
+          <p:cNvSpPr/>
+          <p:nvPr/>
+        </p:nvSpPr>
+        <p:spPr>
+          <a:xfrm>
+            <a:off x="417027" y="1632096"/>
+            <a:ext cx="431211" cy="287079"/>
+          </a:xfrm>
+          <a:prstGeom prst="rect">
+            <a:avLst/>
+          </a:prstGeom>
+        </p:spPr>
+        <p:style>
+          <a:lnRef idx="3">
+            <a:schemeClr val="lt1"/>
+          </a:lnRef>
+          <a:fillRef idx="1">
+            <a:schemeClr val="accent4"/>
+          </a:fillRef>
+          <a:effectRef idx="1">
+            <a:schemeClr val="accent4"/>
+          </a:effectRef>
+          <a:fontRef idx="minor">
+            <a:schemeClr val="lt1"/>
+          </a:fontRef>
+        </p:style>
+        <p:txBody>
+          <a:bodyPr rtlCol="0" anchor="ctr"/>
+          <a:lstStyle/>
+          <a:p>
+            <a:pPr algn="ctr"/>
+            <a:r>
+              <a:rPr kumimoji="1" lang="en-US" altLang="ko-Kore-KR" sz="1400" b="1" dirty="0"/>
+              <a:t>PK</a:t>
+            </a:r>
+            <a:endParaRPr kumimoji="1" lang="ko-Kore-KR" altLang="en-US" sz="1400" b="1" dirty="0"/>
+          </a:p>
+        </p:txBody>
+      </p:sp>
+      <p:sp>
+        <p:nvSpPr>
+          <p:cNvPr id="13" name="직사각형 12">
+            <a:extLst>
+              <a:ext uri="{FF2B5EF4-FFF2-40B4-BE49-F238E27FC236}">
+                <a16:creationId xmlns:a16="http://schemas.microsoft.com/office/drawing/2014/main" id="{E63BDBF8-3C06-5210-CBA4-078F11C1169C}"/>
+              </a:ext>
+            </a:extLst>
+          </p:cNvPr>
+          <p:cNvSpPr/>
+          <p:nvPr/>
+        </p:nvSpPr>
+        <p:spPr>
+          <a:xfrm>
+            <a:off x="4600354" y="1601110"/>
+            <a:ext cx="431211" cy="287079"/>
+          </a:xfrm>
+          <a:prstGeom prst="rect">
+            <a:avLst/>
+          </a:prstGeom>
+        </p:spPr>
+        <p:style>
+          <a:lnRef idx="3">
+            <a:schemeClr val="lt1"/>
+          </a:lnRef>
+          <a:fillRef idx="1">
+            <a:schemeClr val="accent4"/>
+          </a:fillRef>
+          <a:effectRef idx="1">
+            <a:schemeClr val="accent4"/>
+          </a:effectRef>
+          <a:fontRef idx="minor">
+            <a:schemeClr val="lt1"/>
+          </a:fontRef>
+        </p:style>
+        <p:txBody>
+          <a:bodyPr rtlCol="0" anchor="ctr"/>
+          <a:lstStyle/>
+          <a:p>
+            <a:pPr algn="ctr"/>
+            <a:r>
+              <a:rPr kumimoji="1" lang="en-US" altLang="ko-Kore-KR" sz="1400" b="1" dirty="0"/>
+              <a:t>PK</a:t>
+            </a:r>
+            <a:endParaRPr kumimoji="1" lang="ko-Kore-KR" altLang="en-US" sz="1400" b="1" dirty="0"/>
+          </a:p>
+        </p:txBody>
+      </p:sp>
+      <p:sp>
+        <p:nvSpPr>
+          <p:cNvPr id="14" name="직사각형 13">
+            <a:extLst>
+              <a:ext uri="{FF2B5EF4-FFF2-40B4-BE49-F238E27FC236}">
+                <a16:creationId xmlns:a16="http://schemas.microsoft.com/office/drawing/2014/main" id="{9DE05A4F-70F3-1C6E-E3C7-22BAFC2A294A}"/>
+              </a:ext>
+            </a:extLst>
+          </p:cNvPr>
+          <p:cNvSpPr/>
+          <p:nvPr/>
+        </p:nvSpPr>
+        <p:spPr>
+          <a:xfrm>
+            <a:off x="4600354" y="2229342"/>
+            <a:ext cx="431211" cy="287079"/>
+          </a:xfrm>
+          <a:prstGeom prst="rect">
+            <a:avLst/>
+          </a:prstGeom>
+        </p:spPr>
+        <p:style>
+          <a:lnRef idx="3">
+            <a:schemeClr val="lt1"/>
+          </a:lnRef>
+          <a:fillRef idx="1">
+            <a:schemeClr val="accent4"/>
+          </a:fillRef>
+          <a:effectRef idx="1">
+            <a:schemeClr val="accent4"/>
+          </a:effectRef>
+          <a:fontRef idx="minor">
+            <a:schemeClr val="lt1"/>
+          </a:fontRef>
+        </p:style>
+        <p:txBody>
+          <a:bodyPr rtlCol="0" anchor="ctr"/>
+          <a:lstStyle/>
+          <a:p>
+            <a:pPr algn="ctr"/>
+            <a:r>
+              <a:rPr kumimoji="1" lang="en-US" altLang="ko-Kore-KR" sz="1400" b="1" dirty="0"/>
+              <a:t>FK</a:t>
+            </a:r>
+            <a:endParaRPr kumimoji="1" lang="ko-Kore-KR" altLang="en-US" sz="1400" b="1" dirty="0"/>
+          </a:p>
+        </p:txBody>
+      </p:sp>
+      <p:cxnSp>
+        <p:nvCxnSpPr>
+          <p:cNvPr id="16" name="직선 연결선[R] 15">
+            <a:extLst>
+              <a:ext uri="{FF2B5EF4-FFF2-40B4-BE49-F238E27FC236}">
+                <a16:creationId xmlns:a16="http://schemas.microsoft.com/office/drawing/2014/main" id="{742F982C-7C2A-E8B8-ADAF-3AB7827F1222}"/>
+              </a:ext>
+            </a:extLst>
+          </p:cNvPr>
+          <p:cNvCxnSpPr/>
+          <p:nvPr/>
+        </p:nvCxnSpPr>
+        <p:spPr>
+          <a:xfrm>
+            <a:off x="2658140" y="1382233"/>
+            <a:ext cx="2301358" cy="0"/>
+          </a:xfrm>
+          <a:prstGeom prst="line">
+            <a:avLst/>
+          </a:prstGeom>
+        </p:spPr>
+        <p:style>
+          <a:lnRef idx="3">
+            <a:schemeClr val="accent5"/>
+          </a:lnRef>
+          <a:fillRef idx="0">
+            <a:schemeClr val="accent5"/>
+          </a:fillRef>
+          <a:effectRef idx="2">
+            <a:schemeClr val="accent5"/>
+          </a:effectRef>
+          <a:fontRef idx="minor">
+            <a:schemeClr val="tx1"/>
+          </a:fontRef>
+        </p:style>
+      </p:cxnSp>
+      <p:cxnSp>
+        <p:nvCxnSpPr>
+          <p:cNvPr id="17" name="직선 연결선[R] 16">
+            <a:extLst>
+              <a:ext uri="{FF2B5EF4-FFF2-40B4-BE49-F238E27FC236}">
+                <a16:creationId xmlns:a16="http://schemas.microsoft.com/office/drawing/2014/main" id="{7EE15F5A-927F-C1DC-B7E1-659557EE3204}"/>
+              </a:ext>
+            </a:extLst>
+          </p:cNvPr>
+          <p:cNvCxnSpPr>
+            <a:cxnSpLocks/>
+          </p:cNvCxnSpPr>
+          <p:nvPr/>
+        </p:nvCxnSpPr>
+        <p:spPr>
+          <a:xfrm>
+            <a:off x="2746745" y="1261732"/>
+            <a:ext cx="0" cy="241002"/>
+          </a:xfrm>
+          <a:prstGeom prst="line">
+            <a:avLst/>
+          </a:prstGeom>
+        </p:spPr>
+        <p:style>
+          <a:lnRef idx="3">
+            <a:schemeClr val="accent5"/>
+          </a:lnRef>
+          <a:fillRef idx="0">
+            <a:schemeClr val="accent5"/>
+          </a:fillRef>
+          <a:effectRef idx="2">
+            <a:schemeClr val="accent5"/>
+          </a:effectRef>
+          <a:fontRef idx="minor">
+            <a:schemeClr val="tx1"/>
+          </a:fontRef>
+        </p:style>
+      </p:cxnSp>
+      <p:cxnSp>
+        <p:nvCxnSpPr>
+          <p:cNvPr id="19" name="직선 연결선[R] 18">
+            <a:extLst>
+              <a:ext uri="{FF2B5EF4-FFF2-40B4-BE49-F238E27FC236}">
+                <a16:creationId xmlns:a16="http://schemas.microsoft.com/office/drawing/2014/main" id="{CB56CD53-A47B-0DA0-52A8-7A8FAFF7A5B9}"/>
+              </a:ext>
+            </a:extLst>
+          </p:cNvPr>
+          <p:cNvCxnSpPr>
+            <a:cxnSpLocks/>
+          </p:cNvCxnSpPr>
+          <p:nvPr/>
+        </p:nvCxnSpPr>
+        <p:spPr>
+          <a:xfrm flipH="1">
+            <a:off x="4815959" y="1208764"/>
+            <a:ext cx="143539" cy="173469"/>
+          </a:xfrm>
+          <a:prstGeom prst="line">
+            <a:avLst/>
+          </a:prstGeom>
+        </p:spPr>
+        <p:style>
+          <a:lnRef idx="3">
+            <a:schemeClr val="accent5"/>
+          </a:lnRef>
+          <a:fillRef idx="0">
+            <a:schemeClr val="accent5"/>
+          </a:fillRef>
+          <a:effectRef idx="2">
+            <a:schemeClr val="accent5"/>
+          </a:effectRef>
+          <a:fontRef idx="minor">
+            <a:schemeClr val="tx1"/>
+          </a:fontRef>
+        </p:style>
+      </p:cxnSp>
+      <p:cxnSp>
+        <p:nvCxnSpPr>
+          <p:cNvPr id="21" name="직선 연결선[R] 20">
+            <a:extLst>
+              <a:ext uri="{FF2B5EF4-FFF2-40B4-BE49-F238E27FC236}">
+                <a16:creationId xmlns:a16="http://schemas.microsoft.com/office/drawing/2014/main" id="{FAD5F42D-CD17-268F-F009-658A019914B3}"/>
+              </a:ext>
+            </a:extLst>
+          </p:cNvPr>
+          <p:cNvCxnSpPr>
+            <a:cxnSpLocks/>
+          </p:cNvCxnSpPr>
+          <p:nvPr/>
+        </p:nvCxnSpPr>
+        <p:spPr>
+          <a:xfrm>
+            <a:off x="4815959" y="1380408"/>
+            <a:ext cx="152400" cy="154225"/>
+          </a:xfrm>
+          <a:prstGeom prst="line">
+            <a:avLst/>
+          </a:prstGeom>
+        </p:spPr>
+        <p:style>
+          <a:lnRef idx="3">
+            <a:schemeClr val="accent5"/>
+          </a:lnRef>
+          <a:fillRef idx="0">
+            <a:schemeClr val="accent5"/>
+          </a:fillRef>
+          <a:effectRef idx="2">
+            <a:schemeClr val="accent5"/>
+          </a:effectRef>
+          <a:fontRef idx="minor">
+            <a:schemeClr val="tx1"/>
+          </a:fontRef>
+        </p:style>
+      </p:cxnSp>
+      <p:sp>
+        <p:nvSpPr>
+          <p:cNvPr id="25" name="직사각형 24">
+            <a:extLst>
+              <a:ext uri="{FF2B5EF4-FFF2-40B4-BE49-F238E27FC236}">
+                <a16:creationId xmlns:a16="http://schemas.microsoft.com/office/drawing/2014/main" id="{DDAAE523-C18E-D5F7-F772-2B720458EC1E}"/>
+              </a:ext>
+            </a:extLst>
+          </p:cNvPr>
+          <p:cNvSpPr/>
+          <p:nvPr/>
+        </p:nvSpPr>
+        <p:spPr>
+          <a:xfrm>
+            <a:off x="2879061" y="672351"/>
+            <a:ext cx="1859515" cy="404037"/>
+          </a:xfrm>
+          <a:prstGeom prst="rect">
+            <a:avLst/>
+          </a:prstGeom>
+        </p:spPr>
+        <p:style>
+          <a:lnRef idx="2">
+            <a:schemeClr val="accent5"/>
+          </a:lnRef>
+          <a:fillRef idx="1">
+            <a:schemeClr val="lt1"/>
+          </a:fillRef>
+          <a:effectRef idx="0">
+            <a:schemeClr val="accent5"/>
+          </a:effectRef>
+          <a:fontRef idx="minor">
+            <a:schemeClr val="dk1"/>
+          </a:fontRef>
+        </p:style>
+        <p:txBody>
+          <a:bodyPr rtlCol="0" anchor="ctr"/>
+          <a:lstStyle/>
+          <a:p>
+            <a:pPr algn="ctr"/>
+            <a:r>
+              <a:rPr kumimoji="1" lang="en-US" altLang="ko-KR" dirty="0"/>
+              <a:t>1:M</a:t>
+            </a:r>
+            <a:endParaRPr kumimoji="1" lang="ko-Kore-KR" altLang="en-US" dirty="0"/>
+          </a:p>
+        </p:txBody>
+      </p:sp>
+      <p:sp>
+        <p:nvSpPr>
+          <p:cNvPr id="26" name="타원 25">
+            <a:extLst>
+              <a:ext uri="{FF2B5EF4-FFF2-40B4-BE49-F238E27FC236}">
+                <a16:creationId xmlns:a16="http://schemas.microsoft.com/office/drawing/2014/main" id="{38631A3C-C53D-B478-5C14-C44191E8CF01}"/>
+              </a:ext>
+            </a:extLst>
+          </p:cNvPr>
+          <p:cNvSpPr/>
+          <p:nvPr/>
+        </p:nvSpPr>
+        <p:spPr>
+          <a:xfrm>
+            <a:off x="4664445" y="1287053"/>
+            <a:ext cx="159488" cy="159488"/>
+          </a:xfrm>
+          <a:prstGeom prst="ellipse">
+            <a:avLst/>
+          </a:prstGeom>
+          <a:ln w="22225"/>
+        </p:spPr>
+        <p:style>
+          <a:lnRef idx="2">
+            <a:schemeClr val="accent5"/>
+          </a:lnRef>
+          <a:fillRef idx="1">
+            <a:schemeClr val="lt1"/>
+          </a:fillRef>
+          <a:effectRef idx="0">
+            <a:schemeClr val="accent5"/>
+          </a:effectRef>
+          <a:fontRef idx="minor">
+            <a:schemeClr val="dk1"/>
+          </a:fontRef>
+        </p:style>
+        <p:txBody>
+          <a:bodyPr rtlCol="0" anchor="ctr"/>
+          <a:lstStyle/>
+          <a:p>
+            <a:pPr algn="ctr"/>
+            <a:endParaRPr kumimoji="1" lang="ko-Kore-KR" altLang="en-US"/>
+          </a:p>
+        </p:txBody>
+      </p:sp>
+      <p:graphicFrame>
+        <p:nvGraphicFramePr>
+          <p:cNvPr id="27" name="표 2">
+            <a:extLst>
+              <a:ext uri="{FF2B5EF4-FFF2-40B4-BE49-F238E27FC236}">
+                <a16:creationId xmlns:a16="http://schemas.microsoft.com/office/drawing/2014/main" id="{58292299-4A9D-E1C9-C629-1D9D4E03EB98}"/>
+              </a:ext>
+            </a:extLst>
+          </p:cNvPr>
+          <p:cNvGraphicFramePr>
+            <a:graphicFrameLocks noGrp="1"/>
+          </p:cNvGraphicFramePr>
+          <p:nvPr>
+            <p:extLst>
+              <p:ext uri="{D42A27DB-BD31-4B8C-83A1-F6EECF244321}">
+                <p14:modId xmlns:p14="http://schemas.microsoft.com/office/powerpoint/2010/main" val="2581991629"/>
+              </p:ext>
+            </p:extLst>
+          </p:nvPr>
+        </p:nvGraphicFramePr>
+        <p:xfrm>
+          <a:off x="5166242" y="4774925"/>
+          <a:ext cx="1859515" cy="1110990"/>
+        </p:xfrm>
+        <a:graphic>
+          <a:graphicData uri="http://schemas.openxmlformats.org/drawingml/2006/table">
+            <a:tbl>
+              <a:tblPr firstRow="1" bandRow="1">
+                <a:tableStyleId>{5C22544A-7EE6-4342-B048-85BDC9FD1C3A}</a:tableStyleId>
+              </a:tblPr>
+              <a:tblGrid>
+                <a:gridCol w="1859515">
+                  <a:extLst>
+                    <a:ext uri="{9D8B030D-6E8A-4147-A177-3AD203B41FA5}">
+                      <a16:colId xmlns:a16="http://schemas.microsoft.com/office/drawing/2014/main" val="1965095789"/>
+                    </a:ext>
+                  </a:extLst>
+                </a:gridCol>
+              </a:tblGrid>
+              <a:tr h="129082">
+                <a:tc>
+                  <a:txBody>
+                    <a:bodyPr/>
+                    <a:lstStyle/>
+                    <a:p>
+                      <a:pPr algn="ctr"/>
+                      <a:r>
+                        <a:rPr lang="ko-KR" altLang="en-US" dirty="0"/>
+                        <a:t>테이블명</a:t>
+                      </a:r>
+                      <a:endParaRPr lang="ko-Kore-KR" altLang="en-US" dirty="0"/>
+                    </a:p>
+                  </a:txBody>
+                  <a:tcPr/>
+                </a:tc>
+                <a:extLst>
+                  <a:ext uri="{0D108BD9-81ED-4DB2-BD59-A6C34878D82A}">
+                    <a16:rowId xmlns:a16="http://schemas.microsoft.com/office/drawing/2014/main" val="3559688625"/>
+                  </a:ext>
+                </a:extLst>
+              </a:tr>
+              <a:tr h="745230">
+                <a:tc>
+                  <a:txBody>
+                    <a:bodyPr/>
+                    <a:lstStyle/>
+                    <a:p>
+                      <a:pPr marL="285750" indent="-285750" algn="l">
+                        <a:buFont typeface="Arial" panose="020B0604020202020204" pitchFamily="34" charset="0"/>
+                        <a:buChar char="•"/>
+                      </a:pPr>
+                      <a:endParaRPr lang="en-US" altLang="ko-Kore-KR" dirty="0"/>
+                    </a:p>
+                  </a:txBody>
+                  <a:tcPr/>
+                </a:tc>
+                <a:extLst>
+                  <a:ext uri="{0D108BD9-81ED-4DB2-BD59-A6C34878D82A}">
+                    <a16:rowId xmlns:a16="http://schemas.microsoft.com/office/drawing/2014/main" val="3230167247"/>
+                  </a:ext>
+                </a:extLst>
+              </a:tr>
+            </a:tbl>
+          </a:graphicData>
+        </a:graphic>
+      </p:graphicFrame>
+      <p:graphicFrame>
+        <p:nvGraphicFramePr>
+          <p:cNvPr id="28" name="표 27">
+            <a:extLst>
+              <a:ext uri="{FF2B5EF4-FFF2-40B4-BE49-F238E27FC236}">
+                <a16:creationId xmlns:a16="http://schemas.microsoft.com/office/drawing/2014/main" id="{AD263141-4F9A-0454-373E-2AFF05E4FDF4}"/>
+              </a:ext>
+            </a:extLst>
+          </p:cNvPr>
+          <p:cNvGraphicFramePr>
+            <a:graphicFrameLocks noGrp="1"/>
+          </p:cNvGraphicFramePr>
+          <p:nvPr>
+            <p:extLst>
+              <p:ext uri="{D42A27DB-BD31-4B8C-83A1-F6EECF244321}">
+                <p14:modId xmlns:p14="http://schemas.microsoft.com/office/powerpoint/2010/main" val="2641642939"/>
+              </p:ext>
+            </p:extLst>
+          </p:nvPr>
+        </p:nvGraphicFramePr>
+        <p:xfrm>
+          <a:off x="9327116" y="4774926"/>
+          <a:ext cx="1859515" cy="1137461"/>
+        </p:xfrm>
+        <a:graphic>
+          <a:graphicData uri="http://schemas.openxmlformats.org/drawingml/2006/table">
+            <a:tbl>
+              <a:tblPr firstRow="1" bandRow="1">
+                <a:tableStyleId>{5C22544A-7EE6-4342-B048-85BDC9FD1C3A}</a:tableStyleId>
+              </a:tblPr>
+              <a:tblGrid>
+                <a:gridCol w="1859515">
+                  <a:extLst>
+                    <a:ext uri="{9D8B030D-6E8A-4147-A177-3AD203B41FA5}">
+                      <a16:colId xmlns:a16="http://schemas.microsoft.com/office/drawing/2014/main" val="1965095789"/>
+                    </a:ext>
+                  </a:extLst>
+                </a:gridCol>
+              </a:tblGrid>
+              <a:tr h="339289">
+                <a:tc>
+                  <a:txBody>
+                    <a:bodyPr/>
+                    <a:lstStyle/>
+                    <a:p>
+                      <a:pPr algn="ctr"/>
+                      <a:r>
+                        <a:rPr lang="ko-KR" altLang="en-US" dirty="0"/>
+                        <a:t>테이블명</a:t>
+                      </a:r>
+                      <a:endParaRPr lang="ko-Kore-KR" altLang="en-US" dirty="0"/>
+                    </a:p>
+                  </a:txBody>
+                  <a:tcPr/>
+                </a:tc>
+                <a:extLst>
+                  <a:ext uri="{0D108BD9-81ED-4DB2-BD59-A6C34878D82A}">
+                    <a16:rowId xmlns:a16="http://schemas.microsoft.com/office/drawing/2014/main" val="3559688625"/>
+                  </a:ext>
+                </a:extLst>
+              </a:tr>
+              <a:tr h="771701">
+                <a:tc>
+                  <a:txBody>
+                    <a:bodyPr/>
+                    <a:lstStyle/>
+                    <a:p>
+                      <a:pPr marL="285750" indent="-285750" algn="l">
+                        <a:buFont typeface="Arial" panose="020B0604020202020204" pitchFamily="34" charset="0"/>
+                        <a:buChar char="•"/>
+                      </a:pPr>
+                      <a:endParaRPr lang="en-US" altLang="ko-Kore-KR" dirty="0"/>
+                    </a:p>
+                  </a:txBody>
+                  <a:tcPr/>
+                </a:tc>
+                <a:extLst>
+                  <a:ext uri="{0D108BD9-81ED-4DB2-BD59-A6C34878D82A}">
+                    <a16:rowId xmlns:a16="http://schemas.microsoft.com/office/drawing/2014/main" val="3230167247"/>
+                  </a:ext>
+                </a:extLst>
+              </a:tr>
+            </a:tbl>
+          </a:graphicData>
+        </a:graphic>
+      </p:graphicFrame>
+      <p:cxnSp>
+        <p:nvCxnSpPr>
+          <p:cNvPr id="29" name="직선 연결선[R] 28">
+            <a:extLst>
+              <a:ext uri="{FF2B5EF4-FFF2-40B4-BE49-F238E27FC236}">
+                <a16:creationId xmlns:a16="http://schemas.microsoft.com/office/drawing/2014/main" id="{C40BACC6-DA1A-0526-9044-5D86A46B41B7}"/>
+              </a:ext>
+            </a:extLst>
+          </p:cNvPr>
+          <p:cNvCxnSpPr/>
+          <p:nvPr/>
+        </p:nvCxnSpPr>
+        <p:spPr>
+          <a:xfrm>
+            <a:off x="7025757" y="4948393"/>
+            <a:ext cx="2301358" cy="0"/>
+          </a:xfrm>
+          <a:prstGeom prst="line">
+            <a:avLst/>
+          </a:prstGeom>
+        </p:spPr>
+        <p:style>
+          <a:lnRef idx="3">
+            <a:schemeClr val="accent5"/>
+          </a:lnRef>
+          <a:fillRef idx="0">
+            <a:schemeClr val="accent5"/>
+          </a:fillRef>
+          <a:effectRef idx="2">
+            <a:schemeClr val="accent5"/>
+          </a:effectRef>
+          <a:fontRef idx="minor">
+            <a:schemeClr val="tx1"/>
+          </a:fontRef>
+        </p:style>
+      </p:cxnSp>
+      <p:cxnSp>
+        <p:nvCxnSpPr>
+          <p:cNvPr id="30" name="직선 연결선[R] 29">
+            <a:extLst>
+              <a:ext uri="{FF2B5EF4-FFF2-40B4-BE49-F238E27FC236}">
+                <a16:creationId xmlns:a16="http://schemas.microsoft.com/office/drawing/2014/main" id="{A2F2ACEB-BB82-D007-2A19-9B4EB149B3DE}"/>
+              </a:ext>
+            </a:extLst>
+          </p:cNvPr>
+          <p:cNvCxnSpPr>
+            <a:cxnSpLocks/>
+          </p:cNvCxnSpPr>
+          <p:nvPr/>
+        </p:nvCxnSpPr>
+        <p:spPr>
+          <a:xfrm>
+            <a:off x="7114362" y="4827892"/>
+            <a:ext cx="0" cy="241002"/>
+          </a:xfrm>
+          <a:prstGeom prst="line">
+            <a:avLst/>
+          </a:prstGeom>
+        </p:spPr>
+        <p:style>
+          <a:lnRef idx="3">
+            <a:schemeClr val="accent5"/>
+          </a:lnRef>
+          <a:fillRef idx="0">
+            <a:schemeClr val="accent5"/>
+          </a:fillRef>
+          <a:effectRef idx="2">
+            <a:schemeClr val="accent5"/>
+          </a:effectRef>
+          <a:fontRef idx="minor">
+            <a:schemeClr val="tx1"/>
+          </a:fontRef>
+        </p:style>
+      </p:cxnSp>
+      <p:cxnSp>
+        <p:nvCxnSpPr>
+          <p:cNvPr id="31" name="직선 연결선[R] 30">
+            <a:extLst>
+              <a:ext uri="{FF2B5EF4-FFF2-40B4-BE49-F238E27FC236}">
+                <a16:creationId xmlns:a16="http://schemas.microsoft.com/office/drawing/2014/main" id="{80032229-C2AA-28BE-BA77-1834DA7D2C6D}"/>
+              </a:ext>
+            </a:extLst>
+          </p:cNvPr>
+          <p:cNvCxnSpPr>
+            <a:cxnSpLocks/>
+          </p:cNvCxnSpPr>
+          <p:nvPr/>
+        </p:nvCxnSpPr>
+        <p:spPr>
+          <a:xfrm flipH="1">
+            <a:off x="9183576" y="4774924"/>
+            <a:ext cx="143539" cy="173469"/>
+          </a:xfrm>
+          <a:prstGeom prst="line">
+            <a:avLst/>
+          </a:prstGeom>
+        </p:spPr>
+        <p:style>
+          <a:lnRef idx="3">
+            <a:schemeClr val="accent5"/>
+          </a:lnRef>
+          <a:fillRef idx="0">
+            <a:schemeClr val="accent5"/>
+          </a:fillRef>
+          <a:effectRef idx="2">
+            <a:schemeClr val="accent5"/>
+          </a:effectRef>
+          <a:fontRef idx="minor">
+            <a:schemeClr val="tx1"/>
+          </a:fontRef>
+        </p:style>
+      </p:cxnSp>
+      <p:cxnSp>
+        <p:nvCxnSpPr>
+          <p:cNvPr id="32" name="직선 연결선[R] 31">
+            <a:extLst>
+              <a:ext uri="{FF2B5EF4-FFF2-40B4-BE49-F238E27FC236}">
+                <a16:creationId xmlns:a16="http://schemas.microsoft.com/office/drawing/2014/main" id="{62A85D41-C19F-0472-90E2-A22E6BF8F390}"/>
+              </a:ext>
+            </a:extLst>
+          </p:cNvPr>
+          <p:cNvCxnSpPr>
+            <a:cxnSpLocks/>
+          </p:cNvCxnSpPr>
+          <p:nvPr/>
+        </p:nvCxnSpPr>
+        <p:spPr>
+          <a:xfrm>
+            <a:off x="9183576" y="4946568"/>
+            <a:ext cx="152400" cy="154225"/>
+          </a:xfrm>
+          <a:prstGeom prst="line">
+            <a:avLst/>
+          </a:prstGeom>
+        </p:spPr>
+        <p:style>
+          <a:lnRef idx="3">
+            <a:schemeClr val="accent5"/>
+          </a:lnRef>
+          <a:fillRef idx="0">
+            <a:schemeClr val="accent5"/>
+          </a:fillRef>
+          <a:effectRef idx="2">
+            <a:schemeClr val="accent5"/>
+          </a:effectRef>
+          <a:fontRef idx="minor">
+            <a:schemeClr val="tx1"/>
+          </a:fontRef>
+        </p:style>
+      </p:cxnSp>
+      <p:sp>
+        <p:nvSpPr>
+          <p:cNvPr id="33" name="타원 32">
+            <a:extLst>
+              <a:ext uri="{FF2B5EF4-FFF2-40B4-BE49-F238E27FC236}">
+                <a16:creationId xmlns:a16="http://schemas.microsoft.com/office/drawing/2014/main" id="{8848787D-B7D3-A072-1AD1-DF347CBEDD94}"/>
+              </a:ext>
+            </a:extLst>
+          </p:cNvPr>
+          <p:cNvSpPr/>
+          <p:nvPr/>
+        </p:nvSpPr>
+        <p:spPr>
+          <a:xfrm>
+            <a:off x="9032062" y="4853213"/>
+            <a:ext cx="159488" cy="159488"/>
+          </a:xfrm>
+          <a:prstGeom prst="ellipse">
+            <a:avLst/>
+          </a:prstGeom>
+          <a:ln w="22225"/>
+        </p:spPr>
+        <p:style>
+          <a:lnRef idx="2">
+            <a:schemeClr val="accent5"/>
+          </a:lnRef>
+          <a:fillRef idx="1">
+            <a:schemeClr val="lt1"/>
+          </a:fillRef>
+          <a:effectRef idx="0">
+            <a:schemeClr val="accent5"/>
+          </a:effectRef>
+          <a:fontRef idx="minor">
+            <a:schemeClr val="dk1"/>
+          </a:fontRef>
+        </p:style>
+        <p:txBody>
+          <a:bodyPr rtlCol="0" anchor="ctr"/>
+          <a:lstStyle/>
+          <a:p>
+            <a:pPr algn="ctr"/>
+            <a:endParaRPr kumimoji="1" lang="ko-Kore-KR" altLang="en-US"/>
+          </a:p>
+        </p:txBody>
+      </p:sp>
     </p:spTree>
     <p:extLst>
       <p:ext uri="{BB962C8B-B14F-4D97-AF65-F5344CB8AC3E}">
@@ -9822,6 +14675,1664 @@
           <a:chExt cx="0" cy="0"/>
         </a:xfrm>
       </p:grpSpPr>
+      <p:graphicFrame>
+        <p:nvGraphicFramePr>
+          <p:cNvPr id="2" name="표 2">
+            <a:extLst>
+              <a:ext uri="{FF2B5EF4-FFF2-40B4-BE49-F238E27FC236}">
+                <a16:creationId xmlns:a16="http://schemas.microsoft.com/office/drawing/2014/main" id="{C33E8EAB-21FF-5784-F89F-D43D5B21F5FA}"/>
+              </a:ext>
+            </a:extLst>
+          </p:cNvPr>
+          <p:cNvGraphicFramePr>
+            <a:graphicFrameLocks noGrp="1"/>
+          </p:cNvGraphicFramePr>
+          <p:nvPr>
+            <p:extLst>
+              <p:ext uri="{D42A27DB-BD31-4B8C-83A1-F6EECF244321}">
+                <p14:modId xmlns:p14="http://schemas.microsoft.com/office/powerpoint/2010/main" val="2728244087"/>
+              </p:ext>
+            </p:extLst>
+          </p:nvPr>
+        </p:nvGraphicFramePr>
+        <p:xfrm>
+          <a:off x="798625" y="1208764"/>
+          <a:ext cx="1859515" cy="2615315"/>
+        </p:xfrm>
+        <a:graphic>
+          <a:graphicData uri="http://schemas.openxmlformats.org/drawingml/2006/table">
+            <a:tbl>
+              <a:tblPr firstRow="1" bandRow="1">
+                <a:tableStyleId>{5C22544A-7EE6-4342-B048-85BDC9FD1C3A}</a:tableStyleId>
+              </a:tblPr>
+              <a:tblGrid>
+                <a:gridCol w="1859515">
+                  <a:extLst>
+                    <a:ext uri="{9D8B030D-6E8A-4147-A177-3AD203B41FA5}">
+                      <a16:colId xmlns:a16="http://schemas.microsoft.com/office/drawing/2014/main" val="1965095789"/>
+                    </a:ext>
+                  </a:extLst>
+                </a:gridCol>
+              </a:tblGrid>
+              <a:tr h="386120">
+                <a:tc>
+                  <a:txBody>
+                    <a:bodyPr/>
+                    <a:lstStyle/>
+                    <a:p>
+                      <a:pPr algn="ctr"/>
+                      <a:r>
+                        <a:rPr lang="en-US" altLang="ko-Kore-KR" dirty="0" err="1"/>
+                        <a:t>stnt</a:t>
+                      </a:r>
+                      <a:endParaRPr lang="ko-Kore-KR" altLang="en-US" dirty="0"/>
+                    </a:p>
+                  </a:txBody>
+                  <a:tcPr/>
+                </a:tc>
+                <a:extLst>
+                  <a:ext uri="{0D108BD9-81ED-4DB2-BD59-A6C34878D82A}">
+                    <a16:rowId xmlns:a16="http://schemas.microsoft.com/office/drawing/2014/main" val="3559688625"/>
+                  </a:ext>
+                </a:extLst>
+              </a:tr>
+              <a:tr h="2229195">
+                <a:tc>
+                  <a:txBody>
+                    <a:bodyPr/>
+                    <a:lstStyle/>
+                    <a:p>
+                      <a:pPr marL="285750" indent="-285750" algn="l">
+                        <a:buFont typeface="Arial" panose="020B0604020202020204" pitchFamily="34" charset="0"/>
+                        <a:buChar char="•"/>
+                      </a:pPr>
+                      <a:r>
+                        <a:rPr lang="en-US" altLang="ko-Kore-KR" dirty="0" err="1"/>
+                        <a:t>mno</a:t>
+                      </a:r>
+                      <a:endParaRPr lang="en-US" altLang="ko-Kore-KR" dirty="0"/>
+                    </a:p>
+                    <a:p>
+                      <a:pPr marL="285750" indent="-285750" algn="l">
+                        <a:buFont typeface="Arial" panose="020B0604020202020204" pitchFamily="34" charset="0"/>
+                        <a:buChar char="•"/>
+                      </a:pPr>
+                      <a:r>
+                        <a:rPr lang="en-US" altLang="ko-Kore-KR" dirty="0"/>
+                        <a:t>work</a:t>
+                      </a:r>
+                    </a:p>
+                    <a:p>
+                      <a:pPr marL="285750" indent="-285750" algn="l">
+                        <a:buFont typeface="Arial" panose="020B0604020202020204" pitchFamily="34" charset="0"/>
+                        <a:buChar char="•"/>
+                      </a:pPr>
+                      <a:r>
+                        <a:rPr lang="en-US" altLang="ko-Kore-KR" dirty="0" err="1"/>
+                        <a:t>acc_no</a:t>
+                      </a:r>
+                      <a:endParaRPr lang="en-US" altLang="ko-Kore-KR" dirty="0"/>
+                    </a:p>
+                    <a:p>
+                      <a:pPr marL="285750" indent="-285750" algn="l">
+                        <a:buFont typeface="Arial" panose="020B0604020202020204" pitchFamily="34" charset="0"/>
+                        <a:buChar char="•"/>
+                      </a:pPr>
+                      <a:r>
+                        <a:rPr lang="en-US" altLang="ko-Kore-KR" dirty="0"/>
+                        <a:t>bank</a:t>
+                      </a:r>
+                    </a:p>
+                  </a:txBody>
+                  <a:tcPr/>
+                </a:tc>
+                <a:extLst>
+                  <a:ext uri="{0D108BD9-81ED-4DB2-BD59-A6C34878D82A}">
+                    <a16:rowId xmlns:a16="http://schemas.microsoft.com/office/drawing/2014/main" val="3230167247"/>
+                  </a:ext>
+                </a:extLst>
+              </a:tr>
+            </a:tbl>
+          </a:graphicData>
+        </a:graphic>
+      </p:graphicFrame>
+      <p:graphicFrame>
+        <p:nvGraphicFramePr>
+          <p:cNvPr id="3" name="표 2">
+            <a:extLst>
+              <a:ext uri="{FF2B5EF4-FFF2-40B4-BE49-F238E27FC236}">
+                <a16:creationId xmlns:a16="http://schemas.microsoft.com/office/drawing/2014/main" id="{9A8E8728-3116-63CC-9C80-F1A3DED836CC}"/>
+              </a:ext>
+            </a:extLst>
+          </p:cNvPr>
+          <p:cNvGraphicFramePr>
+            <a:graphicFrameLocks noGrp="1"/>
+          </p:cNvGraphicFramePr>
+          <p:nvPr/>
+        </p:nvGraphicFramePr>
+        <p:xfrm>
+          <a:off x="4959499" y="1208764"/>
+          <a:ext cx="1859515" cy="2615315"/>
+        </p:xfrm>
+        <a:graphic>
+          <a:graphicData uri="http://schemas.openxmlformats.org/drawingml/2006/table">
+            <a:tbl>
+              <a:tblPr firstRow="1" bandRow="1">
+                <a:tableStyleId>{5C22544A-7EE6-4342-B048-85BDC9FD1C3A}</a:tableStyleId>
+              </a:tblPr>
+              <a:tblGrid>
+                <a:gridCol w="1859515">
+                  <a:extLst>
+                    <a:ext uri="{9D8B030D-6E8A-4147-A177-3AD203B41FA5}">
+                      <a16:colId xmlns:a16="http://schemas.microsoft.com/office/drawing/2014/main" val="1965095789"/>
+                    </a:ext>
+                  </a:extLst>
+                </a:gridCol>
+              </a:tblGrid>
+              <a:tr h="386120">
+                <a:tc>
+                  <a:txBody>
+                    <a:bodyPr/>
+                    <a:lstStyle/>
+                    <a:p>
+                      <a:pPr algn="ctr"/>
+                      <a:r>
+                        <a:rPr lang="en-US" altLang="ko-KR" dirty="0" err="1"/>
+                        <a:t>b</a:t>
+                      </a:r>
+                      <a:r>
+                        <a:rPr lang="en-US" altLang="ko-Kore-KR" dirty="0" err="1"/>
+                        <a:t>oard</a:t>
+                      </a:r>
+                      <a:r>
+                        <a:rPr lang="en-US" altLang="ko-KR" dirty="0" err="1"/>
+                        <a:t>_file</a:t>
+                      </a:r>
+                      <a:endParaRPr lang="ko-Kore-KR" altLang="en-US" dirty="0"/>
+                    </a:p>
+                  </a:txBody>
+                  <a:tcPr/>
+                </a:tc>
+                <a:extLst>
+                  <a:ext uri="{0D108BD9-81ED-4DB2-BD59-A6C34878D82A}">
+                    <a16:rowId xmlns:a16="http://schemas.microsoft.com/office/drawing/2014/main" val="3559688625"/>
+                  </a:ext>
+                </a:extLst>
+              </a:tr>
+              <a:tr h="2229195">
+                <a:tc>
+                  <a:txBody>
+                    <a:bodyPr/>
+                    <a:lstStyle/>
+                    <a:p>
+                      <a:pPr marL="285750" indent="-285750" algn="l">
+                        <a:buFont typeface="Arial" panose="020B0604020202020204" pitchFamily="34" charset="0"/>
+                        <a:buChar char="•"/>
+                      </a:pPr>
+                      <a:r>
+                        <a:rPr lang="en-US" altLang="ko-Kore-KR" dirty="0" err="1"/>
+                        <a:t>fno</a:t>
+                      </a:r>
+                      <a:endParaRPr lang="en-US" altLang="ko-Kore-KR" dirty="0"/>
+                    </a:p>
+                    <a:p>
+                      <a:pPr marL="285750" indent="-285750" algn="l">
+                        <a:buFont typeface="Arial" panose="020B0604020202020204" pitchFamily="34" charset="0"/>
+                        <a:buChar char="•"/>
+                      </a:pPr>
+                      <a:r>
+                        <a:rPr lang="en-US" altLang="ko-Kore-KR" dirty="0" err="1"/>
+                        <a:t>filepath</a:t>
+                      </a:r>
+                      <a:endParaRPr lang="en-US" altLang="ko-Kore-KR" dirty="0"/>
+                    </a:p>
+                    <a:p>
+                      <a:pPr marL="285750" indent="-285750" algn="l">
+                        <a:buFont typeface="Arial" panose="020B0604020202020204" pitchFamily="34" charset="0"/>
+                        <a:buChar char="•"/>
+                      </a:pPr>
+                      <a:r>
+                        <a:rPr lang="en-US" altLang="ko-Kore-KR" dirty="0" err="1"/>
+                        <a:t>bno</a:t>
+                      </a:r>
+                      <a:endParaRPr lang="en-US" altLang="ko-Kore-KR" dirty="0"/>
+                    </a:p>
+                  </a:txBody>
+                  <a:tcPr/>
+                </a:tc>
+                <a:extLst>
+                  <a:ext uri="{0D108BD9-81ED-4DB2-BD59-A6C34878D82A}">
+                    <a16:rowId xmlns:a16="http://schemas.microsoft.com/office/drawing/2014/main" val="3230167247"/>
+                  </a:ext>
+                </a:extLst>
+              </a:tr>
+            </a:tbl>
+          </a:graphicData>
+        </a:graphic>
+      </p:graphicFrame>
+      <p:cxnSp>
+        <p:nvCxnSpPr>
+          <p:cNvPr id="7" name="직선 화살표 연결선 6">
+            <a:extLst>
+              <a:ext uri="{FF2B5EF4-FFF2-40B4-BE49-F238E27FC236}">
+                <a16:creationId xmlns:a16="http://schemas.microsoft.com/office/drawing/2014/main" id="{98836ED0-1FE9-0BF9-C22E-896384905BDC}"/>
+              </a:ext>
+            </a:extLst>
+          </p:cNvPr>
+          <p:cNvCxnSpPr>
+            <a:cxnSpLocks/>
+          </p:cNvCxnSpPr>
+          <p:nvPr/>
+        </p:nvCxnSpPr>
+        <p:spPr>
+          <a:xfrm flipH="1" flipV="1">
+            <a:off x="1731264" y="1767840"/>
+            <a:ext cx="3228235" cy="613853"/>
+          </a:xfrm>
+          <a:prstGeom prst="straightConnector1">
+            <a:avLst/>
+          </a:prstGeom>
+          <a:ln>
+            <a:tailEnd type="triangle"/>
+          </a:ln>
+        </p:spPr>
+        <p:style>
+          <a:lnRef idx="3">
+            <a:schemeClr val="accent4"/>
+          </a:lnRef>
+          <a:fillRef idx="0">
+            <a:schemeClr val="accent4"/>
+          </a:fillRef>
+          <a:effectRef idx="2">
+            <a:schemeClr val="accent4"/>
+          </a:effectRef>
+          <a:fontRef idx="minor">
+            <a:schemeClr val="tx1"/>
+          </a:fontRef>
+        </p:style>
+      </p:cxnSp>
+      <p:sp>
+        <p:nvSpPr>
+          <p:cNvPr id="10" name="직사각형 9">
+            <a:extLst>
+              <a:ext uri="{FF2B5EF4-FFF2-40B4-BE49-F238E27FC236}">
+                <a16:creationId xmlns:a16="http://schemas.microsoft.com/office/drawing/2014/main" id="{383615E4-2C0A-50E2-5F2A-7EEF30855567}"/>
+              </a:ext>
+            </a:extLst>
+          </p:cNvPr>
+          <p:cNvSpPr/>
+          <p:nvPr/>
+        </p:nvSpPr>
+        <p:spPr>
+          <a:xfrm>
+            <a:off x="798625" y="3953185"/>
+            <a:ext cx="1859515" cy="404037"/>
+          </a:xfrm>
+          <a:prstGeom prst="rect">
+            <a:avLst/>
+          </a:prstGeom>
+        </p:spPr>
+        <p:style>
+          <a:lnRef idx="2">
+            <a:schemeClr val="accent1"/>
+          </a:lnRef>
+          <a:fillRef idx="1">
+            <a:schemeClr val="lt1"/>
+          </a:fillRef>
+          <a:effectRef idx="0">
+            <a:schemeClr val="accent1"/>
+          </a:effectRef>
+          <a:fontRef idx="minor">
+            <a:schemeClr val="dk1"/>
+          </a:fontRef>
+        </p:style>
+        <p:txBody>
+          <a:bodyPr rtlCol="0" anchor="ctr"/>
+          <a:lstStyle/>
+          <a:p>
+            <a:pPr algn="ctr"/>
+            <a:r>
+              <a:rPr kumimoji="1" lang="ko-KR" altLang="en-US" sz="1400" dirty="0"/>
+              <a:t>부모 테이블</a:t>
+            </a:r>
+            <a:endParaRPr kumimoji="1" lang="ko-Kore-KR" altLang="en-US" sz="1400" dirty="0"/>
+          </a:p>
+        </p:txBody>
+      </p:sp>
+      <p:sp>
+        <p:nvSpPr>
+          <p:cNvPr id="11" name="직사각형 10">
+            <a:extLst>
+              <a:ext uri="{FF2B5EF4-FFF2-40B4-BE49-F238E27FC236}">
+                <a16:creationId xmlns:a16="http://schemas.microsoft.com/office/drawing/2014/main" id="{BD092920-5F9B-AC06-7E71-9C397AD20F96}"/>
+              </a:ext>
+            </a:extLst>
+          </p:cNvPr>
+          <p:cNvSpPr/>
+          <p:nvPr/>
+        </p:nvSpPr>
+        <p:spPr>
+          <a:xfrm>
+            <a:off x="4959498" y="3949850"/>
+            <a:ext cx="1859515" cy="404037"/>
+          </a:xfrm>
+          <a:prstGeom prst="rect">
+            <a:avLst/>
+          </a:prstGeom>
+        </p:spPr>
+        <p:style>
+          <a:lnRef idx="2">
+            <a:schemeClr val="accent1"/>
+          </a:lnRef>
+          <a:fillRef idx="1">
+            <a:schemeClr val="lt1"/>
+          </a:fillRef>
+          <a:effectRef idx="0">
+            <a:schemeClr val="accent1"/>
+          </a:effectRef>
+          <a:fontRef idx="minor">
+            <a:schemeClr val="dk1"/>
+          </a:fontRef>
+        </p:style>
+        <p:txBody>
+          <a:bodyPr rtlCol="0" anchor="ctr"/>
+          <a:lstStyle/>
+          <a:p>
+            <a:pPr algn="ctr"/>
+            <a:r>
+              <a:rPr kumimoji="1" lang="ko-KR" altLang="en-US" sz="1400" dirty="0"/>
+              <a:t>자식 테이블</a:t>
+            </a:r>
+            <a:endParaRPr kumimoji="1" lang="ko-Kore-KR" altLang="en-US" sz="1400" dirty="0"/>
+          </a:p>
+        </p:txBody>
+      </p:sp>
+      <p:sp>
+        <p:nvSpPr>
+          <p:cNvPr id="12" name="직사각형 11">
+            <a:extLst>
+              <a:ext uri="{FF2B5EF4-FFF2-40B4-BE49-F238E27FC236}">
+                <a16:creationId xmlns:a16="http://schemas.microsoft.com/office/drawing/2014/main" id="{9C2B0651-D437-09AE-18CA-A31803311930}"/>
+              </a:ext>
+            </a:extLst>
+          </p:cNvPr>
+          <p:cNvSpPr/>
+          <p:nvPr/>
+        </p:nvSpPr>
+        <p:spPr>
+          <a:xfrm>
+            <a:off x="417027" y="1632096"/>
+            <a:ext cx="431211" cy="287079"/>
+          </a:xfrm>
+          <a:prstGeom prst="rect">
+            <a:avLst/>
+          </a:prstGeom>
+        </p:spPr>
+        <p:style>
+          <a:lnRef idx="3">
+            <a:schemeClr val="lt1"/>
+          </a:lnRef>
+          <a:fillRef idx="1">
+            <a:schemeClr val="accent4"/>
+          </a:fillRef>
+          <a:effectRef idx="1">
+            <a:schemeClr val="accent4"/>
+          </a:effectRef>
+          <a:fontRef idx="minor">
+            <a:schemeClr val="lt1"/>
+          </a:fontRef>
+        </p:style>
+        <p:txBody>
+          <a:bodyPr rtlCol="0" anchor="ctr"/>
+          <a:lstStyle/>
+          <a:p>
+            <a:pPr algn="ctr"/>
+            <a:r>
+              <a:rPr kumimoji="1" lang="en-US" altLang="ko-Kore-KR" sz="1400" b="1" dirty="0"/>
+              <a:t>PK</a:t>
+            </a:r>
+            <a:endParaRPr kumimoji="1" lang="ko-Kore-KR" altLang="en-US" sz="1400" b="1" dirty="0"/>
+          </a:p>
+        </p:txBody>
+      </p:sp>
+      <p:sp>
+        <p:nvSpPr>
+          <p:cNvPr id="13" name="직사각형 12">
+            <a:extLst>
+              <a:ext uri="{FF2B5EF4-FFF2-40B4-BE49-F238E27FC236}">
+                <a16:creationId xmlns:a16="http://schemas.microsoft.com/office/drawing/2014/main" id="{E63BDBF8-3C06-5210-CBA4-078F11C1169C}"/>
+              </a:ext>
+            </a:extLst>
+          </p:cNvPr>
+          <p:cNvSpPr/>
+          <p:nvPr/>
+        </p:nvSpPr>
+        <p:spPr>
+          <a:xfrm>
+            <a:off x="4600354" y="1601110"/>
+            <a:ext cx="431211" cy="287079"/>
+          </a:xfrm>
+          <a:prstGeom prst="rect">
+            <a:avLst/>
+          </a:prstGeom>
+        </p:spPr>
+        <p:style>
+          <a:lnRef idx="3">
+            <a:schemeClr val="lt1"/>
+          </a:lnRef>
+          <a:fillRef idx="1">
+            <a:schemeClr val="accent4"/>
+          </a:fillRef>
+          <a:effectRef idx="1">
+            <a:schemeClr val="accent4"/>
+          </a:effectRef>
+          <a:fontRef idx="minor">
+            <a:schemeClr val="lt1"/>
+          </a:fontRef>
+        </p:style>
+        <p:txBody>
+          <a:bodyPr rtlCol="0" anchor="ctr"/>
+          <a:lstStyle/>
+          <a:p>
+            <a:pPr algn="ctr"/>
+            <a:r>
+              <a:rPr kumimoji="1" lang="en-US" altLang="ko-Kore-KR" sz="1400" b="1" dirty="0"/>
+              <a:t>PK</a:t>
+            </a:r>
+            <a:endParaRPr kumimoji="1" lang="ko-Kore-KR" altLang="en-US" sz="1400" b="1" dirty="0"/>
+          </a:p>
+        </p:txBody>
+      </p:sp>
+      <p:sp>
+        <p:nvSpPr>
+          <p:cNvPr id="14" name="직사각형 13">
+            <a:extLst>
+              <a:ext uri="{FF2B5EF4-FFF2-40B4-BE49-F238E27FC236}">
+                <a16:creationId xmlns:a16="http://schemas.microsoft.com/office/drawing/2014/main" id="{9DE05A4F-70F3-1C6E-E3C7-22BAFC2A294A}"/>
+              </a:ext>
+            </a:extLst>
+          </p:cNvPr>
+          <p:cNvSpPr/>
+          <p:nvPr/>
+        </p:nvSpPr>
+        <p:spPr>
+          <a:xfrm>
+            <a:off x="4600354" y="2229342"/>
+            <a:ext cx="431211" cy="287079"/>
+          </a:xfrm>
+          <a:prstGeom prst="rect">
+            <a:avLst/>
+          </a:prstGeom>
+        </p:spPr>
+        <p:style>
+          <a:lnRef idx="3">
+            <a:schemeClr val="lt1"/>
+          </a:lnRef>
+          <a:fillRef idx="1">
+            <a:schemeClr val="accent4"/>
+          </a:fillRef>
+          <a:effectRef idx="1">
+            <a:schemeClr val="accent4"/>
+          </a:effectRef>
+          <a:fontRef idx="minor">
+            <a:schemeClr val="lt1"/>
+          </a:fontRef>
+        </p:style>
+        <p:txBody>
+          <a:bodyPr rtlCol="0" anchor="ctr"/>
+          <a:lstStyle/>
+          <a:p>
+            <a:pPr algn="ctr"/>
+            <a:r>
+              <a:rPr kumimoji="1" lang="en-US" altLang="ko-Kore-KR" sz="1400" b="1" dirty="0"/>
+              <a:t>FK</a:t>
+            </a:r>
+            <a:endParaRPr kumimoji="1" lang="ko-Kore-KR" altLang="en-US" sz="1400" b="1" dirty="0"/>
+          </a:p>
+        </p:txBody>
+      </p:sp>
+      <p:cxnSp>
+        <p:nvCxnSpPr>
+          <p:cNvPr id="16" name="직선 연결선[R] 15">
+            <a:extLst>
+              <a:ext uri="{FF2B5EF4-FFF2-40B4-BE49-F238E27FC236}">
+                <a16:creationId xmlns:a16="http://schemas.microsoft.com/office/drawing/2014/main" id="{742F982C-7C2A-E8B8-ADAF-3AB7827F1222}"/>
+              </a:ext>
+            </a:extLst>
+          </p:cNvPr>
+          <p:cNvCxnSpPr/>
+          <p:nvPr/>
+        </p:nvCxnSpPr>
+        <p:spPr>
+          <a:xfrm>
+            <a:off x="2658140" y="1382233"/>
+            <a:ext cx="2301358" cy="0"/>
+          </a:xfrm>
+          <a:prstGeom prst="line">
+            <a:avLst/>
+          </a:prstGeom>
+        </p:spPr>
+        <p:style>
+          <a:lnRef idx="3">
+            <a:schemeClr val="accent5"/>
+          </a:lnRef>
+          <a:fillRef idx="0">
+            <a:schemeClr val="accent5"/>
+          </a:fillRef>
+          <a:effectRef idx="2">
+            <a:schemeClr val="accent5"/>
+          </a:effectRef>
+          <a:fontRef idx="minor">
+            <a:schemeClr val="tx1"/>
+          </a:fontRef>
+        </p:style>
+      </p:cxnSp>
+      <p:cxnSp>
+        <p:nvCxnSpPr>
+          <p:cNvPr id="17" name="직선 연결선[R] 16">
+            <a:extLst>
+              <a:ext uri="{FF2B5EF4-FFF2-40B4-BE49-F238E27FC236}">
+                <a16:creationId xmlns:a16="http://schemas.microsoft.com/office/drawing/2014/main" id="{7EE15F5A-927F-C1DC-B7E1-659557EE3204}"/>
+              </a:ext>
+            </a:extLst>
+          </p:cNvPr>
+          <p:cNvCxnSpPr>
+            <a:cxnSpLocks/>
+          </p:cNvCxnSpPr>
+          <p:nvPr/>
+        </p:nvCxnSpPr>
+        <p:spPr>
+          <a:xfrm>
+            <a:off x="2746745" y="1261732"/>
+            <a:ext cx="0" cy="241002"/>
+          </a:xfrm>
+          <a:prstGeom prst="line">
+            <a:avLst/>
+          </a:prstGeom>
+        </p:spPr>
+        <p:style>
+          <a:lnRef idx="3">
+            <a:schemeClr val="accent5"/>
+          </a:lnRef>
+          <a:fillRef idx="0">
+            <a:schemeClr val="accent5"/>
+          </a:fillRef>
+          <a:effectRef idx="2">
+            <a:schemeClr val="accent5"/>
+          </a:effectRef>
+          <a:fontRef idx="minor">
+            <a:schemeClr val="tx1"/>
+          </a:fontRef>
+        </p:style>
+      </p:cxnSp>
+      <p:cxnSp>
+        <p:nvCxnSpPr>
+          <p:cNvPr id="19" name="직선 연결선[R] 18">
+            <a:extLst>
+              <a:ext uri="{FF2B5EF4-FFF2-40B4-BE49-F238E27FC236}">
+                <a16:creationId xmlns:a16="http://schemas.microsoft.com/office/drawing/2014/main" id="{CB56CD53-A47B-0DA0-52A8-7A8FAFF7A5B9}"/>
+              </a:ext>
+            </a:extLst>
+          </p:cNvPr>
+          <p:cNvCxnSpPr>
+            <a:cxnSpLocks/>
+          </p:cNvCxnSpPr>
+          <p:nvPr/>
+        </p:nvCxnSpPr>
+        <p:spPr>
+          <a:xfrm flipH="1">
+            <a:off x="4815959" y="1208764"/>
+            <a:ext cx="143539" cy="173469"/>
+          </a:xfrm>
+          <a:prstGeom prst="line">
+            <a:avLst/>
+          </a:prstGeom>
+        </p:spPr>
+        <p:style>
+          <a:lnRef idx="3">
+            <a:schemeClr val="accent5"/>
+          </a:lnRef>
+          <a:fillRef idx="0">
+            <a:schemeClr val="accent5"/>
+          </a:fillRef>
+          <a:effectRef idx="2">
+            <a:schemeClr val="accent5"/>
+          </a:effectRef>
+          <a:fontRef idx="minor">
+            <a:schemeClr val="tx1"/>
+          </a:fontRef>
+        </p:style>
+      </p:cxnSp>
+      <p:cxnSp>
+        <p:nvCxnSpPr>
+          <p:cNvPr id="21" name="직선 연결선[R] 20">
+            <a:extLst>
+              <a:ext uri="{FF2B5EF4-FFF2-40B4-BE49-F238E27FC236}">
+                <a16:creationId xmlns:a16="http://schemas.microsoft.com/office/drawing/2014/main" id="{FAD5F42D-CD17-268F-F009-658A019914B3}"/>
+              </a:ext>
+            </a:extLst>
+          </p:cNvPr>
+          <p:cNvCxnSpPr>
+            <a:cxnSpLocks/>
+          </p:cNvCxnSpPr>
+          <p:nvPr/>
+        </p:nvCxnSpPr>
+        <p:spPr>
+          <a:xfrm>
+            <a:off x="4815959" y="1380408"/>
+            <a:ext cx="152400" cy="154225"/>
+          </a:xfrm>
+          <a:prstGeom prst="line">
+            <a:avLst/>
+          </a:prstGeom>
+        </p:spPr>
+        <p:style>
+          <a:lnRef idx="3">
+            <a:schemeClr val="accent5"/>
+          </a:lnRef>
+          <a:fillRef idx="0">
+            <a:schemeClr val="accent5"/>
+          </a:fillRef>
+          <a:effectRef idx="2">
+            <a:schemeClr val="accent5"/>
+          </a:effectRef>
+          <a:fontRef idx="minor">
+            <a:schemeClr val="tx1"/>
+          </a:fontRef>
+        </p:style>
+      </p:cxnSp>
+      <p:sp>
+        <p:nvSpPr>
+          <p:cNvPr id="25" name="직사각형 24">
+            <a:extLst>
+              <a:ext uri="{FF2B5EF4-FFF2-40B4-BE49-F238E27FC236}">
+                <a16:creationId xmlns:a16="http://schemas.microsoft.com/office/drawing/2014/main" id="{DDAAE523-C18E-D5F7-F772-2B720458EC1E}"/>
+              </a:ext>
+            </a:extLst>
+          </p:cNvPr>
+          <p:cNvSpPr/>
+          <p:nvPr/>
+        </p:nvSpPr>
+        <p:spPr>
+          <a:xfrm>
+            <a:off x="2879061" y="672351"/>
+            <a:ext cx="1859515" cy="404037"/>
+          </a:xfrm>
+          <a:prstGeom prst="rect">
+            <a:avLst/>
+          </a:prstGeom>
+        </p:spPr>
+        <p:style>
+          <a:lnRef idx="2">
+            <a:schemeClr val="accent5"/>
+          </a:lnRef>
+          <a:fillRef idx="1">
+            <a:schemeClr val="lt1"/>
+          </a:fillRef>
+          <a:effectRef idx="0">
+            <a:schemeClr val="accent5"/>
+          </a:effectRef>
+          <a:fontRef idx="minor">
+            <a:schemeClr val="dk1"/>
+          </a:fontRef>
+        </p:style>
+        <p:txBody>
+          <a:bodyPr rtlCol="0" anchor="ctr"/>
+          <a:lstStyle/>
+          <a:p>
+            <a:pPr algn="ctr"/>
+            <a:r>
+              <a:rPr kumimoji="1" lang="en-US" altLang="ko-KR" dirty="0"/>
+              <a:t>1:M</a:t>
+            </a:r>
+            <a:endParaRPr kumimoji="1" lang="ko-Kore-KR" altLang="en-US" dirty="0"/>
+          </a:p>
+        </p:txBody>
+      </p:sp>
+      <p:sp>
+        <p:nvSpPr>
+          <p:cNvPr id="26" name="타원 25">
+            <a:extLst>
+              <a:ext uri="{FF2B5EF4-FFF2-40B4-BE49-F238E27FC236}">
+                <a16:creationId xmlns:a16="http://schemas.microsoft.com/office/drawing/2014/main" id="{38631A3C-C53D-B478-5C14-C44191E8CF01}"/>
+              </a:ext>
+            </a:extLst>
+          </p:cNvPr>
+          <p:cNvSpPr/>
+          <p:nvPr/>
+        </p:nvSpPr>
+        <p:spPr>
+          <a:xfrm>
+            <a:off x="4664445" y="1287053"/>
+            <a:ext cx="159488" cy="159488"/>
+          </a:xfrm>
+          <a:prstGeom prst="ellipse">
+            <a:avLst/>
+          </a:prstGeom>
+          <a:ln w="22225"/>
+        </p:spPr>
+        <p:style>
+          <a:lnRef idx="2">
+            <a:schemeClr val="accent5"/>
+          </a:lnRef>
+          <a:fillRef idx="1">
+            <a:schemeClr val="lt1"/>
+          </a:fillRef>
+          <a:effectRef idx="0">
+            <a:schemeClr val="accent5"/>
+          </a:effectRef>
+          <a:fontRef idx="minor">
+            <a:schemeClr val="dk1"/>
+          </a:fontRef>
+        </p:style>
+        <p:txBody>
+          <a:bodyPr rtlCol="0" anchor="ctr"/>
+          <a:lstStyle/>
+          <a:p>
+            <a:pPr algn="ctr"/>
+            <a:endParaRPr kumimoji="1" lang="ko-Kore-KR" altLang="en-US"/>
+          </a:p>
+        </p:txBody>
+      </p:sp>
+      <p:graphicFrame>
+        <p:nvGraphicFramePr>
+          <p:cNvPr id="27" name="표 2">
+            <a:extLst>
+              <a:ext uri="{FF2B5EF4-FFF2-40B4-BE49-F238E27FC236}">
+                <a16:creationId xmlns:a16="http://schemas.microsoft.com/office/drawing/2014/main" id="{58292299-4A9D-E1C9-C629-1D9D4E03EB98}"/>
+              </a:ext>
+            </a:extLst>
+          </p:cNvPr>
+          <p:cNvGraphicFramePr>
+            <a:graphicFrameLocks noGrp="1"/>
+          </p:cNvGraphicFramePr>
+          <p:nvPr/>
+        </p:nvGraphicFramePr>
+        <p:xfrm>
+          <a:off x="5166242" y="4774925"/>
+          <a:ext cx="1859515" cy="1110990"/>
+        </p:xfrm>
+        <a:graphic>
+          <a:graphicData uri="http://schemas.openxmlformats.org/drawingml/2006/table">
+            <a:tbl>
+              <a:tblPr firstRow="1" bandRow="1">
+                <a:tableStyleId>{5C22544A-7EE6-4342-B048-85BDC9FD1C3A}</a:tableStyleId>
+              </a:tblPr>
+              <a:tblGrid>
+                <a:gridCol w="1859515">
+                  <a:extLst>
+                    <a:ext uri="{9D8B030D-6E8A-4147-A177-3AD203B41FA5}">
+                      <a16:colId xmlns:a16="http://schemas.microsoft.com/office/drawing/2014/main" val="1965095789"/>
+                    </a:ext>
+                  </a:extLst>
+                </a:gridCol>
+              </a:tblGrid>
+              <a:tr h="129082">
+                <a:tc>
+                  <a:txBody>
+                    <a:bodyPr/>
+                    <a:lstStyle/>
+                    <a:p>
+                      <a:pPr algn="ctr"/>
+                      <a:r>
+                        <a:rPr lang="ko-KR" altLang="en-US" dirty="0"/>
+                        <a:t>테이블명</a:t>
+                      </a:r>
+                      <a:endParaRPr lang="ko-Kore-KR" altLang="en-US" dirty="0"/>
+                    </a:p>
+                  </a:txBody>
+                  <a:tcPr/>
+                </a:tc>
+                <a:extLst>
+                  <a:ext uri="{0D108BD9-81ED-4DB2-BD59-A6C34878D82A}">
+                    <a16:rowId xmlns:a16="http://schemas.microsoft.com/office/drawing/2014/main" val="3559688625"/>
+                  </a:ext>
+                </a:extLst>
+              </a:tr>
+              <a:tr h="745230">
+                <a:tc>
+                  <a:txBody>
+                    <a:bodyPr/>
+                    <a:lstStyle/>
+                    <a:p>
+                      <a:pPr marL="285750" indent="-285750" algn="l">
+                        <a:buFont typeface="Arial" panose="020B0604020202020204" pitchFamily="34" charset="0"/>
+                        <a:buChar char="•"/>
+                      </a:pPr>
+                      <a:endParaRPr lang="en-US" altLang="ko-Kore-KR" dirty="0"/>
+                    </a:p>
+                  </a:txBody>
+                  <a:tcPr/>
+                </a:tc>
+                <a:extLst>
+                  <a:ext uri="{0D108BD9-81ED-4DB2-BD59-A6C34878D82A}">
+                    <a16:rowId xmlns:a16="http://schemas.microsoft.com/office/drawing/2014/main" val="3230167247"/>
+                  </a:ext>
+                </a:extLst>
+              </a:tr>
+            </a:tbl>
+          </a:graphicData>
+        </a:graphic>
+      </p:graphicFrame>
+      <p:graphicFrame>
+        <p:nvGraphicFramePr>
+          <p:cNvPr id="28" name="표 27">
+            <a:extLst>
+              <a:ext uri="{FF2B5EF4-FFF2-40B4-BE49-F238E27FC236}">
+                <a16:creationId xmlns:a16="http://schemas.microsoft.com/office/drawing/2014/main" id="{AD263141-4F9A-0454-373E-2AFF05E4FDF4}"/>
+              </a:ext>
+            </a:extLst>
+          </p:cNvPr>
+          <p:cNvGraphicFramePr>
+            <a:graphicFrameLocks noGrp="1"/>
+          </p:cNvGraphicFramePr>
+          <p:nvPr/>
+        </p:nvGraphicFramePr>
+        <p:xfrm>
+          <a:off x="9327116" y="4774926"/>
+          <a:ext cx="1859515" cy="1137461"/>
+        </p:xfrm>
+        <a:graphic>
+          <a:graphicData uri="http://schemas.openxmlformats.org/drawingml/2006/table">
+            <a:tbl>
+              <a:tblPr firstRow="1" bandRow="1">
+                <a:tableStyleId>{5C22544A-7EE6-4342-B048-85BDC9FD1C3A}</a:tableStyleId>
+              </a:tblPr>
+              <a:tblGrid>
+                <a:gridCol w="1859515">
+                  <a:extLst>
+                    <a:ext uri="{9D8B030D-6E8A-4147-A177-3AD203B41FA5}">
+                      <a16:colId xmlns:a16="http://schemas.microsoft.com/office/drawing/2014/main" val="1965095789"/>
+                    </a:ext>
+                  </a:extLst>
+                </a:gridCol>
+              </a:tblGrid>
+              <a:tr h="339289">
+                <a:tc>
+                  <a:txBody>
+                    <a:bodyPr/>
+                    <a:lstStyle/>
+                    <a:p>
+                      <a:pPr algn="ctr"/>
+                      <a:r>
+                        <a:rPr lang="ko-KR" altLang="en-US" dirty="0"/>
+                        <a:t>테이블명</a:t>
+                      </a:r>
+                      <a:endParaRPr lang="ko-Kore-KR" altLang="en-US" dirty="0"/>
+                    </a:p>
+                  </a:txBody>
+                  <a:tcPr/>
+                </a:tc>
+                <a:extLst>
+                  <a:ext uri="{0D108BD9-81ED-4DB2-BD59-A6C34878D82A}">
+                    <a16:rowId xmlns:a16="http://schemas.microsoft.com/office/drawing/2014/main" val="3559688625"/>
+                  </a:ext>
+                </a:extLst>
+              </a:tr>
+              <a:tr h="771701">
+                <a:tc>
+                  <a:txBody>
+                    <a:bodyPr/>
+                    <a:lstStyle/>
+                    <a:p>
+                      <a:pPr marL="285750" indent="-285750" algn="l">
+                        <a:buFont typeface="Arial" panose="020B0604020202020204" pitchFamily="34" charset="0"/>
+                        <a:buChar char="•"/>
+                      </a:pPr>
+                      <a:endParaRPr lang="en-US" altLang="ko-Kore-KR" dirty="0"/>
+                    </a:p>
+                  </a:txBody>
+                  <a:tcPr/>
+                </a:tc>
+                <a:extLst>
+                  <a:ext uri="{0D108BD9-81ED-4DB2-BD59-A6C34878D82A}">
+                    <a16:rowId xmlns:a16="http://schemas.microsoft.com/office/drawing/2014/main" val="3230167247"/>
+                  </a:ext>
+                </a:extLst>
+              </a:tr>
+            </a:tbl>
+          </a:graphicData>
+        </a:graphic>
+      </p:graphicFrame>
+      <p:cxnSp>
+        <p:nvCxnSpPr>
+          <p:cNvPr id="29" name="직선 연결선[R] 28">
+            <a:extLst>
+              <a:ext uri="{FF2B5EF4-FFF2-40B4-BE49-F238E27FC236}">
+                <a16:creationId xmlns:a16="http://schemas.microsoft.com/office/drawing/2014/main" id="{C40BACC6-DA1A-0526-9044-5D86A46B41B7}"/>
+              </a:ext>
+            </a:extLst>
+          </p:cNvPr>
+          <p:cNvCxnSpPr/>
+          <p:nvPr/>
+        </p:nvCxnSpPr>
+        <p:spPr>
+          <a:xfrm>
+            <a:off x="7025757" y="4948393"/>
+            <a:ext cx="2301358" cy="0"/>
+          </a:xfrm>
+          <a:prstGeom prst="line">
+            <a:avLst/>
+          </a:prstGeom>
+        </p:spPr>
+        <p:style>
+          <a:lnRef idx="3">
+            <a:schemeClr val="accent5"/>
+          </a:lnRef>
+          <a:fillRef idx="0">
+            <a:schemeClr val="accent5"/>
+          </a:fillRef>
+          <a:effectRef idx="2">
+            <a:schemeClr val="accent5"/>
+          </a:effectRef>
+          <a:fontRef idx="minor">
+            <a:schemeClr val="tx1"/>
+          </a:fontRef>
+        </p:style>
+      </p:cxnSp>
+      <p:cxnSp>
+        <p:nvCxnSpPr>
+          <p:cNvPr id="30" name="직선 연결선[R] 29">
+            <a:extLst>
+              <a:ext uri="{FF2B5EF4-FFF2-40B4-BE49-F238E27FC236}">
+                <a16:creationId xmlns:a16="http://schemas.microsoft.com/office/drawing/2014/main" id="{A2F2ACEB-BB82-D007-2A19-9B4EB149B3DE}"/>
+              </a:ext>
+            </a:extLst>
+          </p:cNvPr>
+          <p:cNvCxnSpPr>
+            <a:cxnSpLocks/>
+          </p:cNvCxnSpPr>
+          <p:nvPr/>
+        </p:nvCxnSpPr>
+        <p:spPr>
+          <a:xfrm>
+            <a:off x="7114362" y="4827892"/>
+            <a:ext cx="0" cy="241002"/>
+          </a:xfrm>
+          <a:prstGeom prst="line">
+            <a:avLst/>
+          </a:prstGeom>
+        </p:spPr>
+        <p:style>
+          <a:lnRef idx="3">
+            <a:schemeClr val="accent5"/>
+          </a:lnRef>
+          <a:fillRef idx="0">
+            <a:schemeClr val="accent5"/>
+          </a:fillRef>
+          <a:effectRef idx="2">
+            <a:schemeClr val="accent5"/>
+          </a:effectRef>
+          <a:fontRef idx="minor">
+            <a:schemeClr val="tx1"/>
+          </a:fontRef>
+        </p:style>
+      </p:cxnSp>
+      <p:cxnSp>
+        <p:nvCxnSpPr>
+          <p:cNvPr id="31" name="직선 연결선[R] 30">
+            <a:extLst>
+              <a:ext uri="{FF2B5EF4-FFF2-40B4-BE49-F238E27FC236}">
+                <a16:creationId xmlns:a16="http://schemas.microsoft.com/office/drawing/2014/main" id="{80032229-C2AA-28BE-BA77-1834DA7D2C6D}"/>
+              </a:ext>
+            </a:extLst>
+          </p:cNvPr>
+          <p:cNvCxnSpPr>
+            <a:cxnSpLocks/>
+          </p:cNvCxnSpPr>
+          <p:nvPr/>
+        </p:nvCxnSpPr>
+        <p:spPr>
+          <a:xfrm flipH="1">
+            <a:off x="9183576" y="4774924"/>
+            <a:ext cx="143539" cy="173469"/>
+          </a:xfrm>
+          <a:prstGeom prst="line">
+            <a:avLst/>
+          </a:prstGeom>
+        </p:spPr>
+        <p:style>
+          <a:lnRef idx="3">
+            <a:schemeClr val="accent5"/>
+          </a:lnRef>
+          <a:fillRef idx="0">
+            <a:schemeClr val="accent5"/>
+          </a:fillRef>
+          <a:effectRef idx="2">
+            <a:schemeClr val="accent5"/>
+          </a:effectRef>
+          <a:fontRef idx="minor">
+            <a:schemeClr val="tx1"/>
+          </a:fontRef>
+        </p:style>
+      </p:cxnSp>
+      <p:cxnSp>
+        <p:nvCxnSpPr>
+          <p:cNvPr id="32" name="직선 연결선[R] 31">
+            <a:extLst>
+              <a:ext uri="{FF2B5EF4-FFF2-40B4-BE49-F238E27FC236}">
+                <a16:creationId xmlns:a16="http://schemas.microsoft.com/office/drawing/2014/main" id="{62A85D41-C19F-0472-90E2-A22E6BF8F390}"/>
+              </a:ext>
+            </a:extLst>
+          </p:cNvPr>
+          <p:cNvCxnSpPr>
+            <a:cxnSpLocks/>
+          </p:cNvCxnSpPr>
+          <p:nvPr/>
+        </p:nvCxnSpPr>
+        <p:spPr>
+          <a:xfrm>
+            <a:off x="9183576" y="4946568"/>
+            <a:ext cx="152400" cy="154225"/>
+          </a:xfrm>
+          <a:prstGeom prst="line">
+            <a:avLst/>
+          </a:prstGeom>
+        </p:spPr>
+        <p:style>
+          <a:lnRef idx="3">
+            <a:schemeClr val="accent5"/>
+          </a:lnRef>
+          <a:fillRef idx="0">
+            <a:schemeClr val="accent5"/>
+          </a:fillRef>
+          <a:effectRef idx="2">
+            <a:schemeClr val="accent5"/>
+          </a:effectRef>
+          <a:fontRef idx="minor">
+            <a:schemeClr val="tx1"/>
+          </a:fontRef>
+        </p:style>
+      </p:cxnSp>
+      <p:sp>
+        <p:nvSpPr>
+          <p:cNvPr id="33" name="타원 32">
+            <a:extLst>
+              <a:ext uri="{FF2B5EF4-FFF2-40B4-BE49-F238E27FC236}">
+                <a16:creationId xmlns:a16="http://schemas.microsoft.com/office/drawing/2014/main" id="{8848787D-B7D3-A072-1AD1-DF347CBEDD94}"/>
+              </a:ext>
+            </a:extLst>
+          </p:cNvPr>
+          <p:cNvSpPr/>
+          <p:nvPr/>
+        </p:nvSpPr>
+        <p:spPr>
+          <a:xfrm>
+            <a:off x="9032062" y="4853213"/>
+            <a:ext cx="159488" cy="159488"/>
+          </a:xfrm>
+          <a:prstGeom prst="ellipse">
+            <a:avLst/>
+          </a:prstGeom>
+          <a:ln w="22225"/>
+        </p:spPr>
+        <p:style>
+          <a:lnRef idx="2">
+            <a:schemeClr val="accent5"/>
+          </a:lnRef>
+          <a:fillRef idx="1">
+            <a:schemeClr val="lt1"/>
+          </a:fillRef>
+          <a:effectRef idx="0">
+            <a:schemeClr val="accent5"/>
+          </a:effectRef>
+          <a:fontRef idx="minor">
+            <a:schemeClr val="dk1"/>
+          </a:fontRef>
+        </p:style>
+        <p:txBody>
+          <a:bodyPr rtlCol="0" anchor="ctr"/>
+          <a:lstStyle/>
+          <a:p>
+            <a:pPr algn="ctr"/>
+            <a:endParaRPr kumimoji="1" lang="ko-Kore-KR" altLang="en-US"/>
+          </a:p>
+        </p:txBody>
+      </p:sp>
+    </p:spTree>
+    <p:extLst>
+      <p:ext uri="{BB962C8B-B14F-4D97-AF65-F5344CB8AC3E}">
+        <p14:creationId xmlns:p14="http://schemas.microsoft.com/office/powerpoint/2010/main" val="2680213105"/>
+      </p:ext>
+    </p:extLst>
+  </p:cSld>
+  <p:clrMapOvr>
+    <a:masterClrMapping/>
+  </p:clrMapOvr>
+</p:sld>
+</file>
+
+<file path=ppt/slides/slide22.xml><?xml version="1.0" encoding="utf-8"?>
+<p:sld xmlns:a="http://schemas.openxmlformats.org/drawingml/2006/main" xmlns:r="http://schemas.openxmlformats.org/officeDocument/2006/relationships" xmlns:p="http://schemas.openxmlformats.org/presentationml/2006/main">
+  <p:cSld>
+    <p:spTree>
+      <p:nvGrpSpPr>
+        <p:cNvPr id="1" name=""/>
+        <p:cNvGrpSpPr/>
+        <p:nvPr/>
+      </p:nvGrpSpPr>
+      <p:grpSpPr>
+        <a:xfrm>
+          <a:off x="0" y="0"/>
+          <a:ext cx="0" cy="0"/>
+          <a:chOff x="0" y="0"/>
+          <a:chExt cx="0" cy="0"/>
+        </a:xfrm>
+      </p:grpSpPr>
+      <p:sp>
+        <p:nvSpPr>
+          <p:cNvPr id="2" name="타원 1">
+            <a:extLst>
+              <a:ext uri="{FF2B5EF4-FFF2-40B4-BE49-F238E27FC236}">
+                <a16:creationId xmlns:a16="http://schemas.microsoft.com/office/drawing/2014/main" id="{24815496-82EE-BEA1-6B33-1E37093134D3}"/>
+              </a:ext>
+            </a:extLst>
+          </p:cNvPr>
+          <p:cNvSpPr/>
+          <p:nvPr/>
+        </p:nvSpPr>
+        <p:spPr>
+          <a:xfrm>
+            <a:off x="3803904" y="1021080"/>
+            <a:ext cx="4815840" cy="4815840"/>
+          </a:xfrm>
+          <a:prstGeom prst="ellipse">
+            <a:avLst/>
+          </a:prstGeom>
+          <a:solidFill>
+            <a:schemeClr val="accent4">
+              <a:lumMod val="20000"/>
+              <a:lumOff val="80000"/>
+            </a:schemeClr>
+          </a:solidFill>
+        </p:spPr>
+        <p:style>
+          <a:lnRef idx="2">
+            <a:schemeClr val="accent1">
+              <a:shade val="50000"/>
+            </a:schemeClr>
+          </a:lnRef>
+          <a:fillRef idx="1">
+            <a:schemeClr val="accent1"/>
+          </a:fillRef>
+          <a:effectRef idx="0">
+            <a:schemeClr val="accent1"/>
+          </a:effectRef>
+          <a:fontRef idx="minor">
+            <a:schemeClr val="lt1"/>
+          </a:fontRef>
+        </p:style>
+        <p:txBody>
+          <a:bodyPr rtlCol="0" anchor="ctr"/>
+          <a:lstStyle/>
+          <a:p>
+            <a:pPr algn="ctr"/>
+            <a:endParaRPr kumimoji="1" lang="ko-Kore-KR" altLang="en-US"/>
+          </a:p>
+        </p:txBody>
+      </p:sp>
+      <p:sp>
+        <p:nvSpPr>
+          <p:cNvPr id="3" name="타원 2">
+            <a:extLst>
+              <a:ext uri="{FF2B5EF4-FFF2-40B4-BE49-F238E27FC236}">
+                <a16:creationId xmlns:a16="http://schemas.microsoft.com/office/drawing/2014/main" id="{D498E0D0-0618-6257-FB19-9AF09406B466}"/>
+              </a:ext>
+            </a:extLst>
+          </p:cNvPr>
+          <p:cNvSpPr/>
+          <p:nvPr/>
+        </p:nvSpPr>
+        <p:spPr>
+          <a:xfrm>
+            <a:off x="4596384" y="2487168"/>
+            <a:ext cx="1158240" cy="1158240"/>
+          </a:xfrm>
+          <a:prstGeom prst="ellipse">
+            <a:avLst/>
+          </a:prstGeom>
+        </p:spPr>
+        <p:style>
+          <a:lnRef idx="2">
+            <a:schemeClr val="dk1">
+              <a:shade val="50000"/>
+            </a:schemeClr>
+          </a:lnRef>
+          <a:fillRef idx="1">
+            <a:schemeClr val="dk1"/>
+          </a:fillRef>
+          <a:effectRef idx="0">
+            <a:schemeClr val="dk1"/>
+          </a:effectRef>
+          <a:fontRef idx="minor">
+            <a:schemeClr val="lt1"/>
+          </a:fontRef>
+        </p:style>
+        <p:txBody>
+          <a:bodyPr rtlCol="0" anchor="ctr"/>
+          <a:lstStyle/>
+          <a:p>
+            <a:pPr algn="ctr"/>
+            <a:endParaRPr kumimoji="1" lang="ko-Kore-KR" altLang="en-US"/>
+          </a:p>
+        </p:txBody>
+      </p:sp>
+      <p:sp>
+        <p:nvSpPr>
+          <p:cNvPr id="4" name="타원 3">
+            <a:extLst>
+              <a:ext uri="{FF2B5EF4-FFF2-40B4-BE49-F238E27FC236}">
+                <a16:creationId xmlns:a16="http://schemas.microsoft.com/office/drawing/2014/main" id="{101817A8-6751-92A2-3E19-C04A756704FE}"/>
+              </a:ext>
+            </a:extLst>
+          </p:cNvPr>
+          <p:cNvSpPr/>
+          <p:nvPr/>
+        </p:nvSpPr>
+        <p:spPr>
+          <a:xfrm>
+            <a:off x="6608064" y="2487168"/>
+            <a:ext cx="1158240" cy="1158240"/>
+          </a:xfrm>
+          <a:prstGeom prst="ellipse">
+            <a:avLst/>
+          </a:prstGeom>
+        </p:spPr>
+        <p:style>
+          <a:lnRef idx="2">
+            <a:schemeClr val="dk1">
+              <a:shade val="50000"/>
+            </a:schemeClr>
+          </a:lnRef>
+          <a:fillRef idx="1">
+            <a:schemeClr val="dk1"/>
+          </a:fillRef>
+          <a:effectRef idx="0">
+            <a:schemeClr val="dk1"/>
+          </a:effectRef>
+          <a:fontRef idx="minor">
+            <a:schemeClr val="lt1"/>
+          </a:fontRef>
+        </p:style>
+        <p:txBody>
+          <a:bodyPr rtlCol="0" anchor="ctr"/>
+          <a:lstStyle/>
+          <a:p>
+            <a:pPr algn="ctr"/>
+            <a:endParaRPr kumimoji="1" lang="ko-Kore-KR" altLang="en-US"/>
+          </a:p>
+        </p:txBody>
+      </p:sp>
+      <p:sp>
+        <p:nvSpPr>
+          <p:cNvPr id="5" name="삼각형 4">
+            <a:extLst>
+              <a:ext uri="{FF2B5EF4-FFF2-40B4-BE49-F238E27FC236}">
+                <a16:creationId xmlns:a16="http://schemas.microsoft.com/office/drawing/2014/main" id="{840EE7AC-A723-249B-2344-6D4EE505C5BC}"/>
+              </a:ext>
+            </a:extLst>
+          </p:cNvPr>
+          <p:cNvSpPr/>
+          <p:nvPr/>
+        </p:nvSpPr>
+        <p:spPr>
+          <a:xfrm>
+            <a:off x="5504688" y="3733800"/>
+            <a:ext cx="1414272" cy="1377696"/>
+          </a:xfrm>
+          <a:prstGeom prst="triangle">
+            <a:avLst>
+              <a:gd name="adj" fmla="val 50862"/>
+            </a:avLst>
+          </a:prstGeom>
+          <a:solidFill>
+            <a:srgbClr val="FFC000"/>
+          </a:solidFill>
+          <a:ln>
+            <a:solidFill>
+              <a:srgbClr val="FFC000"/>
+            </a:solidFill>
+          </a:ln>
+        </p:spPr>
+        <p:style>
+          <a:lnRef idx="2">
+            <a:schemeClr val="accent1">
+              <a:shade val="50000"/>
+            </a:schemeClr>
+          </a:lnRef>
+          <a:fillRef idx="1">
+            <a:schemeClr val="accent1"/>
+          </a:fillRef>
+          <a:effectRef idx="0">
+            <a:schemeClr val="accent1"/>
+          </a:effectRef>
+          <a:fontRef idx="minor">
+            <a:schemeClr val="lt1"/>
+          </a:fontRef>
+        </p:style>
+        <p:txBody>
+          <a:bodyPr rtlCol="0" anchor="ctr"/>
+          <a:lstStyle/>
+          <a:p>
+            <a:pPr algn="ctr"/>
+            <a:endParaRPr kumimoji="1" lang="ko-Kore-KR" altLang="en-US"/>
+          </a:p>
+        </p:txBody>
+      </p:sp>
+      <p:sp>
+        <p:nvSpPr>
+          <p:cNvPr id="6" name="타원 5">
+            <a:extLst>
+              <a:ext uri="{FF2B5EF4-FFF2-40B4-BE49-F238E27FC236}">
+                <a16:creationId xmlns:a16="http://schemas.microsoft.com/office/drawing/2014/main" id="{ED99D54C-D3F9-7D0C-96BC-CFC85F9828E9}"/>
+              </a:ext>
+            </a:extLst>
+          </p:cNvPr>
+          <p:cNvSpPr/>
+          <p:nvPr/>
+        </p:nvSpPr>
+        <p:spPr>
+          <a:xfrm>
+            <a:off x="7187184" y="4023360"/>
+            <a:ext cx="1042416" cy="45719"/>
+          </a:xfrm>
+          <a:prstGeom prst="ellipse">
+            <a:avLst/>
+          </a:prstGeom>
+          <a:solidFill>
+            <a:srgbClr val="FF00A8"/>
+          </a:solidFill>
+          <a:ln>
+            <a:solidFill>
+              <a:srgbClr val="FF00A8"/>
+            </a:solidFill>
+          </a:ln>
+        </p:spPr>
+        <p:style>
+          <a:lnRef idx="2">
+            <a:schemeClr val="accent1">
+              <a:shade val="50000"/>
+            </a:schemeClr>
+          </a:lnRef>
+          <a:fillRef idx="1">
+            <a:schemeClr val="accent1"/>
+          </a:fillRef>
+          <a:effectRef idx="0">
+            <a:schemeClr val="accent1"/>
+          </a:effectRef>
+          <a:fontRef idx="minor">
+            <a:schemeClr val="lt1"/>
+          </a:fontRef>
+        </p:style>
+        <p:txBody>
+          <a:bodyPr rtlCol="0" anchor="ctr"/>
+          <a:lstStyle/>
+          <a:p>
+            <a:pPr algn="ctr"/>
+            <a:endParaRPr kumimoji="1" lang="ko-Kore-KR" altLang="en-US"/>
+          </a:p>
+        </p:txBody>
+      </p:sp>
+      <p:sp>
+        <p:nvSpPr>
+          <p:cNvPr id="7" name="타원 6">
+            <a:extLst>
+              <a:ext uri="{FF2B5EF4-FFF2-40B4-BE49-F238E27FC236}">
+                <a16:creationId xmlns:a16="http://schemas.microsoft.com/office/drawing/2014/main" id="{564DDDB6-A90A-C7B5-7C28-FD5BB76501B8}"/>
+              </a:ext>
+            </a:extLst>
+          </p:cNvPr>
+          <p:cNvSpPr/>
+          <p:nvPr/>
+        </p:nvSpPr>
+        <p:spPr>
+          <a:xfrm>
+            <a:off x="4328160" y="3977641"/>
+            <a:ext cx="1042416" cy="45719"/>
+          </a:xfrm>
+          <a:prstGeom prst="ellipse">
+            <a:avLst/>
+          </a:prstGeom>
+          <a:solidFill>
+            <a:srgbClr val="FF00A8"/>
+          </a:solidFill>
+          <a:ln>
+            <a:solidFill>
+              <a:srgbClr val="FF00A8"/>
+            </a:solidFill>
+          </a:ln>
+        </p:spPr>
+        <p:style>
+          <a:lnRef idx="2">
+            <a:schemeClr val="accent1">
+              <a:shade val="50000"/>
+            </a:schemeClr>
+          </a:lnRef>
+          <a:fillRef idx="1">
+            <a:schemeClr val="accent1"/>
+          </a:fillRef>
+          <a:effectRef idx="0">
+            <a:schemeClr val="accent1"/>
+          </a:effectRef>
+          <a:fontRef idx="minor">
+            <a:schemeClr val="lt1"/>
+          </a:fontRef>
+        </p:style>
+        <p:txBody>
+          <a:bodyPr rtlCol="0" anchor="ctr"/>
+          <a:lstStyle/>
+          <a:p>
+            <a:pPr algn="ctr"/>
+            <a:endParaRPr kumimoji="1" lang="ko-Kore-KR" altLang="en-US"/>
+          </a:p>
+        </p:txBody>
+      </p:sp>
+      <p:sp>
+        <p:nvSpPr>
+          <p:cNvPr id="8" name="타원 7">
+            <a:extLst>
+              <a:ext uri="{FF2B5EF4-FFF2-40B4-BE49-F238E27FC236}">
+                <a16:creationId xmlns:a16="http://schemas.microsoft.com/office/drawing/2014/main" id="{88B3BDB7-131C-0E5F-3C4C-15CFFFD2389F}"/>
+              </a:ext>
+            </a:extLst>
+          </p:cNvPr>
+          <p:cNvSpPr/>
+          <p:nvPr/>
+        </p:nvSpPr>
+        <p:spPr>
+          <a:xfrm>
+            <a:off x="5300471" y="2761484"/>
+            <a:ext cx="204217" cy="204217"/>
+          </a:xfrm>
+          <a:prstGeom prst="ellipse">
+            <a:avLst/>
+          </a:prstGeom>
+          <a:solidFill>
+            <a:schemeClr val="bg1"/>
+          </a:solidFill>
+        </p:spPr>
+        <p:style>
+          <a:lnRef idx="2">
+            <a:schemeClr val="dk1">
+              <a:shade val="50000"/>
+            </a:schemeClr>
+          </a:lnRef>
+          <a:fillRef idx="1">
+            <a:schemeClr val="dk1"/>
+          </a:fillRef>
+          <a:effectRef idx="0">
+            <a:schemeClr val="dk1"/>
+          </a:effectRef>
+          <a:fontRef idx="minor">
+            <a:schemeClr val="lt1"/>
+          </a:fontRef>
+        </p:style>
+        <p:txBody>
+          <a:bodyPr rtlCol="0" anchor="ctr"/>
+          <a:lstStyle/>
+          <a:p>
+            <a:pPr algn="ctr"/>
+            <a:endParaRPr kumimoji="1" lang="ko-Kore-KR" altLang="en-US"/>
+          </a:p>
+        </p:txBody>
+      </p:sp>
+      <p:sp>
+        <p:nvSpPr>
+          <p:cNvPr id="9" name="타원 8">
+            <a:extLst>
+              <a:ext uri="{FF2B5EF4-FFF2-40B4-BE49-F238E27FC236}">
+                <a16:creationId xmlns:a16="http://schemas.microsoft.com/office/drawing/2014/main" id="{32350312-6379-10AB-274C-9F1BAF0082ED}"/>
+              </a:ext>
+            </a:extLst>
+          </p:cNvPr>
+          <p:cNvSpPr/>
+          <p:nvPr/>
+        </p:nvSpPr>
+        <p:spPr>
+          <a:xfrm>
+            <a:off x="7318247" y="2659375"/>
+            <a:ext cx="204217" cy="204217"/>
+          </a:xfrm>
+          <a:prstGeom prst="ellipse">
+            <a:avLst/>
+          </a:prstGeom>
+          <a:solidFill>
+            <a:schemeClr val="bg1"/>
+          </a:solidFill>
+        </p:spPr>
+        <p:style>
+          <a:lnRef idx="2">
+            <a:schemeClr val="dk1">
+              <a:shade val="50000"/>
+            </a:schemeClr>
+          </a:lnRef>
+          <a:fillRef idx="1">
+            <a:schemeClr val="dk1"/>
+          </a:fillRef>
+          <a:effectRef idx="0">
+            <a:schemeClr val="dk1"/>
+          </a:effectRef>
+          <a:fontRef idx="minor">
+            <a:schemeClr val="lt1"/>
+          </a:fontRef>
+        </p:style>
+        <p:txBody>
+          <a:bodyPr rtlCol="0" anchor="ctr"/>
+          <a:lstStyle/>
+          <a:p>
+            <a:pPr algn="ctr"/>
+            <a:endParaRPr kumimoji="1" lang="ko-Kore-KR" altLang="en-US"/>
+          </a:p>
+        </p:txBody>
+      </p:sp>
+      <p:sp>
+        <p:nvSpPr>
+          <p:cNvPr id="10" name="하트[H] 9">
+            <a:extLst>
+              <a:ext uri="{FF2B5EF4-FFF2-40B4-BE49-F238E27FC236}">
+                <a16:creationId xmlns:a16="http://schemas.microsoft.com/office/drawing/2014/main" id="{08F2357C-521A-5CFA-9CDC-378A4E3DE380}"/>
+              </a:ext>
+            </a:extLst>
+          </p:cNvPr>
+          <p:cNvSpPr/>
+          <p:nvPr/>
+        </p:nvSpPr>
+        <p:spPr>
+          <a:xfrm>
+            <a:off x="3694176" y="1438656"/>
+            <a:ext cx="1048512" cy="1048512"/>
+          </a:xfrm>
+          <a:prstGeom prst="heart">
+            <a:avLst/>
+          </a:prstGeom>
+          <a:solidFill>
+            <a:srgbClr val="4F94FF"/>
+          </a:solidFill>
+          <a:ln>
+            <a:solidFill>
+              <a:srgbClr val="4F94FF"/>
+            </a:solidFill>
+          </a:ln>
+        </p:spPr>
+        <p:style>
+          <a:lnRef idx="2">
+            <a:schemeClr val="accent1">
+              <a:shade val="50000"/>
+            </a:schemeClr>
+          </a:lnRef>
+          <a:fillRef idx="1">
+            <a:schemeClr val="accent1"/>
+          </a:fillRef>
+          <a:effectRef idx="0">
+            <a:schemeClr val="accent1"/>
+          </a:effectRef>
+          <a:fontRef idx="minor">
+            <a:schemeClr val="lt1"/>
+          </a:fontRef>
+        </p:style>
+        <p:txBody>
+          <a:bodyPr rtlCol="0" anchor="ctr"/>
+          <a:lstStyle/>
+          <a:p>
+            <a:pPr algn="ctr"/>
+            <a:endParaRPr kumimoji="1" lang="ko-Kore-KR" altLang="en-US"/>
+          </a:p>
+        </p:txBody>
+      </p:sp>
+      <p:sp>
+        <p:nvSpPr>
+          <p:cNvPr id="11" name="하트[H] 10">
+            <a:extLst>
+              <a:ext uri="{FF2B5EF4-FFF2-40B4-BE49-F238E27FC236}">
+                <a16:creationId xmlns:a16="http://schemas.microsoft.com/office/drawing/2014/main" id="{BC6818BF-A98D-4DEF-A832-99C5D0048CA9}"/>
+              </a:ext>
+            </a:extLst>
+          </p:cNvPr>
+          <p:cNvSpPr/>
+          <p:nvPr/>
+        </p:nvSpPr>
+        <p:spPr>
+          <a:xfrm>
+            <a:off x="6038850" y="4657344"/>
+            <a:ext cx="345948" cy="345948"/>
+          </a:xfrm>
+          <a:prstGeom prst="heart">
+            <a:avLst/>
+          </a:prstGeom>
+          <a:solidFill>
+            <a:srgbClr val="FF00A8"/>
+          </a:solidFill>
+          <a:ln>
+            <a:solidFill>
+              <a:srgbClr val="FF00A8"/>
+            </a:solidFill>
+          </a:ln>
+        </p:spPr>
+        <p:style>
+          <a:lnRef idx="2">
+            <a:schemeClr val="accent1">
+              <a:shade val="50000"/>
+            </a:schemeClr>
+          </a:lnRef>
+          <a:fillRef idx="1">
+            <a:schemeClr val="accent1"/>
+          </a:fillRef>
+          <a:effectRef idx="0">
+            <a:schemeClr val="accent1"/>
+          </a:effectRef>
+          <a:fontRef idx="minor">
+            <a:schemeClr val="lt1"/>
+          </a:fontRef>
+        </p:style>
+        <p:txBody>
+          <a:bodyPr rtlCol="0" anchor="ctr"/>
+          <a:lstStyle/>
+          <a:p>
+            <a:pPr algn="ctr"/>
+            <a:endParaRPr kumimoji="1" lang="ko-Kore-KR" altLang="en-US"/>
+          </a:p>
+        </p:txBody>
+      </p:sp>
     </p:spTree>
     <p:extLst>
       <p:ext uri="{BB962C8B-B14F-4D97-AF65-F5344CB8AC3E}">
@@ -9835,7 +16346,7 @@
 </p:sld>
 </file>
 
-<file path=ppt/slides/slide22.xml><?xml version="1.0" encoding="utf-8"?>
+<file path=ppt/slides/slide23.xml><?xml version="1.0" encoding="utf-8"?>
 <p:sld xmlns:a="http://schemas.openxmlformats.org/drawingml/2006/main" xmlns:r="http://schemas.openxmlformats.org/officeDocument/2006/relationships" xmlns:p="http://schemas.openxmlformats.org/presentationml/2006/main">
   <p:cSld>
     <p:spTree>
@@ -9865,7 +16376,7 @@
 </p:sld>
 </file>
 
-<file path=ppt/slides/slide23.xml><?xml version="1.0" encoding="utf-8"?>
+<file path=ppt/slides/slide24.xml><?xml version="1.0" encoding="utf-8"?>
 <p:sld xmlns:a="http://schemas.openxmlformats.org/drawingml/2006/main" xmlns:r="http://schemas.openxmlformats.org/officeDocument/2006/relationships" xmlns:p="http://schemas.openxmlformats.org/presentationml/2006/main">
   <p:cSld>
     <p:spTree>
@@ -9895,7 +16406,7 @@
 </p:sld>
 </file>
 
-<file path=ppt/slides/slide24.xml><?xml version="1.0" encoding="utf-8"?>
+<file path=ppt/slides/slide25.xml><?xml version="1.0" encoding="utf-8"?>
 <p:sld xmlns:a="http://schemas.openxmlformats.org/drawingml/2006/main" xmlns:r="http://schemas.openxmlformats.org/officeDocument/2006/relationships" xmlns:p="http://schemas.openxmlformats.org/presentationml/2006/main">
   <p:cSld>
     <p:spTree>
@@ -9925,7 +16436,7 @@
 </p:sld>
 </file>
 
-<file path=ppt/slides/slide25.xml><?xml version="1.0" encoding="utf-8"?>
+<file path=ppt/slides/slide26.xml><?xml version="1.0" encoding="utf-8"?>
 <p:sld xmlns:a="http://schemas.openxmlformats.org/drawingml/2006/main" xmlns:r="http://schemas.openxmlformats.org/officeDocument/2006/relationships" xmlns:p="http://schemas.openxmlformats.org/presentationml/2006/main">
   <p:cSld>
     <p:spTree>
@@ -9955,7 +16466,7 @@
 </p:sld>
 </file>
 
-<file path=ppt/slides/slide26.xml><?xml version="1.0" encoding="utf-8"?>
+<file path=ppt/slides/slide27.xml><?xml version="1.0" encoding="utf-8"?>
 <p:sld xmlns:a="http://schemas.openxmlformats.org/drawingml/2006/main" xmlns:r="http://schemas.openxmlformats.org/officeDocument/2006/relationships" xmlns:p="http://schemas.openxmlformats.org/presentationml/2006/main">
   <p:cSld>
     <p:spTree>
@@ -9985,7 +16496,7 @@
 </p:sld>
 </file>
 
-<file path=ppt/slides/slide27.xml><?xml version="1.0" encoding="utf-8"?>
+<file path=ppt/slides/slide28.xml><?xml version="1.0" encoding="utf-8"?>
 <p:sld xmlns:a="http://schemas.openxmlformats.org/drawingml/2006/main" xmlns:r="http://schemas.openxmlformats.org/officeDocument/2006/relationships" xmlns:p="http://schemas.openxmlformats.org/presentationml/2006/main">
   <p:cSld>
     <p:spTree>
@@ -10015,7 +16526,7 @@
 </p:sld>
 </file>
 
-<file path=ppt/slides/slide28.xml><?xml version="1.0" encoding="utf-8"?>
+<file path=ppt/slides/slide29.xml><?xml version="1.0" encoding="utf-8"?>
 <p:sld xmlns:a="http://schemas.openxmlformats.org/drawingml/2006/main" xmlns:r="http://schemas.openxmlformats.org/officeDocument/2006/relationships" xmlns:p="http://schemas.openxmlformats.org/presentationml/2006/main">
   <p:cSld>
     <p:spTree>
@@ -10036,36 +16547,6 @@
     <p:extLst>
       <p:ext uri="{BB962C8B-B14F-4D97-AF65-F5344CB8AC3E}">
         <p14:creationId xmlns:p14="http://schemas.microsoft.com/office/powerpoint/2010/main" val="2280015186"/>
-      </p:ext>
-    </p:extLst>
-  </p:cSld>
-  <p:clrMapOvr>
-    <a:masterClrMapping/>
-  </p:clrMapOvr>
-</p:sld>
-</file>
-
-<file path=ppt/slides/slide29.xml><?xml version="1.0" encoding="utf-8"?>
-<p:sld xmlns:a="http://schemas.openxmlformats.org/drawingml/2006/main" xmlns:r="http://schemas.openxmlformats.org/officeDocument/2006/relationships" xmlns:p="http://schemas.openxmlformats.org/presentationml/2006/main">
-  <p:cSld>
-    <p:spTree>
-      <p:nvGrpSpPr>
-        <p:cNvPr id="1" name=""/>
-        <p:cNvGrpSpPr/>
-        <p:nvPr/>
-      </p:nvGrpSpPr>
-      <p:grpSpPr>
-        <a:xfrm>
-          <a:off x="0" y="0"/>
-          <a:ext cx="0" cy="0"/>
-          <a:chOff x="0" y="0"/>
-          <a:chExt cx="0" cy="0"/>
-        </a:xfrm>
-      </p:grpSpPr>
-    </p:spTree>
-    <p:extLst>
-      <p:ext uri="{BB962C8B-B14F-4D97-AF65-F5344CB8AC3E}">
-        <p14:creationId xmlns:p14="http://schemas.microsoft.com/office/powerpoint/2010/main" val="3610269479"/>
       </p:ext>
     </p:extLst>
   </p:cSld>
@@ -10709,7 +17190,7 @@
     </p:spTree>
     <p:extLst>
       <p:ext uri="{BB962C8B-B14F-4D97-AF65-F5344CB8AC3E}">
-        <p14:creationId xmlns:p14="http://schemas.microsoft.com/office/powerpoint/2010/main" val="3781693062"/>
+        <p14:creationId xmlns:p14="http://schemas.microsoft.com/office/powerpoint/2010/main" val="3610269479"/>
       </p:ext>
     </p:extLst>
   </p:cSld>
@@ -10739,7 +17220,7 @@
     </p:spTree>
     <p:extLst>
       <p:ext uri="{BB962C8B-B14F-4D97-AF65-F5344CB8AC3E}">
-        <p14:creationId xmlns:p14="http://schemas.microsoft.com/office/powerpoint/2010/main" val="3244153813"/>
+        <p14:creationId xmlns:p14="http://schemas.microsoft.com/office/powerpoint/2010/main" val="3781693062"/>
       </p:ext>
     </p:extLst>
   </p:cSld>
@@ -10769,7 +17250,7 @@
     </p:spTree>
     <p:extLst>
       <p:ext uri="{BB962C8B-B14F-4D97-AF65-F5344CB8AC3E}">
-        <p14:creationId xmlns:p14="http://schemas.microsoft.com/office/powerpoint/2010/main" val="3913396264"/>
+        <p14:creationId xmlns:p14="http://schemas.microsoft.com/office/powerpoint/2010/main" val="3244153813"/>
       </p:ext>
     </p:extLst>
   </p:cSld>
@@ -10799,7 +17280,7 @@
     </p:spTree>
     <p:extLst>
       <p:ext uri="{BB962C8B-B14F-4D97-AF65-F5344CB8AC3E}">
-        <p14:creationId xmlns:p14="http://schemas.microsoft.com/office/powerpoint/2010/main" val="682607786"/>
+        <p14:creationId xmlns:p14="http://schemas.microsoft.com/office/powerpoint/2010/main" val="3913396264"/>
       </p:ext>
     </p:extLst>
   </p:cSld>
@@ -10829,7 +17310,7 @@
     </p:spTree>
     <p:extLst>
       <p:ext uri="{BB962C8B-B14F-4D97-AF65-F5344CB8AC3E}">
-        <p14:creationId xmlns:p14="http://schemas.microsoft.com/office/powerpoint/2010/main" val="1180278508"/>
+        <p14:creationId xmlns:p14="http://schemas.microsoft.com/office/powerpoint/2010/main" val="682607786"/>
       </p:ext>
     </p:extLst>
   </p:cSld>
@@ -10859,7 +17340,7 @@
     </p:spTree>
     <p:extLst>
       <p:ext uri="{BB962C8B-B14F-4D97-AF65-F5344CB8AC3E}">
-        <p14:creationId xmlns:p14="http://schemas.microsoft.com/office/powerpoint/2010/main" val="558197416"/>
+        <p14:creationId xmlns:p14="http://schemas.microsoft.com/office/powerpoint/2010/main" val="1180278508"/>
       </p:ext>
     </p:extLst>
   </p:cSld>
@@ -10889,7 +17370,7 @@
     </p:spTree>
     <p:extLst>
       <p:ext uri="{BB962C8B-B14F-4D97-AF65-F5344CB8AC3E}">
-        <p14:creationId xmlns:p14="http://schemas.microsoft.com/office/powerpoint/2010/main" val="4066365308"/>
+        <p14:creationId xmlns:p14="http://schemas.microsoft.com/office/powerpoint/2010/main" val="558197416"/>
       </p:ext>
     </p:extLst>
   </p:cSld>
@@ -10919,7 +17400,7 @@
     </p:spTree>
     <p:extLst>
       <p:ext uri="{BB962C8B-B14F-4D97-AF65-F5344CB8AC3E}">
-        <p14:creationId xmlns:p14="http://schemas.microsoft.com/office/powerpoint/2010/main" val="3523135999"/>
+        <p14:creationId xmlns:p14="http://schemas.microsoft.com/office/powerpoint/2010/main" val="4066365308"/>
       </p:ext>
     </p:extLst>
   </p:cSld>
@@ -10949,7 +17430,7 @@
     </p:spTree>
     <p:extLst>
       <p:ext uri="{BB962C8B-B14F-4D97-AF65-F5344CB8AC3E}">
-        <p14:creationId xmlns:p14="http://schemas.microsoft.com/office/powerpoint/2010/main" val="3491279388"/>
+        <p14:creationId xmlns:p14="http://schemas.microsoft.com/office/powerpoint/2010/main" val="3523135999"/>
       </p:ext>
     </p:extLst>
   </p:cSld>
@@ -10979,7 +17460,7 @@
     </p:spTree>
     <p:extLst>
       <p:ext uri="{BB962C8B-B14F-4D97-AF65-F5344CB8AC3E}">
-        <p14:creationId xmlns:p14="http://schemas.microsoft.com/office/powerpoint/2010/main" val="1442108686"/>
+        <p14:creationId xmlns:p14="http://schemas.microsoft.com/office/powerpoint/2010/main" val="3491279388"/>
       </p:ext>
     </p:extLst>
   </p:cSld>
@@ -11523,7 +18004,7 @@
     </p:spTree>
     <p:extLst>
       <p:ext uri="{BB962C8B-B14F-4D97-AF65-F5344CB8AC3E}">
-        <p14:creationId xmlns:p14="http://schemas.microsoft.com/office/powerpoint/2010/main" val="1620877337"/>
+        <p14:creationId xmlns:p14="http://schemas.microsoft.com/office/powerpoint/2010/main" val="1442108686"/>
       </p:ext>
     </p:extLst>
   </p:cSld>
@@ -11553,6 +18034,36 @@
     </p:spTree>
     <p:extLst>
       <p:ext uri="{BB962C8B-B14F-4D97-AF65-F5344CB8AC3E}">
+        <p14:creationId xmlns:p14="http://schemas.microsoft.com/office/powerpoint/2010/main" val="1620877337"/>
+      </p:ext>
+    </p:extLst>
+  </p:cSld>
+  <p:clrMapOvr>
+    <a:masterClrMapping/>
+  </p:clrMapOvr>
+</p:sld>
+</file>
+
+<file path=ppt/slides/slide42.xml><?xml version="1.0" encoding="utf-8"?>
+<p:sld xmlns:a="http://schemas.openxmlformats.org/drawingml/2006/main" xmlns:r="http://schemas.openxmlformats.org/officeDocument/2006/relationships" xmlns:p="http://schemas.openxmlformats.org/presentationml/2006/main">
+  <p:cSld>
+    <p:spTree>
+      <p:nvGrpSpPr>
+        <p:cNvPr id="1" name=""/>
+        <p:cNvGrpSpPr/>
+        <p:nvPr/>
+      </p:nvGrpSpPr>
+      <p:grpSpPr>
+        <a:xfrm>
+          <a:off x="0" y="0"/>
+          <a:ext cx="0" cy="0"/>
+          <a:chOff x="0" y="0"/>
+          <a:chExt cx="0" cy="0"/>
+        </a:xfrm>
+      </p:grpSpPr>
+    </p:spTree>
+    <p:extLst>
+      <p:ext uri="{BB962C8B-B14F-4D97-AF65-F5344CB8AC3E}">
         <p14:creationId xmlns:p14="http://schemas.microsoft.com/office/powerpoint/2010/main" val="2112818761"/>
       </p:ext>
     </p:extLst>
@@ -11563,7 +18074,7 @@
 </p:sld>
 </file>
 
-<file path=ppt/slides/slide42.xml><?xml version="1.0" encoding="utf-8"?>
+<file path=ppt/slides/slide43.xml><?xml version="1.0" encoding="utf-8"?>
 <p:sld xmlns:a="http://schemas.openxmlformats.org/drawingml/2006/main" xmlns:r="http://schemas.openxmlformats.org/officeDocument/2006/relationships" xmlns:p="http://schemas.openxmlformats.org/presentationml/2006/main">
   <p:cSld>
     <p:spTree>
